--- a/docs/Conceitos.pptx
+++ b/docs/Conceitos.pptx
@@ -5,8 +5,14 @@
     <p:sldMasterId id="2147483648" r:id="rId1"/>
   </p:sldMasterIdLst>
   <p:sldIdLst>
-    <p:sldId id="256" r:id="rId2"/>
+    <p:sldId id="258" r:id="rId2"/>
     <p:sldId id="257" r:id="rId3"/>
+    <p:sldId id="256" r:id="rId4"/>
+    <p:sldId id="263" r:id="rId5"/>
+    <p:sldId id="261" r:id="rId6"/>
+    <p:sldId id="259" r:id="rId7"/>
+    <p:sldId id="260" r:id="rId8"/>
+    <p:sldId id="262" r:id="rId9"/>
   </p:sldIdLst>
   <p:sldSz cx="12192000" cy="6858000"/>
   <p:notesSz cx="6858000" cy="9144000"/>
@@ -105,6 +111,11 @@
       </a:defRPr>
     </a:lvl9pPr>
   </p:defaultTextStyle>
+  <p:extLst>
+    <p:ext uri="{EFAFB233-063F-42B5-8137-9DF3F51BA10A}">
+      <p15:sldGuideLst xmlns:p15="http://schemas.microsoft.com/office/powerpoint/2012/main"/>
+    </p:ext>
+  </p:extLst>
 </p:presentation>
 </file>
 
@@ -255,7 +266,7 @@
           <a:p>
             <a:fld id="{99AEEDCC-A067-4C97-83F4-BFBE4882BBAC}" type="datetimeFigureOut">
               <a:rPr lang="pt-BR" smtClean="0"/>
-              <a:t>12/08/2024</a:t>
+              <a:t>15/08/2024</a:t>
             </a:fld>
             <a:endParaRPr lang="pt-BR"/>
           </a:p>
@@ -453,7 +464,7 @@
           <a:p>
             <a:fld id="{99AEEDCC-A067-4C97-83F4-BFBE4882BBAC}" type="datetimeFigureOut">
               <a:rPr lang="pt-BR" smtClean="0"/>
-              <a:t>12/08/2024</a:t>
+              <a:t>15/08/2024</a:t>
             </a:fld>
             <a:endParaRPr lang="pt-BR"/>
           </a:p>
@@ -661,7 +672,7 @@
           <a:p>
             <a:fld id="{99AEEDCC-A067-4C97-83F4-BFBE4882BBAC}" type="datetimeFigureOut">
               <a:rPr lang="pt-BR" smtClean="0"/>
-              <a:t>12/08/2024</a:t>
+              <a:t>15/08/2024</a:t>
             </a:fld>
             <a:endParaRPr lang="pt-BR"/>
           </a:p>
@@ -859,7 +870,7 @@
           <a:p>
             <a:fld id="{99AEEDCC-A067-4C97-83F4-BFBE4882BBAC}" type="datetimeFigureOut">
               <a:rPr lang="pt-BR" smtClean="0"/>
-              <a:t>12/08/2024</a:t>
+              <a:t>15/08/2024</a:t>
             </a:fld>
             <a:endParaRPr lang="pt-BR"/>
           </a:p>
@@ -1134,7 +1145,7 @@
           <a:p>
             <a:fld id="{99AEEDCC-A067-4C97-83F4-BFBE4882BBAC}" type="datetimeFigureOut">
               <a:rPr lang="pt-BR" smtClean="0"/>
-              <a:t>12/08/2024</a:t>
+              <a:t>15/08/2024</a:t>
             </a:fld>
             <a:endParaRPr lang="pt-BR"/>
           </a:p>
@@ -1399,7 +1410,7 @@
           <a:p>
             <a:fld id="{99AEEDCC-A067-4C97-83F4-BFBE4882BBAC}" type="datetimeFigureOut">
               <a:rPr lang="pt-BR" smtClean="0"/>
-              <a:t>12/08/2024</a:t>
+              <a:t>15/08/2024</a:t>
             </a:fld>
             <a:endParaRPr lang="pt-BR"/>
           </a:p>
@@ -1811,7 +1822,7 @@
           <a:p>
             <a:fld id="{99AEEDCC-A067-4C97-83F4-BFBE4882BBAC}" type="datetimeFigureOut">
               <a:rPr lang="pt-BR" smtClean="0"/>
-              <a:t>12/08/2024</a:t>
+              <a:t>15/08/2024</a:t>
             </a:fld>
             <a:endParaRPr lang="pt-BR"/>
           </a:p>
@@ -1952,7 +1963,7 @@
           <a:p>
             <a:fld id="{99AEEDCC-A067-4C97-83F4-BFBE4882BBAC}" type="datetimeFigureOut">
               <a:rPr lang="pt-BR" smtClean="0"/>
-              <a:t>12/08/2024</a:t>
+              <a:t>15/08/2024</a:t>
             </a:fld>
             <a:endParaRPr lang="pt-BR"/>
           </a:p>
@@ -2065,7 +2076,7 @@
           <a:p>
             <a:fld id="{99AEEDCC-A067-4C97-83F4-BFBE4882BBAC}" type="datetimeFigureOut">
               <a:rPr lang="pt-BR" smtClean="0"/>
-              <a:t>12/08/2024</a:t>
+              <a:t>15/08/2024</a:t>
             </a:fld>
             <a:endParaRPr lang="pt-BR"/>
           </a:p>
@@ -2376,7 +2387,7 @@
           <a:p>
             <a:fld id="{99AEEDCC-A067-4C97-83F4-BFBE4882BBAC}" type="datetimeFigureOut">
               <a:rPr lang="pt-BR" smtClean="0"/>
-              <a:t>12/08/2024</a:t>
+              <a:t>15/08/2024</a:t>
             </a:fld>
             <a:endParaRPr lang="pt-BR"/>
           </a:p>
@@ -2664,7 +2675,7 @@
           <a:p>
             <a:fld id="{99AEEDCC-A067-4C97-83F4-BFBE4882BBAC}" type="datetimeFigureOut">
               <a:rPr lang="pt-BR" smtClean="0"/>
-              <a:t>12/08/2024</a:t>
+              <a:t>15/08/2024</a:t>
             </a:fld>
             <a:endParaRPr lang="pt-BR"/>
           </a:p>
@@ -2905,7 +2916,7 @@
           <a:p>
             <a:fld id="{99AEEDCC-A067-4C97-83F4-BFBE4882BBAC}" type="datetimeFigureOut">
               <a:rPr lang="pt-BR" smtClean="0"/>
-              <a:t>12/08/2024</a:t>
+              <a:t>15/08/2024</a:t>
             </a:fld>
             <a:endParaRPr lang="pt-BR"/>
           </a:p>
@@ -3324,10 +3335,10 @@
       </p:grpSpPr>
       <p:sp>
         <p:nvSpPr>
-          <p:cNvPr id="16" name="Elipse 15">
-            <a:extLst>
-              <a:ext uri="{FF2B5EF4-FFF2-40B4-BE49-F238E27FC236}">
-                <a16:creationId xmlns:a16="http://schemas.microsoft.com/office/drawing/2014/main" id="{951ABFE3-2782-25C5-3FC3-ED035B9D7605}"/>
+          <p:cNvPr id="3" name="Retângulo 2">
+            <a:extLst>
+              <a:ext uri="{FF2B5EF4-FFF2-40B4-BE49-F238E27FC236}">
+                <a16:creationId xmlns:a16="http://schemas.microsoft.com/office/drawing/2014/main" id="{B486528B-76E5-BE3F-A2DC-9CD626833842}"/>
               </a:ext>
             </a:extLst>
           </p:cNvPr>
@@ -3336,14 +3347,22 @@
         </p:nvSpPr>
         <p:spPr>
           <a:xfrm>
-            <a:off x="5142451" y="3749881"/>
-            <a:ext cx="2390863" cy="1470869"/>
-          </a:xfrm>
-          <a:prstGeom prst="ellipse">
-            <a:avLst/>
-          </a:prstGeom>
-          <a:noFill/>
+            <a:off x="2779534" y="741309"/>
+            <a:ext cx="5613903" cy="5814687"/>
+          </a:xfrm>
+          <a:prstGeom prst="rect">
+            <a:avLst/>
+          </a:prstGeom>
+          <a:solidFill>
+            <a:schemeClr val="bg1"/>
+          </a:solidFill>
           <a:ln>
+            <a:solidFill>
+              <a:schemeClr val="tx1">
+                <a:lumMod val="50000"/>
+                <a:lumOff val="50000"/>
+              </a:schemeClr>
+            </a:solidFill>
             <a:prstDash val="dash"/>
           </a:ln>
         </p:spPr>
@@ -3368,7 +3387,11 @@
           <a:lstStyle/>
           <a:p>
             <a:pPr algn="ctr"/>
-            <a:endParaRPr lang="pt-BR"/>
+            <a:endParaRPr lang="pt-BR" sz="1400" dirty="0">
+              <a:solidFill>
+                <a:schemeClr val="tx1"/>
+              </a:solidFill>
+            </a:endParaRPr>
           </a:p>
         </p:txBody>
       </p:sp>
@@ -3377,7 +3400,7 @@
           <p:cNvPr id="4" name="Retângulo 3">
             <a:extLst>
               <a:ext uri="{FF2B5EF4-FFF2-40B4-BE49-F238E27FC236}">
-                <a16:creationId xmlns:a16="http://schemas.microsoft.com/office/drawing/2014/main" id="{F3CB1813-B689-2F90-57CF-4771BE7C7D8F}"/>
+                <a16:creationId xmlns:a16="http://schemas.microsoft.com/office/drawing/2014/main" id="{4A24805F-EF20-A3A2-4CBA-F2BD9D94DC0B}"/>
               </a:ext>
             </a:extLst>
           </p:cNvPr>
@@ -3386,13 +3409,24 @@
         </p:nvSpPr>
         <p:spPr>
           <a:xfrm>
-            <a:off x="1423440" y="296421"/>
-            <a:ext cx="1296099" cy="906011"/>
+            <a:off x="287319" y="84779"/>
+            <a:ext cx="5138313" cy="2773478"/>
           </a:xfrm>
           <a:prstGeom prst="rect">
             <a:avLst/>
           </a:prstGeom>
-          <a:noFill/>
+          <a:solidFill>
+            <a:schemeClr val="bg1"/>
+          </a:solidFill>
+          <a:ln>
+            <a:solidFill>
+              <a:schemeClr val="tx1">
+                <a:lumMod val="50000"/>
+                <a:lumOff val="50000"/>
+              </a:schemeClr>
+            </a:solidFill>
+            <a:prstDash val="dash"/>
+          </a:ln>
         </p:spPr>
         <p:style>
           <a:lnRef idx="2">
@@ -3415,34 +3449,20 @@
           <a:lstStyle/>
           <a:p>
             <a:pPr algn="ctr"/>
-            <a:r>
-              <a:rPr lang="pt-BR" dirty="0">
-                <a:solidFill>
-                  <a:schemeClr val="tx1"/>
-                </a:solidFill>
-              </a:rPr>
-              <a:t>Ideia</a:t>
-            </a:r>
-          </a:p>
-          <a:p>
-            <a:pPr algn="ctr"/>
-            <a:r>
-              <a:rPr lang="pt-BR" dirty="0">
-                <a:solidFill>
-                  <a:schemeClr val="tx1"/>
-                </a:solidFill>
-              </a:rPr>
-              <a:t> Papel</a:t>
-            </a:r>
-          </a:p>
-        </p:txBody>
-      </p:sp>
-      <p:sp>
-        <p:nvSpPr>
-          <p:cNvPr id="5" name="Retângulo 4">
-            <a:extLst>
-              <a:ext uri="{FF2B5EF4-FFF2-40B4-BE49-F238E27FC236}">
-                <a16:creationId xmlns:a16="http://schemas.microsoft.com/office/drawing/2014/main" id="{3E344992-3AA6-0DD2-984D-9F389E3C4DFA}"/>
+            <a:endParaRPr lang="pt-BR" dirty="0">
+              <a:solidFill>
+                <a:schemeClr val="tx1"/>
+              </a:solidFill>
+            </a:endParaRPr>
+          </a:p>
+        </p:txBody>
+      </p:sp>
+      <p:sp>
+        <p:nvSpPr>
+          <p:cNvPr id="6" name="Retângulo 5">
+            <a:extLst>
+              <a:ext uri="{FF2B5EF4-FFF2-40B4-BE49-F238E27FC236}">
+                <a16:creationId xmlns:a16="http://schemas.microsoft.com/office/drawing/2014/main" id="{93B378E0-6B78-6177-A9A1-F94E01A5E9C4}"/>
               </a:ext>
             </a:extLst>
           </p:cNvPr>
@@ -3451,18 +3471,16 @@
         </p:nvSpPr>
         <p:spPr>
           <a:xfrm>
-            <a:off x="3804167" y="347901"/>
-            <a:ext cx="1012305" cy="669722"/>
+            <a:off x="1095351" y="255611"/>
+            <a:ext cx="3368366" cy="397978"/>
           </a:xfrm>
           <a:prstGeom prst="rect">
             <a:avLst/>
           </a:prstGeom>
-          <a:solidFill>
-            <a:schemeClr val="accent6">
-              <a:lumMod val="20000"/>
-              <a:lumOff val="80000"/>
-            </a:schemeClr>
-          </a:solidFill>
+          <a:noFill/>
+          <a:ln>
+            <a:noFill/>
+          </a:ln>
         </p:spPr>
         <p:style>
           <a:lnRef idx="2">
@@ -3486,30 +3504,24 @@
           <a:p>
             <a:pPr algn="ctr"/>
             <a:r>
-              <a:rPr lang="pt-BR" sz="1200" dirty="0" err="1">
+              <a:rPr lang="pt-BR" sz="4000" dirty="0">
                 <a:solidFill>
                   <a:schemeClr val="tx1"/>
                 </a:solidFill>
+                <a:latin typeface="Arial" panose="020B0604020202020204" pitchFamily="34" charset="0"/>
+                <a:cs typeface="Arial" panose="020B0604020202020204" pitchFamily="34" charset="0"/>
               </a:rPr>
-              <a:t>VSCode</a:t>
-            </a:r>
-            <a:r>
-              <a:rPr lang="pt-BR" sz="1200" dirty="0">
-                <a:solidFill>
-                  <a:schemeClr val="tx1"/>
-                </a:solidFill>
-              </a:rPr>
-              <a:t> (MD)</a:t>
-            </a:r>
-          </a:p>
-        </p:txBody>
-      </p:sp>
-      <p:sp>
-        <p:nvSpPr>
-          <p:cNvPr id="6" name="Retângulo 5">
-            <a:extLst>
-              <a:ext uri="{FF2B5EF4-FFF2-40B4-BE49-F238E27FC236}">
-                <a16:creationId xmlns:a16="http://schemas.microsoft.com/office/drawing/2014/main" id="{9BA6DDF5-10D9-2548-361E-5FCEC5D5A73D}"/>
+              <a:t>Esqueleto</a:t>
+            </a:r>
+          </a:p>
+        </p:txBody>
+      </p:sp>
+      <p:sp>
+        <p:nvSpPr>
+          <p:cNvPr id="2" name="Retângulo 1">
+            <a:extLst>
+              <a:ext uri="{FF2B5EF4-FFF2-40B4-BE49-F238E27FC236}">
+                <a16:creationId xmlns:a16="http://schemas.microsoft.com/office/drawing/2014/main" id="{5E1C2BF8-9D52-5158-1C2C-40B545A6C871}"/>
               </a:ext>
             </a:extLst>
           </p:cNvPr>
@@ -3518,13 +3530,24 @@
         </p:nvSpPr>
         <p:spPr>
           <a:xfrm>
-            <a:off x="5719895" y="2077673"/>
-            <a:ext cx="1296099" cy="906011"/>
+            <a:off x="7448424" y="3352800"/>
+            <a:ext cx="4572335" cy="3384585"/>
           </a:xfrm>
           <a:prstGeom prst="rect">
             <a:avLst/>
           </a:prstGeom>
-          <a:noFill/>
+          <a:solidFill>
+            <a:schemeClr val="bg1"/>
+          </a:solidFill>
+          <a:ln>
+            <a:solidFill>
+              <a:schemeClr val="tx1">
+                <a:lumMod val="50000"/>
+                <a:lumOff val="50000"/>
+              </a:schemeClr>
+            </a:solidFill>
+            <a:prstDash val="dash"/>
+          </a:ln>
         </p:spPr>
         <p:style>
           <a:lnRef idx="2">
@@ -3547,14 +3570,11 @@
           <a:lstStyle/>
           <a:p>
             <a:pPr algn="ctr"/>
-            <a:r>
-              <a:rPr lang="pt-BR" dirty="0">
-                <a:solidFill>
-                  <a:schemeClr val="tx1"/>
-                </a:solidFill>
-              </a:rPr>
-              <a:t>Esqueleto</a:t>
-            </a:r>
+            <a:endParaRPr lang="pt-BR" dirty="0">
+              <a:solidFill>
+                <a:schemeClr val="tx1"/>
+              </a:solidFill>
+            </a:endParaRPr>
           </a:p>
         </p:txBody>
       </p:sp>
@@ -3563,7 +3583,7 @@
           <p:cNvPr id="7" name="Retângulo 6">
             <a:extLst>
               <a:ext uri="{FF2B5EF4-FFF2-40B4-BE49-F238E27FC236}">
-                <a16:creationId xmlns:a16="http://schemas.microsoft.com/office/drawing/2014/main" id="{2A73339E-B537-0C32-183E-7F752F52746B}"/>
+                <a16:creationId xmlns:a16="http://schemas.microsoft.com/office/drawing/2014/main" id="{2A01DE02-8145-6A81-3ABA-409BC8AEB7AB}"/>
               </a:ext>
             </a:extLst>
           </p:cNvPr>
@@ -3572,13 +3592,16 @@
         </p:nvSpPr>
         <p:spPr>
           <a:xfrm>
-            <a:off x="1612405" y="1821383"/>
-            <a:ext cx="1296099" cy="472580"/>
+            <a:off x="5167597" y="556704"/>
+            <a:ext cx="3368366" cy="1521486"/>
           </a:xfrm>
           <a:prstGeom prst="rect">
             <a:avLst/>
           </a:prstGeom>
           <a:noFill/>
+          <a:ln>
+            <a:noFill/>
+          </a:ln>
         </p:spPr>
         <p:style>
           <a:lnRef idx="2">
@@ -3602,12 +3625,14 @@
           <a:p>
             <a:pPr algn="ctr"/>
             <a:r>
-              <a:rPr lang="pt-BR" dirty="0">
+              <a:rPr lang="pt-BR" sz="4000" dirty="0">
                 <a:solidFill>
                   <a:schemeClr val="tx1"/>
                 </a:solidFill>
+                <a:latin typeface="Arial" panose="020B0604020202020204" pitchFamily="34" charset="0"/>
+                <a:cs typeface="Arial" panose="020B0604020202020204" pitchFamily="34" charset="0"/>
               </a:rPr>
-              <a:t>Kratos</a:t>
+              <a:t>Conteúdo</a:t>
             </a:r>
           </a:p>
         </p:txBody>
@@ -3617,7 +3642,7 @@
           <p:cNvPr id="8" name="Retângulo 7">
             <a:extLst>
               <a:ext uri="{FF2B5EF4-FFF2-40B4-BE49-F238E27FC236}">
-                <a16:creationId xmlns:a16="http://schemas.microsoft.com/office/drawing/2014/main" id="{8E83690F-5E55-6070-2F85-09FC457936A7}"/>
+                <a16:creationId xmlns:a16="http://schemas.microsoft.com/office/drawing/2014/main" id="{B9B704B2-2CB2-FA6B-E6FE-AC71C2499B6D}"/>
               </a:ext>
             </a:extLst>
           </p:cNvPr>
@@ -3626,13 +3651,16 @@
         </p:nvSpPr>
         <p:spPr>
           <a:xfrm>
-            <a:off x="80239" y="3958662"/>
-            <a:ext cx="1296099" cy="390088"/>
+            <a:off x="8026353" y="2994500"/>
+            <a:ext cx="3368366" cy="1521486"/>
           </a:xfrm>
           <a:prstGeom prst="rect">
             <a:avLst/>
           </a:prstGeom>
           <a:noFill/>
+          <a:ln>
+            <a:noFill/>
+          </a:ln>
         </p:spPr>
         <p:style>
           <a:lnRef idx="2">
@@ -3656,12 +3684,14 @@
           <a:p>
             <a:pPr algn="ctr"/>
             <a:r>
-              <a:rPr lang="pt-BR" dirty="0">
+              <a:rPr lang="pt-BR" sz="4000" dirty="0">
                 <a:solidFill>
                   <a:schemeClr val="tx1"/>
                 </a:solidFill>
+                <a:latin typeface="Arial" panose="020B0604020202020204" pitchFamily="34" charset="0"/>
+                <a:cs typeface="Arial" panose="020B0604020202020204" pitchFamily="34" charset="0"/>
               </a:rPr>
-              <a:t>Web</a:t>
+              <a:t>Documento</a:t>
             </a:r>
           </a:p>
         </p:txBody>
@@ -3671,7 +3701,7 @@
           <p:cNvPr id="9" name="Retângulo 8">
             <a:extLst>
               <a:ext uri="{FF2B5EF4-FFF2-40B4-BE49-F238E27FC236}">
-                <a16:creationId xmlns:a16="http://schemas.microsoft.com/office/drawing/2014/main" id="{8D7C9CC3-0D76-BA77-AC0D-1B4E932E9B3F}"/>
+                <a16:creationId xmlns:a16="http://schemas.microsoft.com/office/drawing/2014/main" id="{92A06449-582B-322F-54CD-4DDCF810BCC1}"/>
               </a:ext>
             </a:extLst>
           </p:cNvPr>
@@ -3680,13 +3710,16 @@
         </p:nvSpPr>
         <p:spPr>
           <a:xfrm>
-            <a:off x="89405" y="3277304"/>
-            <a:ext cx="1296099" cy="472580"/>
+            <a:off x="4981357" y="-83298"/>
+            <a:ext cx="7109211" cy="668345"/>
           </a:xfrm>
           <a:prstGeom prst="rect">
             <a:avLst/>
           </a:prstGeom>
           <a:noFill/>
+          <a:ln>
+            <a:noFill/>
+          </a:ln>
         </p:spPr>
         <p:style>
           <a:lnRef idx="2">
@@ -3708,24 +3741,26 @@
           <a:bodyPr rtlCol="0" anchor="ctr"/>
           <a:lstStyle/>
           <a:p>
-            <a:pPr algn="ctr"/>
-            <a:r>
-              <a:rPr lang="pt-BR" dirty="0">
+            <a:pPr algn="r"/>
+            <a:r>
+              <a:rPr lang="pt-BR" sz="2400" dirty="0">
                 <a:solidFill>
                   <a:schemeClr val="tx1"/>
                 </a:solidFill>
+                <a:latin typeface="Arial" panose="020B0604020202020204" pitchFamily="34" charset="0"/>
+                <a:cs typeface="Arial" panose="020B0604020202020204" pitchFamily="34" charset="0"/>
               </a:rPr>
-              <a:t>CLI</a:t>
-            </a:r>
-          </a:p>
-        </p:txBody>
-      </p:sp>
-      <p:sp>
-        <p:nvSpPr>
-          <p:cNvPr id="10" name="Retângulo 9">
-            <a:extLst>
-              <a:ext uri="{FF2B5EF4-FFF2-40B4-BE49-F238E27FC236}">
-                <a16:creationId xmlns:a16="http://schemas.microsoft.com/office/drawing/2014/main" id="{6CA52ECF-AF81-1BA6-CE23-C975A491DB78}"/>
+              <a:t>Sistema de criação de documentações</a:t>
+            </a:r>
+          </a:p>
+        </p:txBody>
+      </p:sp>
+      <p:sp>
+        <p:nvSpPr>
+          <p:cNvPr id="5" name="Retângulo 4">
+            <a:extLst>
+              <a:ext uri="{FF2B5EF4-FFF2-40B4-BE49-F238E27FC236}">
+                <a16:creationId xmlns:a16="http://schemas.microsoft.com/office/drawing/2014/main" id="{A6F7A98F-D625-AF0D-ED33-619C565FEFC9}"/>
               </a:ext>
             </a:extLst>
           </p:cNvPr>
@@ -3734,18 +3769,16 @@
         </p:nvSpPr>
         <p:spPr>
           <a:xfrm>
-            <a:off x="2385270" y="2999065"/>
-            <a:ext cx="1533788" cy="801149"/>
+            <a:off x="287319" y="397302"/>
+            <a:ext cx="5253584" cy="2466233"/>
           </a:xfrm>
           <a:prstGeom prst="rect">
             <a:avLst/>
           </a:prstGeom>
-          <a:solidFill>
-            <a:schemeClr val="accent6">
-              <a:lumMod val="20000"/>
-              <a:lumOff val="80000"/>
-            </a:schemeClr>
-          </a:solidFill>
+          <a:noFill/>
+          <a:ln>
+            <a:noFill/>
+          </a:ln>
         </p:spPr>
         <p:style>
           <a:lnRef idx="2">
@@ -3767,24 +3800,122 @@
           <a:bodyPr rtlCol="0" anchor="ctr"/>
           <a:lstStyle/>
           <a:p>
-            <a:pPr algn="ctr"/>
-            <a:r>
-              <a:rPr lang="pt-BR" dirty="0">
+            <a:pPr marL="342900" indent="-342900">
+              <a:buFont typeface="Arial" panose="020B0604020202020204" pitchFamily="34" charset="0"/>
+              <a:buChar char="•"/>
+            </a:pPr>
+            <a:r>
+              <a:rPr lang="pt-BR" sz="1400" dirty="0">
                 <a:solidFill>
                   <a:schemeClr val="tx1"/>
                 </a:solidFill>
+                <a:latin typeface="Arial" panose="020B0604020202020204" pitchFamily="34" charset="0"/>
+                <a:cs typeface="Arial" panose="020B0604020202020204" pitchFamily="34" charset="0"/>
               </a:rPr>
-              <a:t>DADOS</a:t>
-            </a:r>
-          </a:p>
-        </p:txBody>
-      </p:sp>
-      <p:sp>
-        <p:nvSpPr>
-          <p:cNvPr id="11" name="Retângulo 10">
-            <a:extLst>
-              <a:ext uri="{FF2B5EF4-FFF2-40B4-BE49-F238E27FC236}">
-                <a16:creationId xmlns:a16="http://schemas.microsoft.com/office/drawing/2014/main" id="{BCEDDF2F-0813-4BFA-8852-795F2877EFD0}"/>
+              <a:t>Analisar o projeto de forma geral (insights)</a:t>
+            </a:r>
+          </a:p>
+          <a:p>
+            <a:pPr marL="342900" indent="-342900">
+              <a:buFont typeface="Arial" panose="020B0604020202020204" pitchFamily="34" charset="0"/>
+              <a:buChar char="•"/>
+            </a:pPr>
+            <a:r>
+              <a:rPr lang="pt-BR" sz="1400" dirty="0">
+                <a:solidFill>
+                  <a:schemeClr val="tx1"/>
+                </a:solidFill>
+                <a:latin typeface="Arial" panose="020B0604020202020204" pitchFamily="34" charset="0"/>
+                <a:cs typeface="Arial" panose="020B0604020202020204" pitchFamily="34" charset="0"/>
+              </a:rPr>
+              <a:t>Escrever lista de </a:t>
+            </a:r>
+            <a:r>
+              <a:rPr lang="pt-BR" sz="1400" dirty="0" err="1">
+                <a:solidFill>
+                  <a:schemeClr val="tx1"/>
+                </a:solidFill>
+                <a:latin typeface="Arial" panose="020B0604020202020204" pitchFamily="34" charset="0"/>
+                <a:cs typeface="Arial" panose="020B0604020202020204" pitchFamily="34" charset="0"/>
+              </a:rPr>
+              <a:t>items</a:t>
+            </a:r>
+            <a:r>
+              <a:rPr lang="pt-BR" sz="1400" dirty="0">
+                <a:solidFill>
+                  <a:schemeClr val="tx1"/>
+                </a:solidFill>
+                <a:latin typeface="Arial" panose="020B0604020202020204" pitchFamily="34" charset="0"/>
+                <a:cs typeface="Arial" panose="020B0604020202020204" pitchFamily="34" charset="0"/>
+              </a:rPr>
+              <a:t> que não pode deixar de ter (títulos).</a:t>
+            </a:r>
+          </a:p>
+          <a:p>
+            <a:pPr marL="342900" indent="-342900">
+              <a:buFont typeface="Arial" panose="020B0604020202020204" pitchFamily="34" charset="0"/>
+              <a:buChar char="•"/>
+            </a:pPr>
+            <a:r>
+              <a:rPr lang="pt-BR" sz="1400" dirty="0">
+                <a:solidFill>
+                  <a:schemeClr val="tx1"/>
+                </a:solidFill>
+                <a:latin typeface="Arial" panose="020B0604020202020204" pitchFamily="34" charset="0"/>
+                <a:cs typeface="Arial" panose="020B0604020202020204" pitchFamily="34" charset="0"/>
+              </a:rPr>
+              <a:t>Criar versões iniciais do documento da nota (Evernote)</a:t>
+            </a:r>
+          </a:p>
+          <a:p>
+            <a:pPr marL="342900" indent="-342900">
+              <a:buFont typeface="Arial" panose="020B0604020202020204" pitchFamily="34" charset="0"/>
+              <a:buChar char="•"/>
+            </a:pPr>
+            <a:r>
+              <a:rPr lang="pt-BR" sz="1400" strike="sngStrike" dirty="0">
+                <a:solidFill>
+                  <a:schemeClr val="tx1"/>
+                </a:solidFill>
+                <a:latin typeface="Arial" panose="020B0604020202020204" pitchFamily="34" charset="0"/>
+                <a:cs typeface="Arial" panose="020B0604020202020204" pitchFamily="34" charset="0"/>
+              </a:rPr>
+              <a:t>Criar versões iniciais do documento </a:t>
+            </a:r>
+          </a:p>
+          <a:p>
+            <a:pPr marL="342900" indent="-342900">
+              <a:buFont typeface="Arial" panose="020B0604020202020204" pitchFamily="34" charset="0"/>
+              <a:buChar char="•"/>
+            </a:pPr>
+            <a:r>
+              <a:rPr lang="pt-BR" sz="1400" strike="sngStrike" dirty="0">
+                <a:solidFill>
+                  <a:schemeClr val="tx1"/>
+                </a:solidFill>
+                <a:latin typeface="Arial" panose="020B0604020202020204" pitchFamily="34" charset="0"/>
+                <a:cs typeface="Arial" panose="020B0604020202020204" pitchFamily="34" charset="0"/>
+              </a:rPr>
+              <a:t>Criar sumário</a:t>
+            </a:r>
+          </a:p>
+          <a:p>
+            <a:endParaRPr lang="pt-BR" sz="1400" dirty="0">
+              <a:solidFill>
+                <a:schemeClr val="tx1"/>
+              </a:solidFill>
+              <a:latin typeface="Arial" panose="020B0604020202020204" pitchFamily="34" charset="0"/>
+              <a:cs typeface="Arial" panose="020B0604020202020204" pitchFamily="34" charset="0"/>
+            </a:endParaRPr>
+          </a:p>
+        </p:txBody>
+      </p:sp>
+      <p:sp>
+        <p:nvSpPr>
+          <p:cNvPr id="10" name="Retângulo 9">
+            <a:extLst>
+              <a:ext uri="{FF2B5EF4-FFF2-40B4-BE49-F238E27FC236}">
+                <a16:creationId xmlns:a16="http://schemas.microsoft.com/office/drawing/2014/main" id="{383B09C6-6B4C-8C42-2B16-95C89E039016}"/>
               </a:ext>
             </a:extLst>
           </p:cNvPr>
@@ -3793,15 +3924,16 @@
         </p:nvSpPr>
         <p:spPr>
           <a:xfrm>
-            <a:off x="5719895" y="3468849"/>
-            <a:ext cx="1296099" cy="531302"/>
+            <a:off x="7632222" y="3653500"/>
+            <a:ext cx="4388538" cy="2963530"/>
           </a:xfrm>
           <a:prstGeom prst="rect">
             <a:avLst/>
           </a:prstGeom>
-          <a:solidFill>
-            <a:schemeClr val="bg1"/>
-          </a:solidFill>
+          <a:noFill/>
+          <a:ln>
+            <a:noFill/>
+          </a:ln>
         </p:spPr>
         <p:style>
           <a:lnRef idx="2">
@@ -3823,24 +3955,45 @@
           <a:bodyPr rtlCol="0" anchor="ctr"/>
           <a:lstStyle/>
           <a:p>
-            <a:pPr algn="ctr"/>
-            <a:r>
-              <a:rPr lang="pt-BR" dirty="0">
+            <a:pPr marL="342900" indent="-342900">
+              <a:buFont typeface="Arial" panose="020B0604020202020204" pitchFamily="34" charset="0"/>
+              <a:buChar char="•"/>
+            </a:pPr>
+            <a:r>
+              <a:rPr lang="pt-BR" sz="1600" dirty="0">
                 <a:solidFill>
                   <a:schemeClr val="tx1"/>
                 </a:solidFill>
+                <a:latin typeface="Arial" panose="020B0604020202020204" pitchFamily="34" charset="0"/>
+                <a:cs typeface="Arial" panose="020B0604020202020204" pitchFamily="34" charset="0"/>
               </a:rPr>
-              <a:t>+Texto</a:t>
-            </a:r>
-          </a:p>
-        </p:txBody>
-      </p:sp>
-      <p:sp>
-        <p:nvSpPr>
-          <p:cNvPr id="13" name="Retângulo 12">
-            <a:extLst>
-              <a:ext uri="{FF2B5EF4-FFF2-40B4-BE49-F238E27FC236}">
-                <a16:creationId xmlns:a16="http://schemas.microsoft.com/office/drawing/2014/main" id="{F0301BC5-9E71-C033-34A9-4E833ACCB623}"/>
+              <a:t>Dezenas de ajustes de formatação. (divisão uniforme de páginas)</a:t>
+            </a:r>
+          </a:p>
+          <a:p>
+            <a:pPr marL="342900" indent="-342900">
+              <a:buFont typeface="Arial" panose="020B0604020202020204" pitchFamily="34" charset="0"/>
+              <a:buChar char="•"/>
+            </a:pPr>
+            <a:r>
+              <a:rPr lang="pt-BR" sz="1600" dirty="0">
+                <a:solidFill>
+                  <a:schemeClr val="tx1"/>
+                </a:solidFill>
+                <a:latin typeface="Arial" panose="020B0604020202020204" pitchFamily="34" charset="0"/>
+                <a:cs typeface="Arial" panose="020B0604020202020204" pitchFamily="34" charset="0"/>
+              </a:rPr>
+              <a:t>Formatar e manter atualizado o Sumário</a:t>
+            </a:r>
+          </a:p>
+        </p:txBody>
+      </p:sp>
+      <p:sp>
+        <p:nvSpPr>
+          <p:cNvPr id="11" name="Retângulo 10">
+            <a:extLst>
+              <a:ext uri="{FF2B5EF4-FFF2-40B4-BE49-F238E27FC236}">
+                <a16:creationId xmlns:a16="http://schemas.microsoft.com/office/drawing/2014/main" id="{95255A85-A97B-9FBB-4A8D-5FB5ACB554D1}"/>
               </a:ext>
             </a:extLst>
           </p:cNvPr>
@@ -3849,13 +4002,16 @@
         </p:nvSpPr>
         <p:spPr>
           <a:xfrm>
-            <a:off x="5719894" y="4184709"/>
-            <a:ext cx="1296099" cy="531302"/>
+            <a:off x="2797313" y="1623161"/>
+            <a:ext cx="4888882" cy="4444579"/>
           </a:xfrm>
           <a:prstGeom prst="rect">
             <a:avLst/>
           </a:prstGeom>
           <a:noFill/>
+          <a:ln>
+            <a:noFill/>
+          </a:ln>
         </p:spPr>
         <p:style>
           <a:lnRef idx="2">
@@ -3877,1342 +4033,126 @@
           <a:bodyPr rtlCol="0" anchor="ctr"/>
           <a:lstStyle/>
           <a:p>
-            <a:pPr algn="ctr"/>
-            <a:r>
-              <a:rPr lang="pt-BR" dirty="0">
+            <a:endParaRPr lang="pt-BR" sz="1500" dirty="0">
+              <a:solidFill>
+                <a:schemeClr val="tx1"/>
+              </a:solidFill>
+              <a:latin typeface="Arial" panose="020B0604020202020204" pitchFamily="34" charset="0"/>
+              <a:cs typeface="Arial" panose="020B0604020202020204" pitchFamily="34" charset="0"/>
+            </a:endParaRPr>
+          </a:p>
+          <a:p>
+            <a:pPr marL="342900" indent="-342900">
+              <a:buFont typeface="Arial" panose="020B0604020202020204" pitchFamily="34" charset="0"/>
+              <a:buChar char="•"/>
+            </a:pPr>
+            <a:r>
+              <a:rPr lang="pt-BR" sz="1500" dirty="0">
                 <a:solidFill>
                   <a:schemeClr val="tx1"/>
                 </a:solidFill>
+                <a:latin typeface="Arial" panose="020B0604020202020204" pitchFamily="34" charset="0"/>
+                <a:cs typeface="Arial" panose="020B0604020202020204" pitchFamily="34" charset="0"/>
               </a:rPr>
-              <a:t>+Texto</a:t>
-            </a:r>
-          </a:p>
-        </p:txBody>
-      </p:sp>
-      <p:sp>
-        <p:nvSpPr>
-          <p:cNvPr id="14" name="Retângulo 13">
-            <a:extLst>
-              <a:ext uri="{FF2B5EF4-FFF2-40B4-BE49-F238E27FC236}">
-                <a16:creationId xmlns:a16="http://schemas.microsoft.com/office/drawing/2014/main" id="{E8EA4DD0-EFF8-C253-4CC2-9327BC5E409D}"/>
-              </a:ext>
-            </a:extLst>
-          </p:cNvPr>
-          <p:cNvSpPr/>
-          <p:nvPr/>
-        </p:nvSpPr>
-        <p:spPr>
-          <a:xfrm>
-            <a:off x="5719893" y="4900569"/>
-            <a:ext cx="1296099" cy="531302"/>
-          </a:xfrm>
-          <a:prstGeom prst="rect">
-            <a:avLst/>
-          </a:prstGeom>
-          <a:solidFill>
-            <a:schemeClr val="bg1"/>
-          </a:solidFill>
-        </p:spPr>
-        <p:style>
-          <a:lnRef idx="2">
-            <a:schemeClr val="accent1">
-              <a:shade val="15000"/>
-            </a:schemeClr>
-          </a:lnRef>
-          <a:fillRef idx="1">
-            <a:schemeClr val="accent1"/>
-          </a:fillRef>
-          <a:effectRef idx="0">
-            <a:schemeClr val="accent1"/>
-          </a:effectRef>
-          <a:fontRef idx="minor">
-            <a:schemeClr val="lt1"/>
-          </a:fontRef>
-        </p:style>
-        <p:txBody>
-          <a:bodyPr rtlCol="0" anchor="ctr"/>
-          <a:lstStyle/>
-          <a:p>
-            <a:pPr algn="ctr"/>
-            <a:r>
-              <a:rPr lang="pt-BR" dirty="0">
+              <a:t>Focar em cada sessão individualmente e detalha-la</a:t>
+            </a:r>
+          </a:p>
+          <a:p>
+            <a:pPr marL="342900" indent="-342900">
+              <a:buFont typeface="Arial" panose="020B0604020202020204" pitchFamily="34" charset="0"/>
+              <a:buChar char="•"/>
+            </a:pPr>
+            <a:r>
+              <a:rPr lang="pt-BR" sz="1500" dirty="0">
                 <a:solidFill>
                   <a:schemeClr val="tx1"/>
                 </a:solidFill>
+                <a:latin typeface="Arial" panose="020B0604020202020204" pitchFamily="34" charset="0"/>
+                <a:cs typeface="Arial" panose="020B0604020202020204" pitchFamily="34" charset="0"/>
               </a:rPr>
-              <a:t>+Texto</a:t>
-            </a:r>
-          </a:p>
-        </p:txBody>
-      </p:sp>
-      <p:cxnSp>
-        <p:nvCxnSpPr>
-          <p:cNvPr id="18" name="Conector de Seta Reta 17">
-            <a:extLst>
-              <a:ext uri="{FF2B5EF4-FFF2-40B4-BE49-F238E27FC236}">
-                <a16:creationId xmlns:a16="http://schemas.microsoft.com/office/drawing/2014/main" id="{C5C1DC43-EDA0-8BA0-7FB9-24D41852D347}"/>
-              </a:ext>
-            </a:extLst>
-          </p:cNvPr>
-          <p:cNvCxnSpPr>
-            <a:cxnSpLocks/>
-          </p:cNvCxnSpPr>
-          <p:nvPr/>
-        </p:nvCxnSpPr>
-        <p:spPr>
-          <a:xfrm>
-            <a:off x="3061349" y="677069"/>
-            <a:ext cx="469783" cy="0"/>
-          </a:xfrm>
-          <a:prstGeom prst="straightConnector1">
-            <a:avLst/>
-          </a:prstGeom>
-          <a:ln>
-            <a:tailEnd type="triangle"/>
-          </a:ln>
-        </p:spPr>
-        <p:style>
-          <a:lnRef idx="2">
-            <a:schemeClr val="accent1"/>
-          </a:lnRef>
-          <a:fillRef idx="0">
-            <a:schemeClr val="accent1"/>
-          </a:fillRef>
-          <a:effectRef idx="1">
-            <a:schemeClr val="accent1"/>
-          </a:effectRef>
-          <a:fontRef idx="minor">
-            <a:schemeClr val="tx1"/>
-          </a:fontRef>
-        </p:style>
-      </p:cxnSp>
-      <p:cxnSp>
-        <p:nvCxnSpPr>
-          <p:cNvPr id="21" name="Conector de Seta Reta 20">
-            <a:extLst>
-              <a:ext uri="{FF2B5EF4-FFF2-40B4-BE49-F238E27FC236}">
-                <a16:creationId xmlns:a16="http://schemas.microsoft.com/office/drawing/2014/main" id="{F92850E6-2CFC-D356-05C6-3C6C7605B560}"/>
-              </a:ext>
-            </a:extLst>
-          </p:cNvPr>
-          <p:cNvCxnSpPr>
-            <a:cxnSpLocks/>
-          </p:cNvCxnSpPr>
-          <p:nvPr/>
-        </p:nvCxnSpPr>
-        <p:spPr>
-          <a:xfrm>
-            <a:off x="1521825" y="3573709"/>
-            <a:ext cx="458598" cy="249572"/>
-          </a:xfrm>
-          <a:prstGeom prst="straightConnector1">
-            <a:avLst/>
-          </a:prstGeom>
-          <a:ln>
-            <a:tailEnd type="triangle"/>
-          </a:ln>
-        </p:spPr>
-        <p:style>
-          <a:lnRef idx="2">
-            <a:schemeClr val="accent1"/>
-          </a:lnRef>
-          <a:fillRef idx="0">
-            <a:schemeClr val="accent1"/>
-          </a:fillRef>
-          <a:effectRef idx="1">
-            <a:schemeClr val="accent1"/>
-          </a:effectRef>
-          <a:fontRef idx="minor">
-            <a:schemeClr val="tx1"/>
-          </a:fontRef>
-        </p:style>
-      </p:cxnSp>
-      <p:cxnSp>
-        <p:nvCxnSpPr>
-          <p:cNvPr id="23" name="Conector de Seta Reta 22">
-            <a:extLst>
-              <a:ext uri="{FF2B5EF4-FFF2-40B4-BE49-F238E27FC236}">
-                <a16:creationId xmlns:a16="http://schemas.microsoft.com/office/drawing/2014/main" id="{EA6A40DC-D3AD-6423-0873-EF8A560AE7A6}"/>
-              </a:ext>
-            </a:extLst>
-          </p:cNvPr>
-          <p:cNvCxnSpPr>
-            <a:cxnSpLocks/>
-          </p:cNvCxnSpPr>
-          <p:nvPr/>
-        </p:nvCxnSpPr>
-        <p:spPr>
-          <a:xfrm>
-            <a:off x="2495725" y="2495725"/>
-            <a:ext cx="350031" cy="378900"/>
-          </a:xfrm>
-          <a:prstGeom prst="straightConnector1">
-            <a:avLst/>
-          </a:prstGeom>
-          <a:ln>
-            <a:tailEnd type="triangle"/>
-          </a:ln>
-        </p:spPr>
-        <p:style>
-          <a:lnRef idx="2">
-            <a:schemeClr val="accent1"/>
-          </a:lnRef>
-          <a:fillRef idx="0">
-            <a:schemeClr val="accent1"/>
-          </a:fillRef>
-          <a:effectRef idx="1">
-            <a:schemeClr val="accent1"/>
-          </a:effectRef>
-          <a:fontRef idx="minor">
-            <a:schemeClr val="tx1"/>
-          </a:fontRef>
-        </p:style>
-      </p:cxnSp>
-      <p:cxnSp>
-        <p:nvCxnSpPr>
-          <p:cNvPr id="25" name="Conector de Seta Reta 24">
-            <a:extLst>
-              <a:ext uri="{FF2B5EF4-FFF2-40B4-BE49-F238E27FC236}">
-                <a16:creationId xmlns:a16="http://schemas.microsoft.com/office/drawing/2014/main" id="{BAEFD6D7-78AD-94F5-52B5-2A8D20C2A573}"/>
-              </a:ext>
-            </a:extLst>
-          </p:cNvPr>
-          <p:cNvCxnSpPr>
-            <a:cxnSpLocks/>
-          </p:cNvCxnSpPr>
-          <p:nvPr/>
-        </p:nvCxnSpPr>
-        <p:spPr>
-          <a:xfrm flipV="1">
-            <a:off x="1553633" y="4114970"/>
-            <a:ext cx="394981" cy="6643"/>
-          </a:xfrm>
-          <a:prstGeom prst="straightConnector1">
-            <a:avLst/>
-          </a:prstGeom>
-          <a:ln>
-            <a:tailEnd type="triangle"/>
-          </a:ln>
-        </p:spPr>
-        <p:style>
-          <a:lnRef idx="2">
-            <a:schemeClr val="accent1"/>
-          </a:lnRef>
-          <a:fillRef idx="0">
-            <a:schemeClr val="accent1"/>
-          </a:fillRef>
-          <a:effectRef idx="1">
-            <a:schemeClr val="accent1"/>
-          </a:effectRef>
-          <a:fontRef idx="minor">
-            <a:schemeClr val="tx1"/>
-          </a:fontRef>
-        </p:style>
-      </p:cxnSp>
-      <p:cxnSp>
-        <p:nvCxnSpPr>
-          <p:cNvPr id="29" name="Conector de Seta Reta 28">
-            <a:extLst>
-              <a:ext uri="{FF2B5EF4-FFF2-40B4-BE49-F238E27FC236}">
-                <a16:creationId xmlns:a16="http://schemas.microsoft.com/office/drawing/2014/main" id="{5CF48523-E688-41DF-0868-2820B0442538}"/>
-              </a:ext>
-            </a:extLst>
-          </p:cNvPr>
-          <p:cNvCxnSpPr>
-            <a:cxnSpLocks/>
-          </p:cNvCxnSpPr>
-          <p:nvPr/>
-        </p:nvCxnSpPr>
-        <p:spPr>
-          <a:xfrm>
-            <a:off x="3061349" y="1996635"/>
-            <a:ext cx="339267" cy="0"/>
-          </a:xfrm>
-          <a:prstGeom prst="straightConnector1">
-            <a:avLst/>
-          </a:prstGeom>
-          <a:ln>
-            <a:tailEnd type="triangle"/>
-          </a:ln>
-        </p:spPr>
-        <p:style>
-          <a:lnRef idx="2">
-            <a:schemeClr val="accent1"/>
-          </a:lnRef>
-          <a:fillRef idx="0">
-            <a:schemeClr val="accent1"/>
-          </a:fillRef>
-          <a:effectRef idx="1">
-            <a:schemeClr val="accent1"/>
-          </a:effectRef>
-          <a:fontRef idx="minor">
-            <a:schemeClr val="tx1"/>
-          </a:fontRef>
-        </p:style>
-      </p:cxnSp>
-      <p:cxnSp>
-        <p:nvCxnSpPr>
-          <p:cNvPr id="31" name="Conector de Seta Reta 30">
-            <a:extLst>
-              <a:ext uri="{FF2B5EF4-FFF2-40B4-BE49-F238E27FC236}">
-                <a16:creationId xmlns:a16="http://schemas.microsoft.com/office/drawing/2014/main" id="{6C9FEEF5-9002-AF0E-171F-DDA68CB77F08}"/>
-              </a:ext>
-            </a:extLst>
-          </p:cNvPr>
-          <p:cNvCxnSpPr>
-            <a:cxnSpLocks/>
-          </p:cNvCxnSpPr>
-          <p:nvPr/>
-        </p:nvCxnSpPr>
-        <p:spPr>
-          <a:xfrm>
-            <a:off x="4341062" y="3573709"/>
-            <a:ext cx="545605" cy="471641"/>
-          </a:xfrm>
-          <a:prstGeom prst="straightConnector1">
-            <a:avLst/>
-          </a:prstGeom>
-          <a:ln>
-            <a:tailEnd type="triangle"/>
-          </a:ln>
-        </p:spPr>
-        <p:style>
-          <a:lnRef idx="2">
-            <a:schemeClr val="accent1"/>
-          </a:lnRef>
-          <a:fillRef idx="0">
-            <a:schemeClr val="accent1"/>
-          </a:fillRef>
-          <a:effectRef idx="1">
-            <a:schemeClr val="accent1"/>
-          </a:effectRef>
-          <a:fontRef idx="minor">
-            <a:schemeClr val="tx1"/>
-          </a:fontRef>
-        </p:style>
-      </p:cxnSp>
-      <p:cxnSp>
-        <p:nvCxnSpPr>
-          <p:cNvPr id="34" name="Conector de Seta Reta 33">
-            <a:extLst>
-              <a:ext uri="{FF2B5EF4-FFF2-40B4-BE49-F238E27FC236}">
-                <a16:creationId xmlns:a16="http://schemas.microsoft.com/office/drawing/2014/main" id="{9CDF033E-2959-E639-4063-FF21C356AB75}"/>
-              </a:ext>
-            </a:extLst>
-          </p:cNvPr>
-          <p:cNvCxnSpPr>
-            <a:cxnSpLocks/>
-          </p:cNvCxnSpPr>
-          <p:nvPr/>
-        </p:nvCxnSpPr>
-        <p:spPr>
-          <a:xfrm>
-            <a:off x="4240364" y="4211730"/>
-            <a:ext cx="497923" cy="423645"/>
-          </a:xfrm>
-          <a:prstGeom prst="straightConnector1">
-            <a:avLst/>
-          </a:prstGeom>
-          <a:ln>
-            <a:tailEnd type="triangle"/>
-          </a:ln>
-        </p:spPr>
-        <p:style>
-          <a:lnRef idx="2">
-            <a:schemeClr val="accent1"/>
-          </a:lnRef>
-          <a:fillRef idx="0">
-            <a:schemeClr val="accent1"/>
-          </a:fillRef>
-          <a:effectRef idx="1">
-            <a:schemeClr val="accent1"/>
-          </a:effectRef>
-          <a:fontRef idx="minor">
-            <a:schemeClr val="tx1"/>
-          </a:fontRef>
-        </p:style>
-      </p:cxnSp>
-      <p:cxnSp>
-        <p:nvCxnSpPr>
-          <p:cNvPr id="36" name="Conector de Seta Reta 35">
-            <a:extLst>
-              <a:ext uri="{FF2B5EF4-FFF2-40B4-BE49-F238E27FC236}">
-                <a16:creationId xmlns:a16="http://schemas.microsoft.com/office/drawing/2014/main" id="{33F6202B-8A55-91B1-5FE9-EE4D48D57A3D}"/>
-              </a:ext>
-            </a:extLst>
-          </p:cNvPr>
-          <p:cNvCxnSpPr>
-            <a:cxnSpLocks/>
-          </p:cNvCxnSpPr>
-          <p:nvPr/>
-        </p:nvCxnSpPr>
-        <p:spPr>
-          <a:xfrm>
-            <a:off x="4156474" y="4822491"/>
-            <a:ext cx="581813" cy="402909"/>
-          </a:xfrm>
-          <a:prstGeom prst="straightConnector1">
-            <a:avLst/>
-          </a:prstGeom>
-          <a:ln>
-            <a:tailEnd type="triangle"/>
-          </a:ln>
-        </p:spPr>
-        <p:style>
-          <a:lnRef idx="2">
-            <a:schemeClr val="accent1"/>
-          </a:lnRef>
-          <a:fillRef idx="0">
-            <a:schemeClr val="accent1"/>
-          </a:fillRef>
-          <a:effectRef idx="1">
-            <a:schemeClr val="accent1"/>
-          </a:effectRef>
-          <a:fontRef idx="minor">
-            <a:schemeClr val="tx1"/>
-          </a:fontRef>
-        </p:style>
-      </p:cxnSp>
-      <p:sp>
-        <p:nvSpPr>
-          <p:cNvPr id="38" name="Retângulo 37">
-            <a:extLst>
-              <a:ext uri="{FF2B5EF4-FFF2-40B4-BE49-F238E27FC236}">
-                <a16:creationId xmlns:a16="http://schemas.microsoft.com/office/drawing/2014/main" id="{AD3AC918-44E0-43B2-4201-04F0E2BA8DAC}"/>
-              </a:ext>
-            </a:extLst>
-          </p:cNvPr>
-          <p:cNvSpPr/>
-          <p:nvPr/>
-        </p:nvSpPr>
-        <p:spPr>
-          <a:xfrm>
-            <a:off x="10019250" y="5297650"/>
-            <a:ext cx="1533788" cy="1034642"/>
-          </a:xfrm>
-          <a:prstGeom prst="rect">
-            <a:avLst/>
-          </a:prstGeom>
-          <a:noFill/>
-        </p:spPr>
-        <p:style>
-          <a:lnRef idx="2">
-            <a:schemeClr val="accent1">
-              <a:shade val="15000"/>
-            </a:schemeClr>
-          </a:lnRef>
-          <a:fillRef idx="1">
-            <a:schemeClr val="accent1"/>
-          </a:fillRef>
-          <a:effectRef idx="0">
-            <a:schemeClr val="accent1"/>
-          </a:effectRef>
-          <a:fontRef idx="minor">
-            <a:schemeClr val="lt1"/>
-          </a:fontRef>
-        </p:style>
-        <p:txBody>
-          <a:bodyPr rtlCol="0" anchor="ctr"/>
-          <a:lstStyle/>
-          <a:p>
-            <a:pPr algn="ctr"/>
-            <a:r>
-              <a:rPr lang="pt-BR" dirty="0">
+              <a:t>Criar tabelas</a:t>
+            </a:r>
+          </a:p>
+          <a:p>
+            <a:pPr marL="342900" indent="-342900">
+              <a:buFont typeface="Arial" panose="020B0604020202020204" pitchFamily="34" charset="0"/>
+              <a:buChar char="•"/>
+            </a:pPr>
+            <a:r>
+              <a:rPr lang="pt-BR" sz="1500" strike="sngStrike" dirty="0">
                 <a:solidFill>
                   <a:schemeClr val="tx1"/>
                 </a:solidFill>
+                <a:latin typeface="Arial" panose="020B0604020202020204" pitchFamily="34" charset="0"/>
+                <a:cs typeface="Arial" panose="020B0604020202020204" pitchFamily="34" charset="0"/>
               </a:rPr>
-              <a:t>Word</a:t>
-            </a:r>
-          </a:p>
-        </p:txBody>
-      </p:sp>
-      <p:sp>
-        <p:nvSpPr>
-          <p:cNvPr id="39" name="Retângulo 38">
-            <a:extLst>
-              <a:ext uri="{FF2B5EF4-FFF2-40B4-BE49-F238E27FC236}">
-                <a16:creationId xmlns:a16="http://schemas.microsoft.com/office/drawing/2014/main" id="{CB07C714-7716-C5E9-2A37-C11FBC69BE4B}"/>
-              </a:ext>
-            </a:extLst>
-          </p:cNvPr>
-          <p:cNvSpPr/>
-          <p:nvPr/>
-        </p:nvSpPr>
-        <p:spPr>
-          <a:xfrm>
-            <a:off x="9249562" y="2291594"/>
-            <a:ext cx="1296099" cy="472580"/>
-          </a:xfrm>
-          <a:prstGeom prst="rect">
-            <a:avLst/>
-          </a:prstGeom>
-          <a:noFill/>
-        </p:spPr>
-        <p:style>
-          <a:lnRef idx="2">
-            <a:schemeClr val="accent1">
-              <a:shade val="15000"/>
-            </a:schemeClr>
-          </a:lnRef>
-          <a:fillRef idx="1">
-            <a:schemeClr val="accent1"/>
-          </a:fillRef>
-          <a:effectRef idx="0">
-            <a:schemeClr val="accent1"/>
-          </a:effectRef>
-          <a:fontRef idx="minor">
-            <a:schemeClr val="lt1"/>
-          </a:fontRef>
-        </p:style>
-        <p:txBody>
-          <a:bodyPr rtlCol="0" anchor="ctr"/>
-          <a:lstStyle/>
-          <a:p>
-            <a:pPr algn="ctr"/>
-            <a:r>
-              <a:rPr lang="pt-BR" dirty="0">
+              <a:t>Ajustar formatação das tabelas</a:t>
+            </a:r>
+          </a:p>
+          <a:p>
+            <a:pPr marL="342900" indent="-342900">
+              <a:buFont typeface="Arial" panose="020B0604020202020204" pitchFamily="34" charset="0"/>
+              <a:buChar char="•"/>
+            </a:pPr>
+            <a:r>
+              <a:rPr lang="pt-BR" sz="1500" dirty="0">
                 <a:solidFill>
                   <a:schemeClr val="tx1"/>
                 </a:solidFill>
+                <a:latin typeface="Arial" panose="020B0604020202020204" pitchFamily="34" charset="0"/>
+                <a:cs typeface="Arial" panose="020B0604020202020204" pitchFamily="34" charset="0"/>
               </a:rPr>
-              <a:t>Modelos</a:t>
-            </a:r>
-          </a:p>
-        </p:txBody>
-      </p:sp>
-      <p:sp>
-        <p:nvSpPr>
-          <p:cNvPr id="40" name="Retângulo 39">
-            <a:extLst>
-              <a:ext uri="{FF2B5EF4-FFF2-40B4-BE49-F238E27FC236}">
-                <a16:creationId xmlns:a16="http://schemas.microsoft.com/office/drawing/2014/main" id="{403F94C0-81A3-9353-778E-05A61524D0BE}"/>
-              </a:ext>
-            </a:extLst>
-          </p:cNvPr>
-          <p:cNvSpPr/>
-          <p:nvPr/>
-        </p:nvSpPr>
-        <p:spPr>
-          <a:xfrm>
-            <a:off x="9249561" y="3014442"/>
-            <a:ext cx="1296099" cy="472580"/>
-          </a:xfrm>
-          <a:prstGeom prst="rect">
-            <a:avLst/>
-          </a:prstGeom>
-          <a:noFill/>
-        </p:spPr>
-        <p:style>
-          <a:lnRef idx="2">
-            <a:schemeClr val="accent1">
-              <a:shade val="15000"/>
-            </a:schemeClr>
-          </a:lnRef>
-          <a:fillRef idx="1">
-            <a:schemeClr val="accent1"/>
-          </a:fillRef>
-          <a:effectRef idx="0">
-            <a:schemeClr val="accent1"/>
-          </a:effectRef>
-          <a:fontRef idx="minor">
-            <a:schemeClr val="lt1"/>
-          </a:fontRef>
-        </p:style>
-        <p:txBody>
-          <a:bodyPr rtlCol="0" anchor="ctr"/>
-          <a:lstStyle/>
-          <a:p>
-            <a:pPr algn="ctr"/>
-            <a:r>
-              <a:rPr lang="pt-BR" dirty="0">
+              <a:t>Coletar imagens</a:t>
+            </a:r>
+          </a:p>
+          <a:p>
+            <a:pPr marL="342900" indent="-342900">
+              <a:buFont typeface="Arial" panose="020B0604020202020204" pitchFamily="34" charset="0"/>
+              <a:buChar char="•"/>
+            </a:pPr>
+            <a:r>
+              <a:rPr lang="pt-BR" sz="1500" strike="sngStrike" dirty="0">
                 <a:solidFill>
                   <a:schemeClr val="tx1"/>
                 </a:solidFill>
+                <a:latin typeface="Arial" panose="020B0604020202020204" pitchFamily="34" charset="0"/>
+                <a:cs typeface="Arial" panose="020B0604020202020204" pitchFamily="34" charset="0"/>
               </a:rPr>
-              <a:t>Modelos</a:t>
-            </a:r>
-          </a:p>
-        </p:txBody>
-      </p:sp>
-      <p:cxnSp>
-        <p:nvCxnSpPr>
-          <p:cNvPr id="41" name="Conector de Seta Reta 40">
-            <a:extLst>
-              <a:ext uri="{FF2B5EF4-FFF2-40B4-BE49-F238E27FC236}">
-                <a16:creationId xmlns:a16="http://schemas.microsoft.com/office/drawing/2014/main" id="{C2A688B3-C098-ADFE-9913-951A490CCFF4}"/>
-              </a:ext>
-            </a:extLst>
-          </p:cNvPr>
-          <p:cNvCxnSpPr>
-            <a:cxnSpLocks/>
-          </p:cNvCxnSpPr>
-          <p:nvPr/>
-        </p:nvCxnSpPr>
-        <p:spPr>
-          <a:xfrm flipH="1">
-            <a:off x="8112154" y="3014442"/>
-            <a:ext cx="840651" cy="390087"/>
-          </a:xfrm>
-          <a:prstGeom prst="straightConnector1">
-            <a:avLst/>
-          </a:prstGeom>
-          <a:ln>
-            <a:tailEnd type="triangle"/>
-          </a:ln>
-        </p:spPr>
-        <p:style>
-          <a:lnRef idx="2">
-            <a:schemeClr val="accent1"/>
-          </a:lnRef>
-          <a:fillRef idx="0">
-            <a:schemeClr val="accent1"/>
-          </a:fillRef>
-          <a:effectRef idx="1">
-            <a:schemeClr val="accent1"/>
-          </a:effectRef>
-          <a:fontRef idx="minor">
-            <a:schemeClr val="tx1"/>
-          </a:fontRef>
-        </p:style>
-      </p:cxnSp>
-      <p:cxnSp>
-        <p:nvCxnSpPr>
-          <p:cNvPr id="44" name="Conector de Seta Reta 43">
-            <a:extLst>
-              <a:ext uri="{FF2B5EF4-FFF2-40B4-BE49-F238E27FC236}">
-                <a16:creationId xmlns:a16="http://schemas.microsoft.com/office/drawing/2014/main" id="{6403ED72-DA09-98ED-E7C6-DB9D969F1685}"/>
-              </a:ext>
-            </a:extLst>
-          </p:cNvPr>
-          <p:cNvCxnSpPr>
-            <a:cxnSpLocks/>
-          </p:cNvCxnSpPr>
-          <p:nvPr/>
-        </p:nvCxnSpPr>
-        <p:spPr>
-          <a:xfrm flipH="1">
-            <a:off x="8112154" y="3267517"/>
-            <a:ext cx="840651" cy="399871"/>
-          </a:xfrm>
-          <a:prstGeom prst="straightConnector1">
-            <a:avLst/>
-          </a:prstGeom>
-          <a:ln>
-            <a:tailEnd type="triangle"/>
-          </a:ln>
-        </p:spPr>
-        <p:style>
-          <a:lnRef idx="2">
-            <a:schemeClr val="accent1"/>
-          </a:lnRef>
-          <a:fillRef idx="0">
-            <a:schemeClr val="accent1"/>
-          </a:fillRef>
-          <a:effectRef idx="1">
-            <a:schemeClr val="accent1"/>
-          </a:effectRef>
-          <a:fontRef idx="minor">
-            <a:schemeClr val="tx1"/>
-          </a:fontRef>
-        </p:style>
-      </p:cxnSp>
-      <p:sp>
-        <p:nvSpPr>
-          <p:cNvPr id="47" name="CaixaDeTexto 46">
-            <a:extLst>
-              <a:ext uri="{FF2B5EF4-FFF2-40B4-BE49-F238E27FC236}">
-                <a16:creationId xmlns:a16="http://schemas.microsoft.com/office/drawing/2014/main" id="{061BABB7-93EA-A868-A8D7-954C60D1563C}"/>
-              </a:ext>
-            </a:extLst>
-          </p:cNvPr>
-          <p:cNvSpPr txBox="1"/>
-          <p:nvPr/>
-        </p:nvSpPr>
-        <p:spPr>
-          <a:xfrm>
-            <a:off x="4627059" y="3408489"/>
-            <a:ext cx="380232" cy="369332"/>
-          </a:xfrm>
-          <a:prstGeom prst="rect">
-            <a:avLst/>
-          </a:prstGeom>
-          <a:noFill/>
-        </p:spPr>
-        <p:txBody>
-          <a:bodyPr wrap="none" rtlCol="0">
-            <a:spAutoFit/>
-          </a:bodyPr>
-          <a:lstStyle/>
-          <a:p>
-            <a:r>
-              <a:rPr lang="pt-BR" dirty="0"/>
-              <a:t>IA</a:t>
-            </a:r>
-          </a:p>
-        </p:txBody>
-      </p:sp>
-      <p:sp>
-        <p:nvSpPr>
-          <p:cNvPr id="48" name="CaixaDeTexto 47">
-            <a:extLst>
-              <a:ext uri="{FF2B5EF4-FFF2-40B4-BE49-F238E27FC236}">
-                <a16:creationId xmlns:a16="http://schemas.microsoft.com/office/drawing/2014/main" id="{5B2977D6-BD3D-F279-B6B6-C083C5FCAA84}"/>
-              </a:ext>
-            </a:extLst>
-          </p:cNvPr>
-          <p:cNvSpPr txBox="1"/>
-          <p:nvPr/>
-        </p:nvSpPr>
-        <p:spPr>
-          <a:xfrm>
-            <a:off x="7666838" y="4215469"/>
-            <a:ext cx="380232" cy="369332"/>
-          </a:xfrm>
-          <a:prstGeom prst="rect">
-            <a:avLst/>
-          </a:prstGeom>
-          <a:noFill/>
-        </p:spPr>
-        <p:txBody>
-          <a:bodyPr wrap="none" rtlCol="0">
-            <a:spAutoFit/>
-          </a:bodyPr>
-          <a:lstStyle/>
-          <a:p>
-            <a:r>
-              <a:rPr lang="pt-BR" dirty="0"/>
-              <a:t>IA</a:t>
-            </a:r>
-          </a:p>
-        </p:txBody>
-      </p:sp>
-      <p:cxnSp>
-        <p:nvCxnSpPr>
-          <p:cNvPr id="49" name="Conector de Seta Reta 48">
-            <a:extLst>
-              <a:ext uri="{FF2B5EF4-FFF2-40B4-BE49-F238E27FC236}">
-                <a16:creationId xmlns:a16="http://schemas.microsoft.com/office/drawing/2014/main" id="{DF9BA79F-F6B2-A766-A6D6-8063D4DFE440}"/>
-              </a:ext>
-            </a:extLst>
-          </p:cNvPr>
-          <p:cNvCxnSpPr>
-            <a:cxnSpLocks/>
-          </p:cNvCxnSpPr>
-          <p:nvPr/>
-        </p:nvCxnSpPr>
-        <p:spPr>
-          <a:xfrm>
-            <a:off x="7221522" y="5573087"/>
-            <a:ext cx="890632" cy="227901"/>
-          </a:xfrm>
-          <a:prstGeom prst="straightConnector1">
-            <a:avLst/>
-          </a:prstGeom>
-          <a:ln>
-            <a:tailEnd type="triangle"/>
-          </a:ln>
-        </p:spPr>
-        <p:style>
-          <a:lnRef idx="2">
-            <a:schemeClr val="accent1"/>
-          </a:lnRef>
-          <a:fillRef idx="0">
-            <a:schemeClr val="accent1"/>
-          </a:fillRef>
-          <a:effectRef idx="1">
-            <a:schemeClr val="accent1"/>
-          </a:effectRef>
-          <a:fontRef idx="minor">
-            <a:schemeClr val="tx1"/>
-          </a:fontRef>
-        </p:style>
-      </p:cxnSp>
-      <p:sp>
-        <p:nvSpPr>
-          <p:cNvPr id="50" name="Retângulo 49">
-            <a:extLst>
-              <a:ext uri="{FF2B5EF4-FFF2-40B4-BE49-F238E27FC236}">
-                <a16:creationId xmlns:a16="http://schemas.microsoft.com/office/drawing/2014/main" id="{F4A3B41E-A792-B0FD-CA9A-BDC22547EE9D}"/>
-              </a:ext>
-            </a:extLst>
-          </p:cNvPr>
-          <p:cNvSpPr/>
-          <p:nvPr/>
-        </p:nvSpPr>
-        <p:spPr>
-          <a:xfrm>
-            <a:off x="3728241" y="5849925"/>
-            <a:ext cx="1296099" cy="676711"/>
-          </a:xfrm>
-          <a:prstGeom prst="rect">
-            <a:avLst/>
-          </a:prstGeom>
-          <a:noFill/>
-        </p:spPr>
-        <p:style>
-          <a:lnRef idx="2">
-            <a:schemeClr val="accent1">
-              <a:shade val="15000"/>
-            </a:schemeClr>
-          </a:lnRef>
-          <a:fillRef idx="1">
-            <a:schemeClr val="accent1"/>
-          </a:fillRef>
-          <a:effectRef idx="0">
-            <a:schemeClr val="accent1"/>
-          </a:effectRef>
-          <a:fontRef idx="minor">
-            <a:schemeClr val="lt1"/>
-          </a:fontRef>
-        </p:style>
-        <p:txBody>
-          <a:bodyPr rtlCol="0" anchor="ctr"/>
-          <a:lstStyle/>
-          <a:p>
-            <a:pPr algn="ctr"/>
-            <a:r>
-              <a:rPr lang="pt-BR" dirty="0">
+              <a:t>Ajustar formatação das imagens</a:t>
+            </a:r>
+          </a:p>
+          <a:p>
+            <a:pPr marL="342900" indent="-342900">
+              <a:buFont typeface="Arial" panose="020B0604020202020204" pitchFamily="34" charset="0"/>
+              <a:buChar char="•"/>
+            </a:pPr>
+            <a:r>
+              <a:rPr lang="pt-BR" sz="1500" strike="sngStrike" dirty="0">
                 <a:solidFill>
                   <a:schemeClr val="tx1"/>
                 </a:solidFill>
+                <a:latin typeface="Arial" panose="020B0604020202020204" pitchFamily="34" charset="0"/>
+                <a:cs typeface="Arial" panose="020B0604020202020204" pitchFamily="34" charset="0"/>
               </a:rPr>
-              <a:t> Papel</a:t>
-            </a:r>
-          </a:p>
-        </p:txBody>
-      </p:sp>
-      <p:cxnSp>
-        <p:nvCxnSpPr>
-          <p:cNvPr id="51" name="Conector de Seta Reta 50">
-            <a:extLst>
-              <a:ext uri="{FF2B5EF4-FFF2-40B4-BE49-F238E27FC236}">
-                <a16:creationId xmlns:a16="http://schemas.microsoft.com/office/drawing/2014/main" id="{A54E3724-AE3B-18CD-7EFD-D911E742F696}"/>
-              </a:ext>
-            </a:extLst>
-          </p:cNvPr>
-          <p:cNvCxnSpPr>
-            <a:cxnSpLocks/>
-          </p:cNvCxnSpPr>
-          <p:nvPr/>
-        </p:nvCxnSpPr>
-        <p:spPr>
-          <a:xfrm flipH="1">
-            <a:off x="4945310" y="5283667"/>
-            <a:ext cx="502519" cy="462792"/>
-          </a:xfrm>
-          <a:prstGeom prst="straightConnector1">
-            <a:avLst/>
-          </a:prstGeom>
-          <a:ln>
-            <a:tailEnd type="triangle"/>
-          </a:ln>
-        </p:spPr>
-        <p:style>
-          <a:lnRef idx="2">
-            <a:schemeClr val="accent1"/>
-          </a:lnRef>
-          <a:fillRef idx="0">
-            <a:schemeClr val="accent1"/>
-          </a:fillRef>
-          <a:effectRef idx="1">
-            <a:schemeClr val="accent1"/>
-          </a:effectRef>
-          <a:fontRef idx="minor">
-            <a:schemeClr val="tx1"/>
-          </a:fontRef>
-        </p:style>
-      </p:cxnSp>
-      <p:cxnSp>
-        <p:nvCxnSpPr>
-          <p:cNvPr id="55" name="Conector de Seta Reta 54">
-            <a:extLst>
-              <a:ext uri="{FF2B5EF4-FFF2-40B4-BE49-F238E27FC236}">
-                <a16:creationId xmlns:a16="http://schemas.microsoft.com/office/drawing/2014/main" id="{86BACE3A-2B9B-60E4-26E3-73958D848091}"/>
-              </a:ext>
-            </a:extLst>
-          </p:cNvPr>
-          <p:cNvCxnSpPr>
-            <a:cxnSpLocks/>
-          </p:cNvCxnSpPr>
-          <p:nvPr/>
-        </p:nvCxnSpPr>
-        <p:spPr>
-          <a:xfrm flipV="1">
-            <a:off x="5168773" y="5570290"/>
-            <a:ext cx="482778" cy="416657"/>
-          </a:xfrm>
-          <a:prstGeom prst="straightConnector1">
-            <a:avLst/>
-          </a:prstGeom>
-          <a:ln>
-            <a:tailEnd type="triangle"/>
-          </a:ln>
-        </p:spPr>
-        <p:style>
-          <a:lnRef idx="2">
-            <a:schemeClr val="accent1"/>
-          </a:lnRef>
-          <a:fillRef idx="0">
-            <a:schemeClr val="accent1"/>
-          </a:fillRef>
-          <a:effectRef idx="1">
-            <a:schemeClr val="accent1"/>
-          </a:effectRef>
-          <a:fontRef idx="minor">
-            <a:schemeClr val="tx1"/>
-          </a:fontRef>
-        </p:style>
-      </p:cxnSp>
-      <p:sp>
-        <p:nvSpPr>
-          <p:cNvPr id="59" name="Retângulo 58">
-            <a:extLst>
-              <a:ext uri="{FF2B5EF4-FFF2-40B4-BE49-F238E27FC236}">
-                <a16:creationId xmlns:a16="http://schemas.microsoft.com/office/drawing/2014/main" id="{455B8CD2-4BD2-2D06-F330-4D301271872D}"/>
-              </a:ext>
-            </a:extLst>
-          </p:cNvPr>
-          <p:cNvSpPr/>
-          <p:nvPr/>
-        </p:nvSpPr>
-        <p:spPr>
-          <a:xfrm>
-            <a:off x="2385270" y="4716011"/>
-            <a:ext cx="1533788" cy="531302"/>
-          </a:xfrm>
-          <a:prstGeom prst="rect">
-            <a:avLst/>
-          </a:prstGeom>
-          <a:solidFill>
-            <a:schemeClr val="accent6">
-              <a:lumMod val="20000"/>
-              <a:lumOff val="80000"/>
-            </a:schemeClr>
-          </a:solidFill>
-        </p:spPr>
-        <p:style>
-          <a:lnRef idx="2">
-            <a:schemeClr val="accent1">
-              <a:shade val="15000"/>
-            </a:schemeClr>
-          </a:lnRef>
-          <a:fillRef idx="1">
-            <a:schemeClr val="accent1"/>
-          </a:fillRef>
-          <a:effectRef idx="0">
-            <a:schemeClr val="accent1"/>
-          </a:effectRef>
-          <a:fontRef idx="minor">
-            <a:schemeClr val="lt1"/>
-          </a:fontRef>
-        </p:style>
-        <p:txBody>
-          <a:bodyPr rtlCol="0" anchor="ctr"/>
-          <a:lstStyle/>
-          <a:p>
-            <a:pPr algn="ctr"/>
-            <a:r>
-              <a:rPr lang="pt-BR" dirty="0">
+              <a:t>Impressão em papel usando formato livreto para organizar as ideias, encontrar erros e anotar pendencias</a:t>
+            </a:r>
+            <a:r>
+              <a:rPr lang="pt-BR" sz="1500" dirty="0">
                 <a:solidFill>
                   <a:schemeClr val="tx1"/>
                 </a:solidFill>
+                <a:latin typeface="Arial" panose="020B0604020202020204" pitchFamily="34" charset="0"/>
+                <a:cs typeface="Arial" panose="020B0604020202020204" pitchFamily="34" charset="0"/>
               </a:rPr>
-              <a:t>Excel</a:t>
-            </a:r>
-          </a:p>
-        </p:txBody>
-      </p:sp>
-      <p:sp>
-        <p:nvSpPr>
-          <p:cNvPr id="65" name="Retângulo 64">
-            <a:extLst>
-              <a:ext uri="{FF2B5EF4-FFF2-40B4-BE49-F238E27FC236}">
-                <a16:creationId xmlns:a16="http://schemas.microsoft.com/office/drawing/2014/main" id="{EB088805-7C31-E9A5-CB99-E96484A308E3}"/>
-              </a:ext>
-            </a:extLst>
-          </p:cNvPr>
-          <p:cNvSpPr/>
-          <p:nvPr/>
-        </p:nvSpPr>
-        <p:spPr>
-          <a:xfrm>
-            <a:off x="8237988" y="5332604"/>
-            <a:ext cx="1533788" cy="1034642"/>
-          </a:xfrm>
-          <a:prstGeom prst="rect">
-            <a:avLst/>
-          </a:prstGeom>
-          <a:solidFill>
-            <a:schemeClr val="accent6">
-              <a:lumMod val="20000"/>
-              <a:lumOff val="80000"/>
-            </a:schemeClr>
-          </a:solidFill>
-        </p:spPr>
-        <p:style>
-          <a:lnRef idx="2">
-            <a:schemeClr val="accent1">
-              <a:shade val="15000"/>
-            </a:schemeClr>
-          </a:lnRef>
-          <a:fillRef idx="1">
-            <a:schemeClr val="accent1"/>
-          </a:fillRef>
-          <a:effectRef idx="0">
-            <a:schemeClr val="accent1"/>
-          </a:effectRef>
-          <a:fontRef idx="minor">
-            <a:schemeClr val="lt1"/>
-          </a:fontRef>
-        </p:style>
-        <p:txBody>
-          <a:bodyPr rtlCol="0" anchor="ctr"/>
-          <a:lstStyle/>
-          <a:p>
-            <a:pPr algn="ctr"/>
-            <a:r>
-              <a:rPr lang="pt-BR" dirty="0">
-                <a:solidFill>
-                  <a:schemeClr val="tx1"/>
-                </a:solidFill>
-              </a:rPr>
-              <a:t>Python-</a:t>
-            </a:r>
-            <a:r>
-              <a:rPr lang="pt-BR" dirty="0" err="1">
-                <a:solidFill>
-                  <a:schemeClr val="tx1"/>
-                </a:solidFill>
-              </a:rPr>
-              <a:t>docx</a:t>
-            </a:r>
-            <a:endParaRPr lang="pt-BR" dirty="0">
-              <a:solidFill>
-                <a:schemeClr val="tx1"/>
-              </a:solidFill>
-            </a:endParaRPr>
-          </a:p>
-        </p:txBody>
-      </p:sp>
-      <p:sp>
-        <p:nvSpPr>
-          <p:cNvPr id="66" name="Retângulo 65">
-            <a:extLst>
-              <a:ext uri="{FF2B5EF4-FFF2-40B4-BE49-F238E27FC236}">
-                <a16:creationId xmlns:a16="http://schemas.microsoft.com/office/drawing/2014/main" id="{3623DED1-DA27-CA14-3F97-F135FF45B89C}"/>
-              </a:ext>
-            </a:extLst>
-          </p:cNvPr>
-          <p:cNvSpPr/>
-          <p:nvPr/>
-        </p:nvSpPr>
-        <p:spPr>
-          <a:xfrm>
-            <a:off x="2369191" y="3958205"/>
-            <a:ext cx="1533788" cy="531302"/>
-          </a:xfrm>
-          <a:prstGeom prst="rect">
-            <a:avLst/>
-          </a:prstGeom>
-          <a:solidFill>
-            <a:schemeClr val="accent6">
-              <a:lumMod val="20000"/>
-              <a:lumOff val="80000"/>
-            </a:schemeClr>
-          </a:solidFill>
-        </p:spPr>
-        <p:style>
-          <a:lnRef idx="2">
-            <a:schemeClr val="accent1">
-              <a:shade val="15000"/>
-            </a:schemeClr>
-          </a:lnRef>
-          <a:fillRef idx="1">
-            <a:schemeClr val="accent1"/>
-          </a:fillRef>
-          <a:effectRef idx="0">
-            <a:schemeClr val="accent1"/>
-          </a:effectRef>
-          <a:fontRef idx="minor">
-            <a:schemeClr val="lt1"/>
-          </a:fontRef>
-        </p:style>
-        <p:txBody>
-          <a:bodyPr rtlCol="0" anchor="ctr"/>
-          <a:lstStyle/>
-          <a:p>
-            <a:pPr algn="ctr"/>
-            <a:r>
-              <a:rPr lang="pt-BR" dirty="0">
-                <a:solidFill>
-                  <a:schemeClr val="tx1"/>
-                </a:solidFill>
-              </a:rPr>
-              <a:t>Imagens</a:t>
-            </a:r>
-          </a:p>
-        </p:txBody>
-      </p:sp>
-      <p:cxnSp>
-        <p:nvCxnSpPr>
-          <p:cNvPr id="69" name="Conector: Angulado 68">
-            <a:extLst>
-              <a:ext uri="{FF2B5EF4-FFF2-40B4-BE49-F238E27FC236}">
-                <a16:creationId xmlns:a16="http://schemas.microsoft.com/office/drawing/2014/main" id="{9F052080-BBDE-F387-EE3E-86F970952C20}"/>
-              </a:ext>
-            </a:extLst>
-          </p:cNvPr>
-          <p:cNvCxnSpPr>
-            <a:cxnSpLocks/>
-          </p:cNvCxnSpPr>
-          <p:nvPr/>
-        </p:nvCxnSpPr>
-        <p:spPr>
-          <a:xfrm>
-            <a:off x="5748222" y="894824"/>
-            <a:ext cx="695556" cy="1182849"/>
-          </a:xfrm>
-          <a:prstGeom prst="bentConnector2">
-            <a:avLst/>
-          </a:prstGeom>
-          <a:ln>
-            <a:tailEnd type="triangle"/>
-          </a:ln>
-        </p:spPr>
-        <p:style>
-          <a:lnRef idx="2">
-            <a:schemeClr val="accent1"/>
-          </a:lnRef>
-          <a:fillRef idx="0">
-            <a:schemeClr val="accent1"/>
-          </a:fillRef>
-          <a:effectRef idx="1">
-            <a:schemeClr val="accent1"/>
-          </a:effectRef>
-          <a:fontRef idx="minor">
-            <a:schemeClr val="tx1"/>
-          </a:fontRef>
-        </p:style>
-      </p:cxnSp>
-      <p:pic>
-        <p:nvPicPr>
-          <p:cNvPr id="71" name="Imagem 70">
-            <a:extLst>
-              <a:ext uri="{FF2B5EF4-FFF2-40B4-BE49-F238E27FC236}">
-                <a16:creationId xmlns:a16="http://schemas.microsoft.com/office/drawing/2014/main" id="{9741531C-3B53-975A-04D8-1592D13FDF76}"/>
-              </a:ext>
-            </a:extLst>
-          </p:cNvPr>
-          <p:cNvPicPr>
-            <a:picLocks noChangeAspect="1"/>
-          </p:cNvPicPr>
-          <p:nvPr/>
-        </p:nvPicPr>
-        <p:blipFill>
-          <a:blip r:embed="rId2"/>
-          <a:stretch>
-            <a:fillRect/>
-          </a:stretch>
-        </p:blipFill>
-        <p:spPr>
-          <a:xfrm>
-            <a:off x="4156474" y="1234426"/>
-            <a:ext cx="910205" cy="652420"/>
-          </a:xfrm>
-          <a:prstGeom prst="rect">
-            <a:avLst/>
-          </a:prstGeom>
-        </p:spPr>
-      </p:pic>
-      <p:pic>
-        <p:nvPicPr>
-          <p:cNvPr id="72" name="Imagem 71">
-            <a:extLst>
-              <a:ext uri="{FF2B5EF4-FFF2-40B4-BE49-F238E27FC236}">
-                <a16:creationId xmlns:a16="http://schemas.microsoft.com/office/drawing/2014/main" id="{3470A2B9-2212-16C3-B8F9-7A3851052D49}"/>
-              </a:ext>
-            </a:extLst>
-          </p:cNvPr>
-          <p:cNvPicPr>
-            <a:picLocks noChangeAspect="1"/>
-          </p:cNvPicPr>
-          <p:nvPr/>
-        </p:nvPicPr>
-        <p:blipFill>
-          <a:blip r:embed="rId2"/>
-          <a:stretch>
-            <a:fillRect/>
-          </a:stretch>
-        </p:blipFill>
-        <p:spPr>
-          <a:xfrm>
-            <a:off x="3689485" y="3615151"/>
-            <a:ext cx="697308" cy="499819"/>
-          </a:xfrm>
-          <a:prstGeom prst="rect">
-            <a:avLst/>
-          </a:prstGeom>
-        </p:spPr>
-      </p:pic>
-      <p:pic>
-        <p:nvPicPr>
-          <p:cNvPr id="75" name="Imagem 74" descr="Ícone&#10;&#10;Descrição gerada automaticamente">
-            <a:extLst>
-              <a:ext uri="{FF2B5EF4-FFF2-40B4-BE49-F238E27FC236}">
-                <a16:creationId xmlns:a16="http://schemas.microsoft.com/office/drawing/2014/main" id="{7EFB2560-C291-0C2A-8E4F-7EDB6A656EDA}"/>
-              </a:ext>
-            </a:extLst>
-          </p:cNvPr>
-          <p:cNvPicPr>
-            <a:picLocks noChangeAspect="1"/>
-          </p:cNvPicPr>
-          <p:nvPr/>
-        </p:nvPicPr>
-        <p:blipFill>
-          <a:blip r:embed="rId3">
-            <a:extLst>
-              <a:ext uri="{28A0092B-C50C-407E-A947-70E740481C1C}">
-                <a14:useLocalDpi xmlns:a14="http://schemas.microsoft.com/office/drawing/2010/main" val="0"/>
-              </a:ext>
-            </a:extLst>
-          </a:blip>
-          <a:stretch>
-            <a:fillRect/>
-          </a:stretch>
-        </p:blipFill>
-        <p:spPr>
-          <a:xfrm>
-            <a:off x="7673060" y="4211730"/>
-            <a:ext cx="584752" cy="547820"/>
-          </a:xfrm>
-          <a:prstGeom prst="rect">
-            <a:avLst/>
-          </a:prstGeom>
-        </p:spPr>
-      </p:pic>
-      <p:pic>
-        <p:nvPicPr>
-          <p:cNvPr id="76" name="Imagem 75" descr="Ícone&#10;&#10;Descrição gerada automaticamente">
-            <a:extLst>
-              <a:ext uri="{FF2B5EF4-FFF2-40B4-BE49-F238E27FC236}">
-                <a16:creationId xmlns:a16="http://schemas.microsoft.com/office/drawing/2014/main" id="{D88D851D-0E58-0A00-1541-B8A622E797DF}"/>
-              </a:ext>
-            </a:extLst>
-          </p:cNvPr>
-          <p:cNvPicPr>
-            <a:picLocks noChangeAspect="1"/>
-          </p:cNvPicPr>
-          <p:nvPr/>
-        </p:nvPicPr>
-        <p:blipFill>
-          <a:blip r:embed="rId3">
-            <a:extLst>
-              <a:ext uri="{28A0092B-C50C-407E-A947-70E740481C1C}">
-                <a14:useLocalDpi xmlns:a14="http://schemas.microsoft.com/office/drawing/2010/main" val="0"/>
-              </a:ext>
-            </a:extLst>
-          </a:blip>
-          <a:stretch>
-            <a:fillRect/>
-          </a:stretch>
-        </p:blipFill>
-        <p:spPr>
-          <a:xfrm>
-            <a:off x="3463364" y="1722725"/>
-            <a:ext cx="584752" cy="547820"/>
-          </a:xfrm>
-          <a:prstGeom prst="rect">
-            <a:avLst/>
-          </a:prstGeom>
-        </p:spPr>
-      </p:pic>
-      <p:cxnSp>
-        <p:nvCxnSpPr>
-          <p:cNvPr id="80" name="Conector de Seta Reta 79">
-            <a:extLst>
-              <a:ext uri="{FF2B5EF4-FFF2-40B4-BE49-F238E27FC236}">
-                <a16:creationId xmlns:a16="http://schemas.microsoft.com/office/drawing/2014/main" id="{8AF3CD52-87A6-FF43-9EE2-F48C1CEA811C}"/>
-              </a:ext>
-            </a:extLst>
-          </p:cNvPr>
-          <p:cNvCxnSpPr>
-            <a:cxnSpLocks/>
-          </p:cNvCxnSpPr>
-          <p:nvPr/>
-        </p:nvCxnSpPr>
-        <p:spPr>
-          <a:xfrm flipV="1">
-            <a:off x="3628239" y="1175614"/>
-            <a:ext cx="213919" cy="385022"/>
-          </a:xfrm>
-          <a:prstGeom prst="straightConnector1">
-            <a:avLst/>
-          </a:prstGeom>
-          <a:ln>
-            <a:tailEnd type="triangle"/>
-          </a:ln>
-        </p:spPr>
-        <p:style>
-          <a:lnRef idx="2">
-            <a:schemeClr val="accent1"/>
-          </a:lnRef>
-          <a:fillRef idx="0">
-            <a:schemeClr val="accent1"/>
-          </a:fillRef>
-          <a:effectRef idx="1">
-            <a:schemeClr val="accent1"/>
-          </a:effectRef>
-          <a:fontRef idx="minor">
-            <a:schemeClr val="tx1"/>
-          </a:fontRef>
-        </p:style>
-      </p:cxnSp>
-      <p:cxnSp>
-        <p:nvCxnSpPr>
-          <p:cNvPr id="83" name="Conector de Seta Reta 82">
-            <a:extLst>
-              <a:ext uri="{FF2B5EF4-FFF2-40B4-BE49-F238E27FC236}">
-                <a16:creationId xmlns:a16="http://schemas.microsoft.com/office/drawing/2014/main" id="{50AC14CA-9DA3-2D0B-E572-2FF8E38BA682}"/>
-              </a:ext>
-            </a:extLst>
-          </p:cNvPr>
-          <p:cNvCxnSpPr>
-            <a:cxnSpLocks/>
-          </p:cNvCxnSpPr>
-          <p:nvPr/>
-        </p:nvCxnSpPr>
-        <p:spPr>
-          <a:xfrm flipH="1">
-            <a:off x="3804167" y="1255329"/>
-            <a:ext cx="183199" cy="355358"/>
-          </a:xfrm>
-          <a:prstGeom prst="straightConnector1">
-            <a:avLst/>
-          </a:prstGeom>
-          <a:ln>
-            <a:tailEnd type="triangle"/>
-          </a:ln>
-        </p:spPr>
-        <p:style>
-          <a:lnRef idx="2">
-            <a:schemeClr val="accent1"/>
-          </a:lnRef>
-          <a:fillRef idx="0">
-            <a:schemeClr val="accent1"/>
-          </a:fillRef>
-          <a:effectRef idx="1">
-            <a:schemeClr val="accent1"/>
-          </a:effectRef>
-          <a:fontRef idx="minor">
-            <a:schemeClr val="tx1"/>
-          </a:fontRef>
-        </p:style>
-      </p:cxnSp>
+              <a:t>.</a:t>
+            </a:r>
+          </a:p>
+        </p:txBody>
+      </p:sp>
     </p:spTree>
     <p:extLst>
       <p:ext uri="{BB962C8B-B14F-4D97-AF65-F5344CB8AC3E}">
-        <p14:creationId xmlns:p14="http://schemas.microsoft.com/office/powerpoint/2010/main" val="3597502251"/>
+        <p14:creationId xmlns:p14="http://schemas.microsoft.com/office/powerpoint/2010/main" val="4029006477"/>
       </p:ext>
     </p:extLst>
   </p:cSld>
@@ -5241,10 +4181,10 @@
       </p:grpSpPr>
       <p:sp>
         <p:nvSpPr>
-          <p:cNvPr id="16" name="Elipse 15">
-            <a:extLst>
-              <a:ext uri="{FF2B5EF4-FFF2-40B4-BE49-F238E27FC236}">
-                <a16:creationId xmlns:a16="http://schemas.microsoft.com/office/drawing/2014/main" id="{951ABFE3-2782-25C5-3FC3-ED035B9D7605}"/>
+          <p:cNvPr id="2" name="Retângulo 1">
+            <a:extLst>
+              <a:ext uri="{FF2B5EF4-FFF2-40B4-BE49-F238E27FC236}">
+                <a16:creationId xmlns:a16="http://schemas.microsoft.com/office/drawing/2014/main" id="{5148B2FF-113A-994F-5660-0FAE6BFC1C16}"/>
               </a:ext>
             </a:extLst>
           </p:cNvPr>
@@ -5253,13 +4193,15 @@
         </p:nvSpPr>
         <p:spPr>
           <a:xfrm>
-            <a:off x="5364759" y="3347209"/>
-            <a:ext cx="2390863" cy="1470869"/>
-          </a:xfrm>
-          <a:prstGeom prst="ellipse">
-            <a:avLst/>
-          </a:prstGeom>
-          <a:noFill/>
+            <a:off x="7279984" y="3352800"/>
+            <a:ext cx="4740775" cy="3384585"/>
+          </a:xfrm>
+          <a:prstGeom prst="rect">
+            <a:avLst/>
+          </a:prstGeom>
+          <a:solidFill>
+            <a:schemeClr val="bg1"/>
+          </a:solidFill>
           <a:ln>
             <a:prstDash val="dash"/>
           </a:ln>
@@ -5285,16 +4227,20 @@
           <a:lstStyle/>
           <a:p>
             <a:pPr algn="ctr"/>
-            <a:endParaRPr lang="pt-BR"/>
-          </a:p>
-        </p:txBody>
-      </p:sp>
-      <p:sp>
-        <p:nvSpPr>
-          <p:cNvPr id="4" name="Retângulo 3">
-            <a:extLst>
-              <a:ext uri="{FF2B5EF4-FFF2-40B4-BE49-F238E27FC236}">
-                <a16:creationId xmlns:a16="http://schemas.microsoft.com/office/drawing/2014/main" id="{F3CB1813-B689-2F90-57CF-4771BE7C7D8F}"/>
+            <a:endParaRPr lang="pt-BR" dirty="0">
+              <a:solidFill>
+                <a:schemeClr val="tx1"/>
+              </a:solidFill>
+            </a:endParaRPr>
+          </a:p>
+        </p:txBody>
+      </p:sp>
+      <p:sp>
+        <p:nvSpPr>
+          <p:cNvPr id="3" name="Retângulo 2">
+            <a:extLst>
+              <a:ext uri="{FF2B5EF4-FFF2-40B4-BE49-F238E27FC236}">
+                <a16:creationId xmlns:a16="http://schemas.microsoft.com/office/drawing/2014/main" id="{AF0C6814-D4E2-3E01-4B80-830AE0133E8B}"/>
               </a:ext>
             </a:extLst>
           </p:cNvPr>
@@ -5303,13 +4249,18 @@
         </p:nvSpPr>
         <p:spPr>
           <a:xfrm>
-            <a:off x="633370" y="947956"/>
-            <a:ext cx="1296099" cy="906011"/>
+            <a:off x="3515652" y="741310"/>
+            <a:ext cx="4853098" cy="5809092"/>
           </a:xfrm>
           <a:prstGeom prst="rect">
             <a:avLst/>
           </a:prstGeom>
-          <a:noFill/>
+          <a:solidFill>
+            <a:schemeClr val="bg1"/>
+          </a:solidFill>
+          <a:ln>
+            <a:prstDash val="dash"/>
+          </a:ln>
         </p:spPr>
         <p:style>
           <a:lnRef idx="2">
@@ -5332,34 +4283,20 @@
           <a:lstStyle/>
           <a:p>
             <a:pPr algn="ctr"/>
-            <a:r>
-              <a:rPr lang="pt-BR" dirty="0">
-                <a:solidFill>
-                  <a:schemeClr val="tx1"/>
-                </a:solidFill>
-              </a:rPr>
-              <a:t>Ideia</a:t>
-            </a:r>
-          </a:p>
-          <a:p>
-            <a:pPr algn="ctr"/>
-            <a:r>
-              <a:rPr lang="pt-BR" dirty="0">
-                <a:solidFill>
-                  <a:schemeClr val="tx1"/>
-                </a:solidFill>
-              </a:rPr>
-              <a:t> Papel</a:t>
-            </a:r>
-          </a:p>
-        </p:txBody>
-      </p:sp>
-      <p:sp>
-        <p:nvSpPr>
-          <p:cNvPr id="5" name="Retângulo 4">
-            <a:extLst>
-              <a:ext uri="{FF2B5EF4-FFF2-40B4-BE49-F238E27FC236}">
-                <a16:creationId xmlns:a16="http://schemas.microsoft.com/office/drawing/2014/main" id="{3E344992-3AA6-0DD2-984D-9F389E3C4DFA}"/>
+            <a:endParaRPr lang="pt-BR" dirty="0">
+              <a:solidFill>
+                <a:schemeClr val="tx1"/>
+              </a:solidFill>
+            </a:endParaRPr>
+          </a:p>
+        </p:txBody>
+      </p:sp>
+      <p:sp>
+        <p:nvSpPr>
+          <p:cNvPr id="12" name="Retângulo 11">
+            <a:extLst>
+              <a:ext uri="{FF2B5EF4-FFF2-40B4-BE49-F238E27FC236}">
+                <a16:creationId xmlns:a16="http://schemas.microsoft.com/office/drawing/2014/main" id="{DA569D38-FD4E-E2DD-8864-E0CEA97EED23}"/>
               </a:ext>
             </a:extLst>
           </p:cNvPr>
@@ -5368,18 +4305,18 @@
         </p:nvSpPr>
         <p:spPr>
           <a:xfrm>
-            <a:off x="2845267" y="947955"/>
-            <a:ext cx="1296099" cy="906011"/>
+            <a:off x="309516" y="111612"/>
+            <a:ext cx="5138313" cy="2378513"/>
           </a:xfrm>
           <a:prstGeom prst="rect">
             <a:avLst/>
           </a:prstGeom>
           <a:solidFill>
-            <a:schemeClr val="accent6">
-              <a:lumMod val="20000"/>
-              <a:lumOff val="80000"/>
-            </a:schemeClr>
+            <a:schemeClr val="bg1"/>
           </a:solidFill>
+          <a:ln>
+            <a:prstDash val="dash"/>
+          </a:ln>
         </p:spPr>
         <p:style>
           <a:lnRef idx="2">
@@ -5402,14 +4339,6 @@
           <a:lstStyle/>
           <a:p>
             <a:pPr algn="ctr"/>
-            <a:r>
-              <a:rPr lang="pt-BR" dirty="0" err="1">
-                <a:solidFill>
-                  <a:schemeClr val="tx1"/>
-                </a:solidFill>
-              </a:rPr>
-              <a:t>Evernote</a:t>
-            </a:r>
             <a:endParaRPr lang="pt-BR" dirty="0">
               <a:solidFill>
                 <a:schemeClr val="tx1"/>
@@ -5420,10 +4349,10 @@
       </p:sp>
       <p:sp>
         <p:nvSpPr>
-          <p:cNvPr id="6" name="Retângulo 5">
-            <a:extLst>
-              <a:ext uri="{FF2B5EF4-FFF2-40B4-BE49-F238E27FC236}">
-                <a16:creationId xmlns:a16="http://schemas.microsoft.com/office/drawing/2014/main" id="{9BA6DDF5-10D9-2548-361E-5FCEC5D5A73D}"/>
+          <p:cNvPr id="16" name="Elipse 15">
+            <a:extLst>
+              <a:ext uri="{FF2B5EF4-FFF2-40B4-BE49-F238E27FC236}">
+                <a16:creationId xmlns:a16="http://schemas.microsoft.com/office/drawing/2014/main" id="{951ABFE3-2782-25C5-3FC3-ED035B9D7605}"/>
               </a:ext>
             </a:extLst>
           </p:cNvPr>
@@ -5432,13 +4361,16 @@
         </p:nvSpPr>
         <p:spPr>
           <a:xfrm>
-            <a:off x="5942203" y="1675001"/>
-            <a:ext cx="1296099" cy="906011"/>
-          </a:xfrm>
-          <a:prstGeom prst="rect">
+            <a:off x="5364759" y="3347209"/>
+            <a:ext cx="2390863" cy="1470869"/>
+          </a:xfrm>
+          <a:prstGeom prst="ellipse">
             <a:avLst/>
           </a:prstGeom>
           <a:noFill/>
+          <a:ln>
+            <a:prstDash val="dash"/>
+          </a:ln>
         </p:spPr>
         <p:style>
           <a:lnRef idx="2">
@@ -5461,23 +4393,16 @@
           <a:lstStyle/>
           <a:p>
             <a:pPr algn="ctr"/>
-            <a:r>
-              <a:rPr lang="pt-BR" dirty="0">
-                <a:solidFill>
-                  <a:schemeClr val="tx1"/>
-                </a:solidFill>
-              </a:rPr>
-              <a:t>Esqueleto</a:t>
-            </a:r>
-          </a:p>
-        </p:txBody>
-      </p:sp>
-      <p:sp>
-        <p:nvSpPr>
-          <p:cNvPr id="7" name="Retângulo 6">
-            <a:extLst>
-              <a:ext uri="{FF2B5EF4-FFF2-40B4-BE49-F238E27FC236}">
-                <a16:creationId xmlns:a16="http://schemas.microsoft.com/office/drawing/2014/main" id="{2A73339E-B537-0C32-183E-7F752F52746B}"/>
+            <a:endParaRPr lang="pt-BR"/>
+          </a:p>
+        </p:txBody>
+      </p:sp>
+      <p:sp>
+        <p:nvSpPr>
+          <p:cNvPr id="4" name="Retângulo 3">
+            <a:extLst>
+              <a:ext uri="{FF2B5EF4-FFF2-40B4-BE49-F238E27FC236}">
+                <a16:creationId xmlns:a16="http://schemas.microsoft.com/office/drawing/2014/main" id="{F3CB1813-B689-2F90-57CF-4771BE7C7D8F}"/>
               </a:ext>
             </a:extLst>
           </p:cNvPr>
@@ -5486,8 +4411,8 @@
         </p:nvSpPr>
         <p:spPr>
           <a:xfrm>
-            <a:off x="232788" y="3608663"/>
-            <a:ext cx="1296099" cy="472580"/>
+            <a:off x="480983" y="947955"/>
+            <a:ext cx="1296099" cy="906011"/>
           </a:xfrm>
           <a:prstGeom prst="rect">
             <a:avLst/>
@@ -5521,17 +4446,28 @@
                   <a:schemeClr val="tx1"/>
                 </a:solidFill>
               </a:rPr>
-              <a:t>Kratos</a:t>
-            </a:r>
-          </a:p>
-        </p:txBody>
-      </p:sp>
-      <p:sp>
-        <p:nvSpPr>
-          <p:cNvPr id="8" name="Retângulo 7">
-            <a:extLst>
-              <a:ext uri="{FF2B5EF4-FFF2-40B4-BE49-F238E27FC236}">
-                <a16:creationId xmlns:a16="http://schemas.microsoft.com/office/drawing/2014/main" id="{8E83690F-5E55-6070-2F85-09FC457936A7}"/>
+              <a:t>Ideia</a:t>
+            </a:r>
+          </a:p>
+          <a:p>
+            <a:pPr algn="ctr"/>
+            <a:r>
+              <a:rPr lang="pt-BR" dirty="0">
+                <a:solidFill>
+                  <a:schemeClr val="tx1"/>
+                </a:solidFill>
+              </a:rPr>
+              <a:t> Papel</a:t>
+            </a:r>
+          </a:p>
+        </p:txBody>
+      </p:sp>
+      <p:sp>
+        <p:nvSpPr>
+          <p:cNvPr id="5" name="Retângulo 4">
+            <a:extLst>
+              <a:ext uri="{FF2B5EF4-FFF2-40B4-BE49-F238E27FC236}">
+                <a16:creationId xmlns:a16="http://schemas.microsoft.com/office/drawing/2014/main" id="{3E344992-3AA6-0DD2-984D-9F389E3C4DFA}"/>
               </a:ext>
             </a:extLst>
           </p:cNvPr>
@@ -5540,13 +4476,18 @@
         </p:nvSpPr>
         <p:spPr>
           <a:xfrm>
-            <a:off x="209720" y="3063379"/>
-            <a:ext cx="1296099" cy="390088"/>
+            <a:off x="2275511" y="928265"/>
+            <a:ext cx="1296099" cy="906011"/>
           </a:xfrm>
           <a:prstGeom prst="rect">
             <a:avLst/>
           </a:prstGeom>
-          <a:noFill/>
+          <a:solidFill>
+            <a:schemeClr val="accent6">
+              <a:lumMod val="20000"/>
+              <a:lumOff val="80000"/>
+            </a:schemeClr>
+          </a:solidFill>
         </p:spPr>
         <p:style>
           <a:lnRef idx="2">
@@ -5575,17 +4516,17 @@
                   <a:schemeClr val="tx1"/>
                 </a:solidFill>
               </a:rPr>
-              <a:t>Web</a:t>
-            </a:r>
-          </a:p>
-        </p:txBody>
-      </p:sp>
-      <p:sp>
-        <p:nvSpPr>
-          <p:cNvPr id="9" name="Retângulo 8">
-            <a:extLst>
-              <a:ext uri="{FF2B5EF4-FFF2-40B4-BE49-F238E27FC236}">
-                <a16:creationId xmlns:a16="http://schemas.microsoft.com/office/drawing/2014/main" id="{8D7C9CC3-0D76-BA77-AC0D-1B4E932E9B3F}"/>
+              <a:t>Evernote</a:t>
+            </a:r>
+          </a:p>
+        </p:txBody>
+      </p:sp>
+      <p:sp>
+        <p:nvSpPr>
+          <p:cNvPr id="6" name="Retângulo 5">
+            <a:extLst>
+              <a:ext uri="{FF2B5EF4-FFF2-40B4-BE49-F238E27FC236}">
+                <a16:creationId xmlns:a16="http://schemas.microsoft.com/office/drawing/2014/main" id="{9BA6DDF5-10D9-2548-361E-5FCEC5D5A73D}"/>
               </a:ext>
             </a:extLst>
           </p:cNvPr>
@@ -5594,8 +4535,8 @@
         </p:nvSpPr>
         <p:spPr>
           <a:xfrm>
-            <a:off x="232789" y="2501317"/>
-            <a:ext cx="1296099" cy="472580"/>
+            <a:off x="4038687" y="928265"/>
+            <a:ext cx="1296099" cy="906011"/>
           </a:xfrm>
           <a:prstGeom prst="rect">
             <a:avLst/>
@@ -5629,17 +4570,17 @@
                   <a:schemeClr val="tx1"/>
                 </a:solidFill>
               </a:rPr>
-              <a:t>CLI</a:t>
-            </a:r>
-          </a:p>
-        </p:txBody>
-      </p:sp>
-      <p:sp>
-        <p:nvSpPr>
-          <p:cNvPr id="10" name="Retângulo 9">
-            <a:extLst>
-              <a:ext uri="{FF2B5EF4-FFF2-40B4-BE49-F238E27FC236}">
-                <a16:creationId xmlns:a16="http://schemas.microsoft.com/office/drawing/2014/main" id="{6CA52ECF-AF81-1BA6-CE23-C975A491DB78}"/>
+              <a:t>Esqueleto</a:t>
+            </a:r>
+          </a:p>
+        </p:txBody>
+      </p:sp>
+      <p:sp>
+        <p:nvSpPr>
+          <p:cNvPr id="7" name="Retângulo 6">
+            <a:extLst>
+              <a:ext uri="{FF2B5EF4-FFF2-40B4-BE49-F238E27FC236}">
+                <a16:creationId xmlns:a16="http://schemas.microsoft.com/office/drawing/2014/main" id="{2A73339E-B537-0C32-183E-7F752F52746B}"/>
               </a:ext>
             </a:extLst>
           </p:cNvPr>
@@ -5648,18 +4589,13 @@
         </p:nvSpPr>
         <p:spPr>
           <a:xfrm>
-            <a:off x="2700168" y="2418718"/>
-            <a:ext cx="1533788" cy="801149"/>
+            <a:off x="257426" y="4253324"/>
+            <a:ext cx="1296099" cy="472580"/>
           </a:xfrm>
           <a:prstGeom prst="rect">
             <a:avLst/>
           </a:prstGeom>
-          <a:solidFill>
-            <a:schemeClr val="accent6">
-              <a:lumMod val="20000"/>
-              <a:lumOff val="80000"/>
-            </a:schemeClr>
-          </a:solidFill>
+          <a:noFill/>
         </p:spPr>
         <p:style>
           <a:lnRef idx="2">
@@ -5688,17 +4624,17 @@
                   <a:schemeClr val="tx1"/>
                 </a:solidFill>
               </a:rPr>
-              <a:t>DADOS</a:t>
-            </a:r>
-          </a:p>
-        </p:txBody>
-      </p:sp>
-      <p:sp>
-        <p:nvSpPr>
-          <p:cNvPr id="11" name="Retângulo 10">
-            <a:extLst>
-              <a:ext uri="{FF2B5EF4-FFF2-40B4-BE49-F238E27FC236}">
-                <a16:creationId xmlns:a16="http://schemas.microsoft.com/office/drawing/2014/main" id="{BCEDDF2F-0813-4BFA-8852-795F2877EFD0}"/>
+              <a:t>Kratos</a:t>
+            </a:r>
+          </a:p>
+        </p:txBody>
+      </p:sp>
+      <p:sp>
+        <p:nvSpPr>
+          <p:cNvPr id="8" name="Retângulo 7">
+            <a:extLst>
+              <a:ext uri="{FF2B5EF4-FFF2-40B4-BE49-F238E27FC236}">
+                <a16:creationId xmlns:a16="http://schemas.microsoft.com/office/drawing/2014/main" id="{8E83690F-5E55-6070-2F85-09FC457936A7}"/>
               </a:ext>
             </a:extLst>
           </p:cNvPr>
@@ -5707,15 +4643,13 @@
         </p:nvSpPr>
         <p:spPr>
           <a:xfrm>
-            <a:off x="5942203" y="3066177"/>
-            <a:ext cx="1296099" cy="531302"/>
+            <a:off x="234358" y="3708040"/>
+            <a:ext cx="1296099" cy="390088"/>
           </a:xfrm>
           <a:prstGeom prst="rect">
             <a:avLst/>
           </a:prstGeom>
-          <a:solidFill>
-            <a:schemeClr val="bg1"/>
-          </a:solidFill>
+          <a:noFill/>
         </p:spPr>
         <p:style>
           <a:lnRef idx="2">
@@ -5744,17 +4678,17 @@
                   <a:schemeClr val="tx1"/>
                 </a:solidFill>
               </a:rPr>
-              <a:t>+Texto</a:t>
-            </a:r>
-          </a:p>
-        </p:txBody>
-      </p:sp>
-      <p:sp>
-        <p:nvSpPr>
-          <p:cNvPr id="13" name="Retângulo 12">
-            <a:extLst>
-              <a:ext uri="{FF2B5EF4-FFF2-40B4-BE49-F238E27FC236}">
-                <a16:creationId xmlns:a16="http://schemas.microsoft.com/office/drawing/2014/main" id="{F0301BC5-9E71-C033-34A9-4E833ACCB623}"/>
+              <a:t>Web</a:t>
+            </a:r>
+          </a:p>
+        </p:txBody>
+      </p:sp>
+      <p:sp>
+        <p:nvSpPr>
+          <p:cNvPr id="9" name="Retângulo 8">
+            <a:extLst>
+              <a:ext uri="{FF2B5EF4-FFF2-40B4-BE49-F238E27FC236}">
+                <a16:creationId xmlns:a16="http://schemas.microsoft.com/office/drawing/2014/main" id="{8D7C9CC3-0D76-BA77-AC0D-1B4E932E9B3F}"/>
               </a:ext>
             </a:extLst>
           </p:cNvPr>
@@ -5763,8 +4697,8 @@
         </p:nvSpPr>
         <p:spPr>
           <a:xfrm>
-            <a:off x="5942202" y="3782037"/>
-            <a:ext cx="1296099" cy="531302"/>
+            <a:off x="257427" y="3145978"/>
+            <a:ext cx="1296099" cy="472580"/>
           </a:xfrm>
           <a:prstGeom prst="rect">
             <a:avLst/>
@@ -5798,17 +4732,17 @@
                   <a:schemeClr val="tx1"/>
                 </a:solidFill>
               </a:rPr>
-              <a:t>+Texto</a:t>
-            </a:r>
-          </a:p>
-        </p:txBody>
-      </p:sp>
-      <p:sp>
-        <p:nvSpPr>
-          <p:cNvPr id="14" name="Retângulo 13">
-            <a:extLst>
-              <a:ext uri="{FF2B5EF4-FFF2-40B4-BE49-F238E27FC236}">
-                <a16:creationId xmlns:a16="http://schemas.microsoft.com/office/drawing/2014/main" id="{E8EA4DD0-EFF8-C253-4CC2-9327BC5E409D}"/>
+              <a:t>CLI</a:t>
+            </a:r>
+          </a:p>
+        </p:txBody>
+      </p:sp>
+      <p:sp>
+        <p:nvSpPr>
+          <p:cNvPr id="10" name="Retângulo 9">
+            <a:extLst>
+              <a:ext uri="{FF2B5EF4-FFF2-40B4-BE49-F238E27FC236}">
+                <a16:creationId xmlns:a16="http://schemas.microsoft.com/office/drawing/2014/main" id="{6CA52ECF-AF81-1BA6-CE23-C975A491DB78}"/>
               </a:ext>
             </a:extLst>
           </p:cNvPr>
@@ -5817,14 +4751,17 @@
         </p:nvSpPr>
         <p:spPr>
           <a:xfrm>
-            <a:off x="5942201" y="4497897"/>
-            <a:ext cx="1296099" cy="531302"/>
+            <a:off x="2724806" y="3063379"/>
+            <a:ext cx="1533788" cy="801149"/>
           </a:xfrm>
           <a:prstGeom prst="rect">
             <a:avLst/>
           </a:prstGeom>
           <a:solidFill>
-            <a:schemeClr val="bg1"/>
+            <a:schemeClr val="accent6">
+              <a:lumMod val="20000"/>
+              <a:lumOff val="80000"/>
+            </a:schemeClr>
           </a:solidFill>
         </p:spPr>
         <p:style>
@@ -5854,6 +4791,204 @@
                   <a:schemeClr val="tx1"/>
                 </a:solidFill>
               </a:rPr>
+              <a:t>DADOS</a:t>
+            </a:r>
+          </a:p>
+          <a:p>
+            <a:pPr algn="ctr"/>
+            <a:r>
+              <a:rPr lang="pt-BR" sz="1050" dirty="0">
+                <a:solidFill>
+                  <a:schemeClr val="tx1"/>
+                </a:solidFill>
+              </a:rPr>
+              <a:t>(textos, imagens, </a:t>
+            </a:r>
+            <a:r>
+              <a:rPr lang="pt-BR" sz="1050" dirty="0" err="1">
+                <a:solidFill>
+                  <a:schemeClr val="tx1"/>
+                </a:solidFill>
+              </a:rPr>
+              <a:t>tabelas,código</a:t>
+            </a:r>
+            <a:r>
+              <a:rPr lang="pt-BR" sz="1050" dirty="0">
+                <a:solidFill>
+                  <a:schemeClr val="tx1"/>
+                </a:solidFill>
+              </a:rPr>
+              <a:t>)</a:t>
+            </a:r>
+            <a:endParaRPr lang="pt-BR" dirty="0">
+              <a:solidFill>
+                <a:schemeClr val="tx1"/>
+              </a:solidFill>
+            </a:endParaRPr>
+          </a:p>
+        </p:txBody>
+      </p:sp>
+      <p:sp>
+        <p:nvSpPr>
+          <p:cNvPr id="11" name="Retângulo 10">
+            <a:extLst>
+              <a:ext uri="{FF2B5EF4-FFF2-40B4-BE49-F238E27FC236}">
+                <a16:creationId xmlns:a16="http://schemas.microsoft.com/office/drawing/2014/main" id="{BCEDDF2F-0813-4BFA-8852-795F2877EFD0}"/>
+              </a:ext>
+            </a:extLst>
+          </p:cNvPr>
+          <p:cNvSpPr/>
+          <p:nvPr/>
+        </p:nvSpPr>
+        <p:spPr>
+          <a:xfrm>
+            <a:off x="5942203" y="3066177"/>
+            <a:ext cx="1296099" cy="531302"/>
+          </a:xfrm>
+          <a:prstGeom prst="rect">
+            <a:avLst/>
+          </a:prstGeom>
+          <a:solidFill>
+            <a:schemeClr val="bg1"/>
+          </a:solidFill>
+        </p:spPr>
+        <p:style>
+          <a:lnRef idx="2">
+            <a:schemeClr val="accent1">
+              <a:shade val="15000"/>
+            </a:schemeClr>
+          </a:lnRef>
+          <a:fillRef idx="1">
+            <a:schemeClr val="accent1"/>
+          </a:fillRef>
+          <a:effectRef idx="0">
+            <a:schemeClr val="accent1"/>
+          </a:effectRef>
+          <a:fontRef idx="minor">
+            <a:schemeClr val="lt1"/>
+          </a:fontRef>
+        </p:style>
+        <p:txBody>
+          <a:bodyPr rtlCol="0" anchor="ctr"/>
+          <a:lstStyle/>
+          <a:p>
+            <a:pPr algn="ctr"/>
+            <a:r>
+              <a:rPr lang="pt-BR" dirty="0">
+                <a:solidFill>
+                  <a:schemeClr val="tx1"/>
+                </a:solidFill>
+              </a:rPr>
+              <a:t>+Texto</a:t>
+            </a:r>
+          </a:p>
+        </p:txBody>
+      </p:sp>
+      <p:sp>
+        <p:nvSpPr>
+          <p:cNvPr id="13" name="Retângulo 12">
+            <a:extLst>
+              <a:ext uri="{FF2B5EF4-FFF2-40B4-BE49-F238E27FC236}">
+                <a16:creationId xmlns:a16="http://schemas.microsoft.com/office/drawing/2014/main" id="{F0301BC5-9E71-C033-34A9-4E833ACCB623}"/>
+              </a:ext>
+            </a:extLst>
+          </p:cNvPr>
+          <p:cNvSpPr/>
+          <p:nvPr/>
+        </p:nvSpPr>
+        <p:spPr>
+          <a:xfrm>
+            <a:off x="5942202" y="3782037"/>
+            <a:ext cx="1296099" cy="531302"/>
+          </a:xfrm>
+          <a:prstGeom prst="rect">
+            <a:avLst/>
+          </a:prstGeom>
+          <a:noFill/>
+        </p:spPr>
+        <p:style>
+          <a:lnRef idx="2">
+            <a:schemeClr val="accent1">
+              <a:shade val="15000"/>
+            </a:schemeClr>
+          </a:lnRef>
+          <a:fillRef idx="1">
+            <a:schemeClr val="accent1"/>
+          </a:fillRef>
+          <a:effectRef idx="0">
+            <a:schemeClr val="accent1"/>
+          </a:effectRef>
+          <a:fontRef idx="minor">
+            <a:schemeClr val="lt1"/>
+          </a:fontRef>
+        </p:style>
+        <p:txBody>
+          <a:bodyPr rtlCol="0" anchor="ctr"/>
+          <a:lstStyle/>
+          <a:p>
+            <a:pPr algn="ctr"/>
+            <a:r>
+              <a:rPr lang="pt-BR" dirty="0">
+                <a:solidFill>
+                  <a:schemeClr val="tx1"/>
+                </a:solidFill>
+              </a:rPr>
+              <a:t>+Texto</a:t>
+            </a:r>
+          </a:p>
+        </p:txBody>
+      </p:sp>
+      <p:sp>
+        <p:nvSpPr>
+          <p:cNvPr id="14" name="Retângulo 13">
+            <a:extLst>
+              <a:ext uri="{FF2B5EF4-FFF2-40B4-BE49-F238E27FC236}">
+                <a16:creationId xmlns:a16="http://schemas.microsoft.com/office/drawing/2014/main" id="{E8EA4DD0-EFF8-C253-4CC2-9327BC5E409D}"/>
+              </a:ext>
+            </a:extLst>
+          </p:cNvPr>
+          <p:cNvSpPr/>
+          <p:nvPr/>
+        </p:nvSpPr>
+        <p:spPr>
+          <a:xfrm>
+            <a:off x="5942201" y="4497897"/>
+            <a:ext cx="1296099" cy="531302"/>
+          </a:xfrm>
+          <a:prstGeom prst="rect">
+            <a:avLst/>
+          </a:prstGeom>
+          <a:solidFill>
+            <a:schemeClr val="bg1"/>
+          </a:solidFill>
+        </p:spPr>
+        <p:style>
+          <a:lnRef idx="2">
+            <a:schemeClr val="accent1">
+              <a:shade val="15000"/>
+            </a:schemeClr>
+          </a:lnRef>
+          <a:fillRef idx="1">
+            <a:schemeClr val="accent1"/>
+          </a:fillRef>
+          <a:effectRef idx="0">
+            <a:schemeClr val="accent1"/>
+          </a:effectRef>
+          <a:fontRef idx="minor">
+            <a:schemeClr val="lt1"/>
+          </a:fontRef>
+        </p:style>
+        <p:txBody>
+          <a:bodyPr rtlCol="0" anchor="ctr"/>
+          <a:lstStyle/>
+          <a:p>
+            <a:pPr algn="ctr"/>
+            <a:r>
+              <a:rPr lang="pt-BR" dirty="0">
+                <a:solidFill>
+                  <a:schemeClr val="tx1"/>
+                </a:solidFill>
+              </a:rPr>
               <a:t>+Texto</a:t>
             </a:r>
           </a:p>
@@ -5875,8 +5010,8 @@
         </p:nvCxnSpPr>
         <p:spPr>
           <a:xfrm>
-            <a:off x="2122415" y="1400960"/>
-            <a:ext cx="469783" cy="0"/>
+            <a:off x="1873423" y="1400960"/>
+            <a:ext cx="316098" cy="0"/>
           </a:xfrm>
           <a:prstGeom prst="straightConnector1">
             <a:avLst/>
@@ -5916,7 +5051,7 @@
         </p:nvCxnSpPr>
         <p:spPr>
           <a:xfrm>
-            <a:off x="1762732" y="2711042"/>
+            <a:off x="1787370" y="3355703"/>
             <a:ext cx="458598" cy="249572"/>
           </a:xfrm>
           <a:prstGeom prst="straightConnector1">
@@ -5957,7 +5092,7 @@
         </p:nvCxnSpPr>
         <p:spPr>
           <a:xfrm flipV="1">
-            <a:off x="1831941" y="3563922"/>
+            <a:off x="1856579" y="4208583"/>
             <a:ext cx="398477" cy="139818"/>
           </a:xfrm>
           <a:prstGeom prst="straightConnector1">
@@ -5998,7 +5133,7 @@
         </p:nvCxnSpPr>
         <p:spPr>
           <a:xfrm flipV="1">
-            <a:off x="1794540" y="3252303"/>
+            <a:off x="1819178" y="3896964"/>
             <a:ext cx="394981" cy="6643"/>
           </a:xfrm>
           <a:prstGeom prst="straightConnector1">
@@ -6039,49 +5174,8 @@
         </p:nvCxnSpPr>
         <p:spPr>
           <a:xfrm>
-            <a:off x="4636316" y="1435913"/>
-            <a:ext cx="858473" cy="376109"/>
-          </a:xfrm>
-          <a:prstGeom prst="straightConnector1">
-            <a:avLst/>
-          </a:prstGeom>
-          <a:ln>
-            <a:tailEnd type="triangle"/>
-          </a:ln>
-        </p:spPr>
-        <p:style>
-          <a:lnRef idx="2">
-            <a:schemeClr val="accent1"/>
-          </a:lnRef>
-          <a:fillRef idx="0">
-            <a:schemeClr val="accent1"/>
-          </a:fillRef>
-          <a:effectRef idx="1">
-            <a:schemeClr val="accent1"/>
-          </a:effectRef>
-          <a:fontRef idx="minor">
-            <a:schemeClr val="tx1"/>
-          </a:fontRef>
-        </p:style>
-      </p:cxnSp>
-      <p:cxnSp>
-        <p:nvCxnSpPr>
-          <p:cNvPr id="29" name="Conector de Seta Reta 28">
-            <a:extLst>
-              <a:ext uri="{FF2B5EF4-FFF2-40B4-BE49-F238E27FC236}">
-                <a16:creationId xmlns:a16="http://schemas.microsoft.com/office/drawing/2014/main" id="{5CF48523-E688-41DF-0868-2820B0442538}"/>
-              </a:ext>
-            </a:extLst>
-          </p:cNvPr>
-          <p:cNvCxnSpPr>
-            <a:cxnSpLocks/>
-          </p:cNvCxnSpPr>
-          <p:nvPr/>
-        </p:nvCxnSpPr>
-        <p:spPr>
-          <a:xfrm>
-            <a:off x="5725486" y="2471953"/>
-            <a:ext cx="0" cy="594224"/>
+            <a:off x="3709942" y="1400960"/>
+            <a:ext cx="328745" cy="0"/>
           </a:xfrm>
           <a:prstGeom prst="straightConnector1">
             <a:avLst/>
@@ -6411,7 +5505,1834 @@
         </p:nvCxnSpPr>
         <p:spPr>
           <a:xfrm flipH="1">
-            <a:off x="8334462" y="2611770"/>
+            <a:off x="8245180" y="2460679"/>
+            <a:ext cx="840651" cy="390087"/>
+          </a:xfrm>
+          <a:prstGeom prst="straightConnector1">
+            <a:avLst/>
+          </a:prstGeom>
+          <a:ln>
+            <a:tailEnd type="triangle"/>
+          </a:ln>
+        </p:spPr>
+        <p:style>
+          <a:lnRef idx="2">
+            <a:schemeClr val="accent1"/>
+          </a:lnRef>
+          <a:fillRef idx="0">
+            <a:schemeClr val="accent1"/>
+          </a:fillRef>
+          <a:effectRef idx="1">
+            <a:schemeClr val="accent1"/>
+          </a:effectRef>
+          <a:fontRef idx="minor">
+            <a:schemeClr val="tx1"/>
+          </a:fontRef>
+        </p:style>
+      </p:cxnSp>
+      <p:sp>
+        <p:nvSpPr>
+          <p:cNvPr id="48" name="CaixaDeTexto 47">
+            <a:extLst>
+              <a:ext uri="{FF2B5EF4-FFF2-40B4-BE49-F238E27FC236}">
+                <a16:creationId xmlns:a16="http://schemas.microsoft.com/office/drawing/2014/main" id="{5B2977D6-BD3D-F279-B6B6-C083C5FCAA84}"/>
+              </a:ext>
+            </a:extLst>
+          </p:cNvPr>
+          <p:cNvSpPr txBox="1"/>
+          <p:nvPr/>
+        </p:nvSpPr>
+        <p:spPr>
+          <a:xfrm>
+            <a:off x="6674099" y="112539"/>
+            <a:ext cx="4653005" cy="369332"/>
+          </a:xfrm>
+          <a:prstGeom prst="rect">
+            <a:avLst/>
+          </a:prstGeom>
+          <a:noFill/>
+        </p:spPr>
+        <p:txBody>
+          <a:bodyPr wrap="none" rtlCol="0">
+            <a:spAutoFit/>
+          </a:bodyPr>
+          <a:lstStyle/>
+          <a:p>
+            <a:r>
+              <a:rPr lang="pt-BR" b="1" dirty="0"/>
+              <a:t>Como era minha criação da documentação</a:t>
+            </a:r>
+          </a:p>
+        </p:txBody>
+      </p:sp>
+      <p:cxnSp>
+        <p:nvCxnSpPr>
+          <p:cNvPr id="49" name="Conector de Seta Reta 48">
+            <a:extLst>
+              <a:ext uri="{FF2B5EF4-FFF2-40B4-BE49-F238E27FC236}">
+                <a16:creationId xmlns:a16="http://schemas.microsoft.com/office/drawing/2014/main" id="{DF9BA79F-F6B2-A766-A6D6-8063D4DFE440}"/>
+              </a:ext>
+            </a:extLst>
+          </p:cNvPr>
+          <p:cNvCxnSpPr>
+            <a:cxnSpLocks/>
+          </p:cNvCxnSpPr>
+          <p:nvPr/>
+        </p:nvCxnSpPr>
+        <p:spPr>
+          <a:xfrm flipV="1">
+            <a:off x="7545566" y="5483604"/>
+            <a:ext cx="1415275" cy="302004"/>
+          </a:xfrm>
+          <a:prstGeom prst="straightConnector1">
+            <a:avLst/>
+          </a:prstGeom>
+          <a:ln>
+            <a:tailEnd type="triangle"/>
+          </a:ln>
+        </p:spPr>
+        <p:style>
+          <a:lnRef idx="2">
+            <a:schemeClr val="accent1"/>
+          </a:lnRef>
+          <a:fillRef idx="0">
+            <a:schemeClr val="accent1"/>
+          </a:fillRef>
+          <a:effectRef idx="1">
+            <a:schemeClr val="accent1"/>
+          </a:effectRef>
+          <a:fontRef idx="minor">
+            <a:schemeClr val="tx1"/>
+          </a:fontRef>
+        </p:style>
+      </p:cxnSp>
+      <p:sp>
+        <p:nvSpPr>
+          <p:cNvPr id="50" name="Retângulo 49">
+            <a:extLst>
+              <a:ext uri="{FF2B5EF4-FFF2-40B4-BE49-F238E27FC236}">
+                <a16:creationId xmlns:a16="http://schemas.microsoft.com/office/drawing/2014/main" id="{F4A3B41E-A792-B0FD-CA9A-BDC22547EE9D}"/>
+              </a:ext>
+            </a:extLst>
+          </p:cNvPr>
+          <p:cNvSpPr/>
+          <p:nvPr/>
+        </p:nvSpPr>
+        <p:spPr>
+          <a:xfrm>
+            <a:off x="3950549" y="5447253"/>
+            <a:ext cx="1296099" cy="676711"/>
+          </a:xfrm>
+          <a:prstGeom prst="rect">
+            <a:avLst/>
+          </a:prstGeom>
+          <a:noFill/>
+        </p:spPr>
+        <p:style>
+          <a:lnRef idx="2">
+            <a:schemeClr val="accent1">
+              <a:shade val="15000"/>
+            </a:schemeClr>
+          </a:lnRef>
+          <a:fillRef idx="1">
+            <a:schemeClr val="accent1"/>
+          </a:fillRef>
+          <a:effectRef idx="0">
+            <a:schemeClr val="accent1"/>
+          </a:effectRef>
+          <a:fontRef idx="minor">
+            <a:schemeClr val="lt1"/>
+          </a:fontRef>
+        </p:style>
+        <p:txBody>
+          <a:bodyPr rtlCol="0" anchor="ctr"/>
+          <a:lstStyle/>
+          <a:p>
+            <a:pPr algn="ctr"/>
+            <a:r>
+              <a:rPr lang="pt-BR" dirty="0">
+                <a:solidFill>
+                  <a:schemeClr val="tx1"/>
+                </a:solidFill>
+              </a:rPr>
+              <a:t> Papel</a:t>
+            </a:r>
+          </a:p>
+        </p:txBody>
+      </p:sp>
+      <p:cxnSp>
+        <p:nvCxnSpPr>
+          <p:cNvPr id="51" name="Conector de Seta Reta 50">
+            <a:extLst>
+              <a:ext uri="{FF2B5EF4-FFF2-40B4-BE49-F238E27FC236}">
+                <a16:creationId xmlns:a16="http://schemas.microsoft.com/office/drawing/2014/main" id="{A54E3724-AE3B-18CD-7EFD-D911E742F696}"/>
+              </a:ext>
+            </a:extLst>
+          </p:cNvPr>
+          <p:cNvCxnSpPr>
+            <a:cxnSpLocks/>
+          </p:cNvCxnSpPr>
+          <p:nvPr/>
+        </p:nvCxnSpPr>
+        <p:spPr>
+          <a:xfrm flipH="1">
+            <a:off x="5167618" y="4880995"/>
+            <a:ext cx="502519" cy="462792"/>
+          </a:xfrm>
+          <a:prstGeom prst="straightConnector1">
+            <a:avLst/>
+          </a:prstGeom>
+          <a:ln>
+            <a:tailEnd type="triangle"/>
+          </a:ln>
+        </p:spPr>
+        <p:style>
+          <a:lnRef idx="2">
+            <a:schemeClr val="accent1"/>
+          </a:lnRef>
+          <a:fillRef idx="0">
+            <a:schemeClr val="accent1"/>
+          </a:fillRef>
+          <a:effectRef idx="1">
+            <a:schemeClr val="accent1"/>
+          </a:effectRef>
+          <a:fontRef idx="minor">
+            <a:schemeClr val="tx1"/>
+          </a:fontRef>
+        </p:style>
+      </p:cxnSp>
+      <p:cxnSp>
+        <p:nvCxnSpPr>
+          <p:cNvPr id="55" name="Conector de Seta Reta 54">
+            <a:extLst>
+              <a:ext uri="{FF2B5EF4-FFF2-40B4-BE49-F238E27FC236}">
+                <a16:creationId xmlns:a16="http://schemas.microsoft.com/office/drawing/2014/main" id="{86BACE3A-2B9B-60E4-26E3-73958D848091}"/>
+              </a:ext>
+            </a:extLst>
+          </p:cNvPr>
+          <p:cNvCxnSpPr>
+            <a:cxnSpLocks/>
+          </p:cNvCxnSpPr>
+          <p:nvPr/>
+        </p:nvCxnSpPr>
+        <p:spPr>
+          <a:xfrm flipV="1">
+            <a:off x="5391081" y="5167618"/>
+            <a:ext cx="482778" cy="416657"/>
+          </a:xfrm>
+          <a:prstGeom prst="straightConnector1">
+            <a:avLst/>
+          </a:prstGeom>
+          <a:ln>
+            <a:tailEnd type="triangle"/>
+          </a:ln>
+        </p:spPr>
+        <p:style>
+          <a:lnRef idx="2">
+            <a:schemeClr val="accent1"/>
+          </a:lnRef>
+          <a:fillRef idx="0">
+            <a:schemeClr val="accent1"/>
+          </a:fillRef>
+          <a:effectRef idx="1">
+            <a:schemeClr val="accent1"/>
+          </a:effectRef>
+          <a:fontRef idx="minor">
+            <a:schemeClr val="tx1"/>
+          </a:fontRef>
+        </p:style>
+      </p:cxnSp>
+      <p:sp>
+        <p:nvSpPr>
+          <p:cNvPr id="59" name="Retângulo 58">
+            <a:extLst>
+              <a:ext uri="{FF2B5EF4-FFF2-40B4-BE49-F238E27FC236}">
+                <a16:creationId xmlns:a16="http://schemas.microsoft.com/office/drawing/2014/main" id="{455B8CD2-4BD2-2D06-F330-4D301271872D}"/>
+              </a:ext>
+            </a:extLst>
+          </p:cNvPr>
+          <p:cNvSpPr/>
+          <p:nvPr/>
+        </p:nvSpPr>
+        <p:spPr>
+          <a:xfrm>
+            <a:off x="2665071" y="4172233"/>
+            <a:ext cx="1533788" cy="531302"/>
+          </a:xfrm>
+          <a:prstGeom prst="rect">
+            <a:avLst/>
+          </a:prstGeom>
+          <a:solidFill>
+            <a:schemeClr val="accent6">
+              <a:lumMod val="20000"/>
+              <a:lumOff val="80000"/>
+            </a:schemeClr>
+          </a:solidFill>
+        </p:spPr>
+        <p:style>
+          <a:lnRef idx="2">
+            <a:schemeClr val="accent1">
+              <a:shade val="15000"/>
+            </a:schemeClr>
+          </a:lnRef>
+          <a:fillRef idx="1">
+            <a:schemeClr val="accent1"/>
+          </a:fillRef>
+          <a:effectRef idx="0">
+            <a:schemeClr val="accent1"/>
+          </a:effectRef>
+          <a:fontRef idx="minor">
+            <a:schemeClr val="lt1"/>
+          </a:fontRef>
+        </p:style>
+        <p:txBody>
+          <a:bodyPr rtlCol="0" anchor="ctr"/>
+          <a:lstStyle/>
+          <a:p>
+            <a:pPr algn="ctr"/>
+            <a:r>
+              <a:rPr lang="pt-BR" dirty="0">
+                <a:solidFill>
+                  <a:schemeClr val="tx1"/>
+                </a:solidFill>
+              </a:rPr>
+              <a:t>Excel</a:t>
+            </a:r>
+          </a:p>
+        </p:txBody>
+      </p:sp>
+      <p:cxnSp>
+        <p:nvCxnSpPr>
+          <p:cNvPr id="22" name="Conector: Angulado 21">
+            <a:extLst>
+              <a:ext uri="{FF2B5EF4-FFF2-40B4-BE49-F238E27FC236}">
+                <a16:creationId xmlns:a16="http://schemas.microsoft.com/office/drawing/2014/main" id="{964D60CB-1576-2892-6194-EDC7F5785881}"/>
+              </a:ext>
+            </a:extLst>
+          </p:cNvPr>
+          <p:cNvCxnSpPr/>
+          <p:nvPr/>
+        </p:nvCxnSpPr>
+        <p:spPr>
+          <a:xfrm rot="16200000" flipH="1">
+            <a:off x="5121464" y="1594592"/>
+            <a:ext cx="1682109" cy="1255464"/>
+          </a:xfrm>
+          <a:prstGeom prst="bentConnector3">
+            <a:avLst>
+              <a:gd name="adj1" fmla="val -2829"/>
+            </a:avLst>
+          </a:prstGeom>
+          <a:ln>
+            <a:tailEnd type="triangle"/>
+          </a:ln>
+        </p:spPr>
+        <p:style>
+          <a:lnRef idx="2">
+            <a:schemeClr val="accent1"/>
+          </a:lnRef>
+          <a:fillRef idx="0">
+            <a:schemeClr val="accent1"/>
+          </a:fillRef>
+          <a:effectRef idx="1">
+            <a:schemeClr val="accent1"/>
+          </a:effectRef>
+          <a:fontRef idx="minor">
+            <a:schemeClr val="tx1"/>
+          </a:fontRef>
+        </p:style>
+      </p:cxnSp>
+      <p:sp>
+        <p:nvSpPr>
+          <p:cNvPr id="26" name="Retângulo 25">
+            <a:extLst>
+              <a:ext uri="{FF2B5EF4-FFF2-40B4-BE49-F238E27FC236}">
+                <a16:creationId xmlns:a16="http://schemas.microsoft.com/office/drawing/2014/main" id="{D6F18F04-B473-403D-3279-CC729248AC6A}"/>
+              </a:ext>
+            </a:extLst>
+          </p:cNvPr>
+          <p:cNvSpPr/>
+          <p:nvPr/>
+        </p:nvSpPr>
+        <p:spPr>
+          <a:xfrm>
+            <a:off x="5912140" y="5574586"/>
+            <a:ext cx="1296099" cy="531302"/>
+          </a:xfrm>
+          <a:prstGeom prst="rect">
+            <a:avLst/>
+          </a:prstGeom>
+          <a:solidFill>
+            <a:schemeClr val="bg1"/>
+          </a:solidFill>
+        </p:spPr>
+        <p:style>
+          <a:lnRef idx="2">
+            <a:schemeClr val="accent1">
+              <a:shade val="15000"/>
+            </a:schemeClr>
+          </a:lnRef>
+          <a:fillRef idx="1">
+            <a:schemeClr val="accent1"/>
+          </a:fillRef>
+          <a:effectRef idx="0">
+            <a:schemeClr val="accent1"/>
+          </a:effectRef>
+          <a:fontRef idx="minor">
+            <a:schemeClr val="lt1"/>
+          </a:fontRef>
+        </p:style>
+        <p:txBody>
+          <a:bodyPr rtlCol="0" anchor="ctr"/>
+          <a:lstStyle/>
+          <a:p>
+            <a:pPr algn="ctr"/>
+            <a:r>
+              <a:rPr lang="pt-BR" b="1" dirty="0">
+                <a:solidFill>
+                  <a:schemeClr val="tx1"/>
+                </a:solidFill>
+              </a:rPr>
+              <a:t>Conteúdo</a:t>
+            </a:r>
+          </a:p>
+        </p:txBody>
+      </p:sp>
+      <p:pic>
+        <p:nvPicPr>
+          <p:cNvPr id="1026" name="Picture 2" descr="Microsoft Paint/Paintbrush in Javascript : r/programming">
+            <a:extLst>
+              <a:ext uri="{FF2B5EF4-FFF2-40B4-BE49-F238E27FC236}">
+                <a16:creationId xmlns:a16="http://schemas.microsoft.com/office/drawing/2014/main" id="{7A6ACCB1-8094-9282-1EBB-E80B216D071E}"/>
+              </a:ext>
+            </a:extLst>
+          </p:cNvPr>
+          <p:cNvPicPr>
+            <a:picLocks noChangeAspect="1" noChangeArrowheads="1"/>
+          </p:cNvPicPr>
+          <p:nvPr/>
+        </p:nvPicPr>
+        <p:blipFill>
+          <a:blip r:embed="rId2">
+            <a:extLst>
+              <a:ext uri="{28A0092B-C50C-407E-A947-70E740481C1C}">
+                <a14:useLocalDpi xmlns:a14="http://schemas.microsoft.com/office/drawing/2010/main" val="0"/>
+              </a:ext>
+            </a:extLst>
+          </a:blip>
+          <a:srcRect/>
+          <a:stretch>
+            <a:fillRect/>
+          </a:stretch>
+        </p:blipFill>
+        <p:spPr bwMode="auto">
+          <a:xfrm>
+            <a:off x="2179312" y="5676373"/>
+            <a:ext cx="478527" cy="478527"/>
+          </a:xfrm>
+          <a:prstGeom prst="rect">
+            <a:avLst/>
+          </a:prstGeom>
+          <a:noFill/>
+          <a:extLst>
+            <a:ext uri="{909E8E84-426E-40DD-AFC4-6F175D3DCCD1}">
+              <a14:hiddenFill xmlns:a14="http://schemas.microsoft.com/office/drawing/2010/main">
+                <a:solidFill>
+                  <a:srgbClr val="FFFFFF"/>
+                </a:solidFill>
+              </a14:hiddenFill>
+            </a:ext>
+          </a:extLst>
+        </p:spPr>
+      </p:pic>
+      <p:pic>
+        <p:nvPicPr>
+          <p:cNvPr id="37" name="Picture 4">
+            <a:extLst>
+              <a:ext uri="{FF2B5EF4-FFF2-40B4-BE49-F238E27FC236}">
+                <a16:creationId xmlns:a16="http://schemas.microsoft.com/office/drawing/2014/main" id="{77D034DC-1571-EE03-5FB5-DA46299ACFC9}"/>
+              </a:ext>
+            </a:extLst>
+          </p:cNvPr>
+          <p:cNvPicPr>
+            <a:picLocks noChangeAspect="1" noChangeArrowheads="1"/>
+          </p:cNvPicPr>
+          <p:nvPr/>
+        </p:nvPicPr>
+        <p:blipFill>
+          <a:blip r:embed="rId3">
+            <a:extLst>
+              <a:ext uri="{28A0092B-C50C-407E-A947-70E740481C1C}">
+                <a14:useLocalDpi xmlns:a14="http://schemas.microsoft.com/office/drawing/2010/main" val="0"/>
+              </a:ext>
+            </a:extLst>
+          </a:blip>
+          <a:srcRect/>
+          <a:stretch>
+            <a:fillRect/>
+          </a:stretch>
+        </p:blipFill>
+        <p:spPr bwMode="auto">
+          <a:xfrm>
+            <a:off x="1191349" y="5552571"/>
+            <a:ext cx="678216" cy="678216"/>
+          </a:xfrm>
+          <a:prstGeom prst="rect">
+            <a:avLst/>
+          </a:prstGeom>
+          <a:noFill/>
+          <a:extLst>
+            <a:ext uri="{909E8E84-426E-40DD-AFC4-6F175D3DCCD1}">
+              <a14:hiddenFill xmlns:a14="http://schemas.microsoft.com/office/drawing/2010/main">
+                <a:solidFill>
+                  <a:srgbClr val="FFFFFF"/>
+                </a:solidFill>
+              </a14:hiddenFill>
+            </a:ext>
+          </a:extLst>
+        </p:spPr>
+      </p:pic>
+      <p:pic>
+        <p:nvPicPr>
+          <p:cNvPr id="15" name="Picture 6" descr="evernote&quot; Icon - Download for free – Iconduck">
+            <a:extLst>
+              <a:ext uri="{FF2B5EF4-FFF2-40B4-BE49-F238E27FC236}">
+                <a16:creationId xmlns:a16="http://schemas.microsoft.com/office/drawing/2014/main" id="{92755062-C27C-B041-7B9B-7FB05780C8F2}"/>
+              </a:ext>
+            </a:extLst>
+          </p:cNvPr>
+          <p:cNvPicPr>
+            <a:picLocks noChangeAspect="1" noChangeArrowheads="1"/>
+          </p:cNvPicPr>
+          <p:nvPr/>
+        </p:nvPicPr>
+        <p:blipFill>
+          <a:blip r:embed="rId4">
+            <a:extLst>
+              <a:ext uri="{28A0092B-C50C-407E-A947-70E740481C1C}">
+                <a14:useLocalDpi xmlns:a14="http://schemas.microsoft.com/office/drawing/2010/main" val="0"/>
+              </a:ext>
+            </a:extLst>
+          </a:blip>
+          <a:srcRect/>
+          <a:stretch>
+            <a:fillRect/>
+          </a:stretch>
+        </p:blipFill>
+        <p:spPr bwMode="auto">
+          <a:xfrm>
+            <a:off x="119620" y="5552571"/>
+            <a:ext cx="722725" cy="714947"/>
+          </a:xfrm>
+          <a:prstGeom prst="rect">
+            <a:avLst/>
+          </a:prstGeom>
+          <a:noFill/>
+          <a:extLst>
+            <a:ext uri="{909E8E84-426E-40DD-AFC4-6F175D3DCCD1}">
+              <a14:hiddenFill xmlns:a14="http://schemas.microsoft.com/office/drawing/2010/main">
+                <a:solidFill>
+                  <a:srgbClr val="FFFFFF"/>
+                </a:solidFill>
+              </a14:hiddenFill>
+            </a:ext>
+          </a:extLst>
+        </p:spPr>
+      </p:pic>
+    </p:spTree>
+    <p:extLst>
+      <p:ext uri="{BB962C8B-B14F-4D97-AF65-F5344CB8AC3E}">
+        <p14:creationId xmlns:p14="http://schemas.microsoft.com/office/powerpoint/2010/main" val="3862254090"/>
+      </p:ext>
+    </p:extLst>
+  </p:cSld>
+  <p:clrMapOvr>
+    <a:masterClrMapping/>
+  </p:clrMapOvr>
+</p:sld>
+</file>
+
+<file path=ppt/slides/slide3.xml><?xml version="1.0" encoding="utf-8"?>
+<p:sld xmlns:a="http://schemas.openxmlformats.org/drawingml/2006/main" xmlns:r="http://schemas.openxmlformats.org/officeDocument/2006/relationships" xmlns:p="http://schemas.openxmlformats.org/presentationml/2006/main">
+  <p:cSld>
+    <p:spTree>
+      <p:nvGrpSpPr>
+        <p:cNvPr id="1" name=""/>
+        <p:cNvGrpSpPr/>
+        <p:nvPr/>
+      </p:nvGrpSpPr>
+      <p:grpSpPr>
+        <a:xfrm>
+          <a:off x="0" y="0"/>
+          <a:ext cx="0" cy="0"/>
+          <a:chOff x="0" y="0"/>
+          <a:chExt cx="0" cy="0"/>
+        </a:xfrm>
+      </p:grpSpPr>
+      <p:sp>
+        <p:nvSpPr>
+          <p:cNvPr id="12" name="Retângulo 11">
+            <a:extLst>
+              <a:ext uri="{FF2B5EF4-FFF2-40B4-BE49-F238E27FC236}">
+                <a16:creationId xmlns:a16="http://schemas.microsoft.com/office/drawing/2014/main" id="{6CE5AFBC-F2FB-6825-D32A-E2F88E337E81}"/>
+              </a:ext>
+            </a:extLst>
+          </p:cNvPr>
+          <p:cNvSpPr/>
+          <p:nvPr/>
+        </p:nvSpPr>
+        <p:spPr>
+          <a:xfrm>
+            <a:off x="7262085" y="3358326"/>
+            <a:ext cx="4740775" cy="3384585"/>
+          </a:xfrm>
+          <a:prstGeom prst="rect">
+            <a:avLst/>
+          </a:prstGeom>
+          <a:solidFill>
+            <a:schemeClr val="bg1"/>
+          </a:solidFill>
+          <a:ln>
+            <a:prstDash val="dash"/>
+          </a:ln>
+        </p:spPr>
+        <p:style>
+          <a:lnRef idx="2">
+            <a:schemeClr val="accent1">
+              <a:shade val="15000"/>
+            </a:schemeClr>
+          </a:lnRef>
+          <a:fillRef idx="1">
+            <a:schemeClr val="accent1"/>
+          </a:fillRef>
+          <a:effectRef idx="0">
+            <a:schemeClr val="accent1"/>
+          </a:effectRef>
+          <a:fontRef idx="minor">
+            <a:schemeClr val="lt1"/>
+          </a:fontRef>
+        </p:style>
+        <p:txBody>
+          <a:bodyPr rtlCol="0" anchor="ctr"/>
+          <a:lstStyle/>
+          <a:p>
+            <a:pPr algn="ctr"/>
+            <a:endParaRPr lang="pt-BR" dirty="0">
+              <a:solidFill>
+                <a:schemeClr val="tx1"/>
+              </a:solidFill>
+            </a:endParaRPr>
+          </a:p>
+        </p:txBody>
+      </p:sp>
+      <p:sp>
+        <p:nvSpPr>
+          <p:cNvPr id="3" name="Retângulo 2">
+            <a:extLst>
+              <a:ext uri="{FF2B5EF4-FFF2-40B4-BE49-F238E27FC236}">
+                <a16:creationId xmlns:a16="http://schemas.microsoft.com/office/drawing/2014/main" id="{8DE993F7-3728-D926-A3B8-FED9E60F033D}"/>
+              </a:ext>
+            </a:extLst>
+          </p:cNvPr>
+          <p:cNvSpPr/>
+          <p:nvPr/>
+        </p:nvSpPr>
+        <p:spPr>
+          <a:xfrm>
+            <a:off x="3540339" y="741309"/>
+            <a:ext cx="4853098" cy="5872316"/>
+          </a:xfrm>
+          <a:prstGeom prst="rect">
+            <a:avLst/>
+          </a:prstGeom>
+          <a:solidFill>
+            <a:schemeClr val="bg1"/>
+          </a:solidFill>
+          <a:ln>
+            <a:prstDash val="dash"/>
+          </a:ln>
+        </p:spPr>
+        <p:style>
+          <a:lnRef idx="2">
+            <a:schemeClr val="accent1">
+              <a:shade val="15000"/>
+            </a:schemeClr>
+          </a:lnRef>
+          <a:fillRef idx="1">
+            <a:schemeClr val="accent1"/>
+          </a:fillRef>
+          <a:effectRef idx="0">
+            <a:schemeClr val="accent1"/>
+          </a:effectRef>
+          <a:fontRef idx="minor">
+            <a:schemeClr val="lt1"/>
+          </a:fontRef>
+        </p:style>
+        <p:txBody>
+          <a:bodyPr rtlCol="0" anchor="ctr"/>
+          <a:lstStyle/>
+          <a:p>
+            <a:pPr algn="ctr"/>
+            <a:endParaRPr lang="pt-BR" dirty="0">
+              <a:solidFill>
+                <a:schemeClr val="tx1"/>
+              </a:solidFill>
+            </a:endParaRPr>
+          </a:p>
+        </p:txBody>
+      </p:sp>
+      <p:sp>
+        <p:nvSpPr>
+          <p:cNvPr id="2" name="Retângulo 1">
+            <a:extLst>
+              <a:ext uri="{FF2B5EF4-FFF2-40B4-BE49-F238E27FC236}">
+                <a16:creationId xmlns:a16="http://schemas.microsoft.com/office/drawing/2014/main" id="{8E0D9966-D19A-B5E3-1149-CB70C13CC382}"/>
+              </a:ext>
+            </a:extLst>
+          </p:cNvPr>
+          <p:cNvSpPr/>
+          <p:nvPr/>
+        </p:nvSpPr>
+        <p:spPr>
+          <a:xfrm>
+            <a:off x="309516" y="111612"/>
+            <a:ext cx="5138313" cy="2271957"/>
+          </a:xfrm>
+          <a:prstGeom prst="rect">
+            <a:avLst/>
+          </a:prstGeom>
+          <a:solidFill>
+            <a:schemeClr val="bg1"/>
+          </a:solidFill>
+          <a:ln>
+            <a:prstDash val="dash"/>
+          </a:ln>
+        </p:spPr>
+        <p:style>
+          <a:lnRef idx="2">
+            <a:schemeClr val="accent1">
+              <a:shade val="15000"/>
+            </a:schemeClr>
+          </a:lnRef>
+          <a:fillRef idx="1">
+            <a:schemeClr val="accent1"/>
+          </a:fillRef>
+          <a:effectRef idx="0">
+            <a:schemeClr val="accent1"/>
+          </a:effectRef>
+          <a:fontRef idx="minor">
+            <a:schemeClr val="lt1"/>
+          </a:fontRef>
+        </p:style>
+        <p:txBody>
+          <a:bodyPr rtlCol="0" anchor="ctr"/>
+          <a:lstStyle/>
+          <a:p>
+            <a:pPr algn="ctr"/>
+            <a:endParaRPr lang="pt-BR" dirty="0">
+              <a:solidFill>
+                <a:schemeClr val="tx1"/>
+              </a:solidFill>
+            </a:endParaRPr>
+          </a:p>
+        </p:txBody>
+      </p:sp>
+      <p:sp>
+        <p:nvSpPr>
+          <p:cNvPr id="89" name="Elipse 88">
+            <a:extLst>
+              <a:ext uri="{FF2B5EF4-FFF2-40B4-BE49-F238E27FC236}">
+                <a16:creationId xmlns:a16="http://schemas.microsoft.com/office/drawing/2014/main" id="{0DBCE093-A482-2CCA-02D8-EC95309C9CA5}"/>
+              </a:ext>
+            </a:extLst>
+          </p:cNvPr>
+          <p:cNvSpPr/>
+          <p:nvPr/>
+        </p:nvSpPr>
+        <p:spPr>
+          <a:xfrm>
+            <a:off x="1276016" y="244375"/>
+            <a:ext cx="2390863" cy="1470869"/>
+          </a:xfrm>
+          <a:prstGeom prst="ellipse">
+            <a:avLst/>
+          </a:prstGeom>
+          <a:noFill/>
+          <a:ln>
+            <a:prstDash val="dash"/>
+          </a:ln>
+        </p:spPr>
+        <p:style>
+          <a:lnRef idx="2">
+            <a:schemeClr val="accent1">
+              <a:shade val="15000"/>
+            </a:schemeClr>
+          </a:lnRef>
+          <a:fillRef idx="1">
+            <a:schemeClr val="accent1"/>
+          </a:fillRef>
+          <a:effectRef idx="0">
+            <a:schemeClr val="accent1"/>
+          </a:effectRef>
+          <a:fontRef idx="minor">
+            <a:schemeClr val="lt1"/>
+          </a:fontRef>
+        </p:style>
+        <p:txBody>
+          <a:bodyPr rtlCol="0" anchor="ctr"/>
+          <a:lstStyle/>
+          <a:p>
+            <a:pPr algn="ctr"/>
+            <a:endParaRPr lang="pt-BR"/>
+          </a:p>
+        </p:txBody>
+      </p:sp>
+      <p:sp>
+        <p:nvSpPr>
+          <p:cNvPr id="16" name="Elipse 15">
+            <a:extLst>
+              <a:ext uri="{FF2B5EF4-FFF2-40B4-BE49-F238E27FC236}">
+                <a16:creationId xmlns:a16="http://schemas.microsoft.com/office/drawing/2014/main" id="{951ABFE3-2782-25C5-3FC3-ED035B9D7605}"/>
+              </a:ext>
+            </a:extLst>
+          </p:cNvPr>
+          <p:cNvSpPr/>
+          <p:nvPr/>
+        </p:nvSpPr>
+        <p:spPr>
+          <a:xfrm>
+            <a:off x="4864423" y="3578837"/>
+            <a:ext cx="2668892" cy="1641914"/>
+          </a:xfrm>
+          <a:prstGeom prst="ellipse">
+            <a:avLst/>
+          </a:prstGeom>
+          <a:noFill/>
+          <a:ln>
+            <a:prstDash val="dash"/>
+          </a:ln>
+        </p:spPr>
+        <p:style>
+          <a:lnRef idx="2">
+            <a:schemeClr val="accent1">
+              <a:shade val="15000"/>
+            </a:schemeClr>
+          </a:lnRef>
+          <a:fillRef idx="1">
+            <a:schemeClr val="accent1"/>
+          </a:fillRef>
+          <a:effectRef idx="0">
+            <a:schemeClr val="accent1"/>
+          </a:effectRef>
+          <a:fontRef idx="minor">
+            <a:schemeClr val="lt1"/>
+          </a:fontRef>
+        </p:style>
+        <p:txBody>
+          <a:bodyPr rtlCol="0" anchor="ctr"/>
+          <a:lstStyle/>
+          <a:p>
+            <a:pPr algn="ctr"/>
+            <a:endParaRPr lang="pt-BR"/>
+          </a:p>
+        </p:txBody>
+      </p:sp>
+      <p:sp>
+        <p:nvSpPr>
+          <p:cNvPr id="4" name="Retângulo 3">
+            <a:extLst>
+              <a:ext uri="{FF2B5EF4-FFF2-40B4-BE49-F238E27FC236}">
+                <a16:creationId xmlns:a16="http://schemas.microsoft.com/office/drawing/2014/main" id="{F3CB1813-B689-2F90-57CF-4771BE7C7D8F}"/>
+              </a:ext>
+            </a:extLst>
+          </p:cNvPr>
+          <p:cNvSpPr/>
+          <p:nvPr/>
+        </p:nvSpPr>
+        <p:spPr>
+          <a:xfrm>
+            <a:off x="385426" y="179814"/>
+            <a:ext cx="1012305" cy="906011"/>
+          </a:xfrm>
+          <a:prstGeom prst="rect">
+            <a:avLst/>
+          </a:prstGeom>
+          <a:solidFill>
+            <a:schemeClr val="bg1"/>
+          </a:solidFill>
+        </p:spPr>
+        <p:style>
+          <a:lnRef idx="2">
+            <a:schemeClr val="accent1">
+              <a:shade val="15000"/>
+            </a:schemeClr>
+          </a:lnRef>
+          <a:fillRef idx="1">
+            <a:schemeClr val="accent1"/>
+          </a:fillRef>
+          <a:effectRef idx="0">
+            <a:schemeClr val="accent1"/>
+          </a:effectRef>
+          <a:fontRef idx="minor">
+            <a:schemeClr val="lt1"/>
+          </a:fontRef>
+        </p:style>
+        <p:txBody>
+          <a:bodyPr rtlCol="0" anchor="ctr"/>
+          <a:lstStyle/>
+          <a:p>
+            <a:pPr algn="ctr"/>
+            <a:r>
+              <a:rPr lang="pt-BR" dirty="0">
+                <a:solidFill>
+                  <a:schemeClr val="tx1"/>
+                </a:solidFill>
+              </a:rPr>
+              <a:t>Ideia</a:t>
+            </a:r>
+          </a:p>
+          <a:p>
+            <a:pPr algn="ctr"/>
+            <a:r>
+              <a:rPr lang="pt-BR" dirty="0">
+                <a:solidFill>
+                  <a:schemeClr val="tx1"/>
+                </a:solidFill>
+              </a:rPr>
+              <a:t> Papel</a:t>
+            </a:r>
+          </a:p>
+        </p:txBody>
+      </p:sp>
+      <p:sp>
+        <p:nvSpPr>
+          <p:cNvPr id="5" name="Retângulo 4">
+            <a:extLst>
+              <a:ext uri="{FF2B5EF4-FFF2-40B4-BE49-F238E27FC236}">
+                <a16:creationId xmlns:a16="http://schemas.microsoft.com/office/drawing/2014/main" id="{3E344992-3AA6-0DD2-984D-9F389E3C4DFA}"/>
+              </a:ext>
+            </a:extLst>
+          </p:cNvPr>
+          <p:cNvSpPr/>
+          <p:nvPr/>
+        </p:nvSpPr>
+        <p:spPr>
+          <a:xfrm>
+            <a:off x="2793511" y="206609"/>
+            <a:ext cx="1012305" cy="669722"/>
+          </a:xfrm>
+          <a:prstGeom prst="rect">
+            <a:avLst/>
+          </a:prstGeom>
+          <a:solidFill>
+            <a:schemeClr val="accent6">
+              <a:lumMod val="20000"/>
+              <a:lumOff val="80000"/>
+            </a:schemeClr>
+          </a:solidFill>
+        </p:spPr>
+        <p:style>
+          <a:lnRef idx="2">
+            <a:schemeClr val="accent1">
+              <a:shade val="15000"/>
+            </a:schemeClr>
+          </a:lnRef>
+          <a:fillRef idx="1">
+            <a:schemeClr val="accent1"/>
+          </a:fillRef>
+          <a:effectRef idx="0">
+            <a:schemeClr val="accent1"/>
+          </a:effectRef>
+          <a:fontRef idx="minor">
+            <a:schemeClr val="lt1"/>
+          </a:fontRef>
+        </p:style>
+        <p:txBody>
+          <a:bodyPr rtlCol="0" anchor="ctr"/>
+          <a:lstStyle/>
+          <a:p>
+            <a:pPr algn="ctr"/>
+            <a:r>
+              <a:rPr lang="pt-BR" sz="1200" dirty="0" err="1">
+                <a:solidFill>
+                  <a:schemeClr val="tx1"/>
+                </a:solidFill>
+              </a:rPr>
+              <a:t>VSCode</a:t>
+            </a:r>
+            <a:r>
+              <a:rPr lang="pt-BR" sz="1200" dirty="0">
+                <a:solidFill>
+                  <a:schemeClr val="tx1"/>
+                </a:solidFill>
+              </a:rPr>
+              <a:t> (MD)</a:t>
+            </a:r>
+          </a:p>
+        </p:txBody>
+      </p:sp>
+      <p:sp>
+        <p:nvSpPr>
+          <p:cNvPr id="6" name="Retângulo 5">
+            <a:extLst>
+              <a:ext uri="{FF2B5EF4-FFF2-40B4-BE49-F238E27FC236}">
+                <a16:creationId xmlns:a16="http://schemas.microsoft.com/office/drawing/2014/main" id="{9BA6DDF5-10D9-2548-361E-5FCEC5D5A73D}"/>
+              </a:ext>
+            </a:extLst>
+          </p:cNvPr>
+          <p:cNvSpPr/>
+          <p:nvPr/>
+        </p:nvSpPr>
+        <p:spPr>
+          <a:xfrm>
+            <a:off x="4074070" y="894824"/>
+            <a:ext cx="1296099" cy="906011"/>
+          </a:xfrm>
+          <a:prstGeom prst="rect">
+            <a:avLst/>
+          </a:prstGeom>
+          <a:solidFill>
+            <a:srgbClr val="993333"/>
+          </a:solidFill>
+        </p:spPr>
+        <p:style>
+          <a:lnRef idx="2">
+            <a:schemeClr val="accent1">
+              <a:shade val="15000"/>
+            </a:schemeClr>
+          </a:lnRef>
+          <a:fillRef idx="1">
+            <a:schemeClr val="accent1"/>
+          </a:fillRef>
+          <a:effectRef idx="0">
+            <a:schemeClr val="accent1"/>
+          </a:effectRef>
+          <a:fontRef idx="minor">
+            <a:schemeClr val="lt1"/>
+          </a:fontRef>
+        </p:style>
+        <p:txBody>
+          <a:bodyPr rtlCol="0" anchor="ctr"/>
+          <a:lstStyle/>
+          <a:p>
+            <a:pPr algn="ctr"/>
+            <a:r>
+              <a:rPr lang="pt-BR" b="1" dirty="0">
+                <a:solidFill>
+                  <a:schemeClr val="bg1"/>
+                </a:solidFill>
+              </a:rPr>
+              <a:t>Esqueleto</a:t>
+            </a:r>
+          </a:p>
+        </p:txBody>
+      </p:sp>
+      <p:sp>
+        <p:nvSpPr>
+          <p:cNvPr id="7" name="Retângulo 6">
+            <a:extLst>
+              <a:ext uri="{FF2B5EF4-FFF2-40B4-BE49-F238E27FC236}">
+                <a16:creationId xmlns:a16="http://schemas.microsoft.com/office/drawing/2014/main" id="{2A73339E-B537-0C32-183E-7F752F52746B}"/>
+              </a:ext>
+            </a:extLst>
+          </p:cNvPr>
+          <p:cNvSpPr/>
+          <p:nvPr/>
+        </p:nvSpPr>
+        <p:spPr>
+          <a:xfrm>
+            <a:off x="89405" y="2676624"/>
+            <a:ext cx="1296099" cy="472580"/>
+          </a:xfrm>
+          <a:prstGeom prst="rect">
+            <a:avLst/>
+          </a:prstGeom>
+          <a:solidFill>
+            <a:schemeClr val="accent6">
+              <a:lumMod val="20000"/>
+              <a:lumOff val="80000"/>
+            </a:schemeClr>
+          </a:solidFill>
+        </p:spPr>
+        <p:style>
+          <a:lnRef idx="2">
+            <a:schemeClr val="accent1">
+              <a:shade val="15000"/>
+            </a:schemeClr>
+          </a:lnRef>
+          <a:fillRef idx="1">
+            <a:schemeClr val="accent1"/>
+          </a:fillRef>
+          <a:effectRef idx="0">
+            <a:schemeClr val="accent1"/>
+          </a:effectRef>
+          <a:fontRef idx="minor">
+            <a:schemeClr val="lt1"/>
+          </a:fontRef>
+        </p:style>
+        <p:txBody>
+          <a:bodyPr rtlCol="0" anchor="ctr"/>
+          <a:lstStyle/>
+          <a:p>
+            <a:pPr algn="ctr"/>
+            <a:r>
+              <a:rPr lang="pt-BR" dirty="0">
+                <a:solidFill>
+                  <a:schemeClr val="tx1"/>
+                </a:solidFill>
+              </a:rPr>
+              <a:t>Kratos</a:t>
+            </a:r>
+          </a:p>
+        </p:txBody>
+      </p:sp>
+      <p:sp>
+        <p:nvSpPr>
+          <p:cNvPr id="8" name="Retângulo 7">
+            <a:extLst>
+              <a:ext uri="{FF2B5EF4-FFF2-40B4-BE49-F238E27FC236}">
+                <a16:creationId xmlns:a16="http://schemas.microsoft.com/office/drawing/2014/main" id="{8E83690F-5E55-6070-2F85-09FC457936A7}"/>
+              </a:ext>
+            </a:extLst>
+          </p:cNvPr>
+          <p:cNvSpPr/>
+          <p:nvPr/>
+        </p:nvSpPr>
+        <p:spPr>
+          <a:xfrm>
+            <a:off x="80239" y="3958662"/>
+            <a:ext cx="1296099" cy="390088"/>
+          </a:xfrm>
+          <a:prstGeom prst="rect">
+            <a:avLst/>
+          </a:prstGeom>
+          <a:noFill/>
+        </p:spPr>
+        <p:style>
+          <a:lnRef idx="2">
+            <a:schemeClr val="accent1">
+              <a:shade val="15000"/>
+            </a:schemeClr>
+          </a:lnRef>
+          <a:fillRef idx="1">
+            <a:schemeClr val="accent1"/>
+          </a:fillRef>
+          <a:effectRef idx="0">
+            <a:schemeClr val="accent1"/>
+          </a:effectRef>
+          <a:fontRef idx="minor">
+            <a:schemeClr val="lt1"/>
+          </a:fontRef>
+        </p:style>
+        <p:txBody>
+          <a:bodyPr rtlCol="0" anchor="ctr"/>
+          <a:lstStyle/>
+          <a:p>
+            <a:pPr algn="ctr"/>
+            <a:r>
+              <a:rPr lang="pt-BR" dirty="0">
+                <a:solidFill>
+                  <a:schemeClr val="tx1"/>
+                </a:solidFill>
+              </a:rPr>
+              <a:t>Web</a:t>
+            </a:r>
+          </a:p>
+        </p:txBody>
+      </p:sp>
+      <p:sp>
+        <p:nvSpPr>
+          <p:cNvPr id="9" name="Retângulo 8">
+            <a:extLst>
+              <a:ext uri="{FF2B5EF4-FFF2-40B4-BE49-F238E27FC236}">
+                <a16:creationId xmlns:a16="http://schemas.microsoft.com/office/drawing/2014/main" id="{8D7C9CC3-0D76-BA77-AC0D-1B4E932E9B3F}"/>
+              </a:ext>
+            </a:extLst>
+          </p:cNvPr>
+          <p:cNvSpPr/>
+          <p:nvPr/>
+        </p:nvSpPr>
+        <p:spPr>
+          <a:xfrm>
+            <a:off x="89405" y="3277304"/>
+            <a:ext cx="1296099" cy="472580"/>
+          </a:xfrm>
+          <a:prstGeom prst="rect">
+            <a:avLst/>
+          </a:prstGeom>
+          <a:noFill/>
+        </p:spPr>
+        <p:style>
+          <a:lnRef idx="2">
+            <a:schemeClr val="accent1">
+              <a:shade val="15000"/>
+            </a:schemeClr>
+          </a:lnRef>
+          <a:fillRef idx="1">
+            <a:schemeClr val="accent1"/>
+          </a:fillRef>
+          <a:effectRef idx="0">
+            <a:schemeClr val="accent1"/>
+          </a:effectRef>
+          <a:fontRef idx="minor">
+            <a:schemeClr val="lt1"/>
+          </a:fontRef>
+        </p:style>
+        <p:txBody>
+          <a:bodyPr rtlCol="0" anchor="ctr"/>
+          <a:lstStyle/>
+          <a:p>
+            <a:pPr algn="ctr"/>
+            <a:r>
+              <a:rPr lang="pt-BR" dirty="0">
+                <a:solidFill>
+                  <a:schemeClr val="tx1"/>
+                </a:solidFill>
+              </a:rPr>
+              <a:t>CLI</a:t>
+            </a:r>
+          </a:p>
+        </p:txBody>
+      </p:sp>
+      <p:sp>
+        <p:nvSpPr>
+          <p:cNvPr id="10" name="Retângulo 9">
+            <a:extLst>
+              <a:ext uri="{FF2B5EF4-FFF2-40B4-BE49-F238E27FC236}">
+                <a16:creationId xmlns:a16="http://schemas.microsoft.com/office/drawing/2014/main" id="{6CA52ECF-AF81-1BA6-CE23-C975A491DB78}"/>
+              </a:ext>
+            </a:extLst>
+          </p:cNvPr>
+          <p:cNvSpPr/>
+          <p:nvPr/>
+        </p:nvSpPr>
+        <p:spPr>
+          <a:xfrm>
+            <a:off x="2337781" y="2912914"/>
+            <a:ext cx="1533788" cy="801149"/>
+          </a:xfrm>
+          <a:prstGeom prst="rect">
+            <a:avLst/>
+          </a:prstGeom>
+          <a:solidFill>
+            <a:schemeClr val="accent6">
+              <a:lumMod val="20000"/>
+              <a:lumOff val="80000"/>
+            </a:schemeClr>
+          </a:solidFill>
+        </p:spPr>
+        <p:style>
+          <a:lnRef idx="2">
+            <a:schemeClr val="accent1">
+              <a:shade val="15000"/>
+            </a:schemeClr>
+          </a:lnRef>
+          <a:fillRef idx="1">
+            <a:schemeClr val="accent1"/>
+          </a:fillRef>
+          <a:effectRef idx="0">
+            <a:schemeClr val="accent1"/>
+          </a:effectRef>
+          <a:fontRef idx="minor">
+            <a:schemeClr val="lt1"/>
+          </a:fontRef>
+        </p:style>
+        <p:txBody>
+          <a:bodyPr rtlCol="0" anchor="ctr"/>
+          <a:lstStyle/>
+          <a:p>
+            <a:pPr algn="ctr"/>
+            <a:r>
+              <a:rPr lang="pt-BR" dirty="0">
+                <a:solidFill>
+                  <a:schemeClr val="tx1"/>
+                </a:solidFill>
+              </a:rPr>
+              <a:t>DADOS</a:t>
+            </a:r>
+          </a:p>
+        </p:txBody>
+      </p:sp>
+      <p:sp>
+        <p:nvSpPr>
+          <p:cNvPr id="11" name="Retângulo 10">
+            <a:extLst>
+              <a:ext uri="{FF2B5EF4-FFF2-40B4-BE49-F238E27FC236}">
+                <a16:creationId xmlns:a16="http://schemas.microsoft.com/office/drawing/2014/main" id="{BCEDDF2F-0813-4BFA-8852-795F2877EFD0}"/>
+              </a:ext>
+            </a:extLst>
+          </p:cNvPr>
+          <p:cNvSpPr/>
+          <p:nvPr/>
+        </p:nvSpPr>
+        <p:spPr>
+          <a:xfrm>
+            <a:off x="5719895" y="3468849"/>
+            <a:ext cx="1296099" cy="531302"/>
+          </a:xfrm>
+          <a:prstGeom prst="rect">
+            <a:avLst/>
+          </a:prstGeom>
+          <a:solidFill>
+            <a:schemeClr val="bg1"/>
+          </a:solidFill>
+        </p:spPr>
+        <p:style>
+          <a:lnRef idx="2">
+            <a:schemeClr val="accent1">
+              <a:shade val="15000"/>
+            </a:schemeClr>
+          </a:lnRef>
+          <a:fillRef idx="1">
+            <a:schemeClr val="accent1"/>
+          </a:fillRef>
+          <a:effectRef idx="0">
+            <a:schemeClr val="accent1"/>
+          </a:effectRef>
+          <a:fontRef idx="minor">
+            <a:schemeClr val="lt1"/>
+          </a:fontRef>
+        </p:style>
+        <p:txBody>
+          <a:bodyPr rtlCol="0" anchor="ctr"/>
+          <a:lstStyle/>
+          <a:p>
+            <a:pPr algn="ctr"/>
+            <a:r>
+              <a:rPr lang="pt-BR" dirty="0">
+                <a:solidFill>
+                  <a:schemeClr val="tx1"/>
+                </a:solidFill>
+              </a:rPr>
+              <a:t>+Texto</a:t>
+            </a:r>
+          </a:p>
+        </p:txBody>
+      </p:sp>
+      <p:sp>
+        <p:nvSpPr>
+          <p:cNvPr id="13" name="Retângulo 12">
+            <a:extLst>
+              <a:ext uri="{FF2B5EF4-FFF2-40B4-BE49-F238E27FC236}">
+                <a16:creationId xmlns:a16="http://schemas.microsoft.com/office/drawing/2014/main" id="{F0301BC5-9E71-C033-34A9-4E833ACCB623}"/>
+              </a:ext>
+            </a:extLst>
+          </p:cNvPr>
+          <p:cNvSpPr/>
+          <p:nvPr/>
+        </p:nvSpPr>
+        <p:spPr>
+          <a:xfrm>
+            <a:off x="5719894" y="4184709"/>
+            <a:ext cx="1296099" cy="531302"/>
+          </a:xfrm>
+          <a:prstGeom prst="rect">
+            <a:avLst/>
+          </a:prstGeom>
+          <a:noFill/>
+        </p:spPr>
+        <p:style>
+          <a:lnRef idx="2">
+            <a:schemeClr val="accent1">
+              <a:shade val="15000"/>
+            </a:schemeClr>
+          </a:lnRef>
+          <a:fillRef idx="1">
+            <a:schemeClr val="accent1"/>
+          </a:fillRef>
+          <a:effectRef idx="0">
+            <a:schemeClr val="accent1"/>
+          </a:effectRef>
+          <a:fontRef idx="minor">
+            <a:schemeClr val="lt1"/>
+          </a:fontRef>
+        </p:style>
+        <p:txBody>
+          <a:bodyPr rtlCol="0" anchor="ctr"/>
+          <a:lstStyle/>
+          <a:p>
+            <a:pPr algn="ctr"/>
+            <a:r>
+              <a:rPr lang="pt-BR" dirty="0">
+                <a:solidFill>
+                  <a:schemeClr val="tx1"/>
+                </a:solidFill>
+              </a:rPr>
+              <a:t>+Texto</a:t>
+            </a:r>
+          </a:p>
+        </p:txBody>
+      </p:sp>
+      <p:sp>
+        <p:nvSpPr>
+          <p:cNvPr id="14" name="Retângulo 13">
+            <a:extLst>
+              <a:ext uri="{FF2B5EF4-FFF2-40B4-BE49-F238E27FC236}">
+                <a16:creationId xmlns:a16="http://schemas.microsoft.com/office/drawing/2014/main" id="{E8EA4DD0-EFF8-C253-4CC2-9327BC5E409D}"/>
+              </a:ext>
+            </a:extLst>
+          </p:cNvPr>
+          <p:cNvSpPr/>
+          <p:nvPr/>
+        </p:nvSpPr>
+        <p:spPr>
+          <a:xfrm>
+            <a:off x="5719893" y="4900569"/>
+            <a:ext cx="1296099" cy="531302"/>
+          </a:xfrm>
+          <a:prstGeom prst="rect">
+            <a:avLst/>
+          </a:prstGeom>
+          <a:solidFill>
+            <a:schemeClr val="bg1"/>
+          </a:solidFill>
+        </p:spPr>
+        <p:style>
+          <a:lnRef idx="2">
+            <a:schemeClr val="accent1">
+              <a:shade val="15000"/>
+            </a:schemeClr>
+          </a:lnRef>
+          <a:fillRef idx="1">
+            <a:schemeClr val="accent1"/>
+          </a:fillRef>
+          <a:effectRef idx="0">
+            <a:schemeClr val="accent1"/>
+          </a:effectRef>
+          <a:fontRef idx="minor">
+            <a:schemeClr val="lt1"/>
+          </a:fontRef>
+        </p:style>
+        <p:txBody>
+          <a:bodyPr rtlCol="0" anchor="ctr"/>
+          <a:lstStyle/>
+          <a:p>
+            <a:pPr algn="ctr"/>
+            <a:r>
+              <a:rPr lang="pt-BR" dirty="0">
+                <a:solidFill>
+                  <a:schemeClr val="tx1"/>
+                </a:solidFill>
+              </a:rPr>
+              <a:t>+Texto</a:t>
+            </a:r>
+          </a:p>
+        </p:txBody>
+      </p:sp>
+      <p:cxnSp>
+        <p:nvCxnSpPr>
+          <p:cNvPr id="18" name="Conector de Seta Reta 17">
+            <a:extLst>
+              <a:ext uri="{FF2B5EF4-FFF2-40B4-BE49-F238E27FC236}">
+                <a16:creationId xmlns:a16="http://schemas.microsoft.com/office/drawing/2014/main" id="{C5C1DC43-EDA0-8BA0-7FB9-24D41852D347}"/>
+              </a:ext>
+            </a:extLst>
+          </p:cNvPr>
+          <p:cNvCxnSpPr>
+            <a:cxnSpLocks/>
+          </p:cNvCxnSpPr>
+          <p:nvPr/>
+        </p:nvCxnSpPr>
+        <p:spPr>
+          <a:xfrm>
+            <a:off x="2023335" y="560462"/>
+            <a:ext cx="469783" cy="0"/>
+          </a:xfrm>
+          <a:prstGeom prst="straightConnector1">
+            <a:avLst/>
+          </a:prstGeom>
+          <a:ln>
+            <a:tailEnd type="triangle"/>
+          </a:ln>
+        </p:spPr>
+        <p:style>
+          <a:lnRef idx="2">
+            <a:schemeClr val="accent1"/>
+          </a:lnRef>
+          <a:fillRef idx="0">
+            <a:schemeClr val="accent1"/>
+          </a:fillRef>
+          <a:effectRef idx="1">
+            <a:schemeClr val="accent1"/>
+          </a:effectRef>
+          <a:fontRef idx="minor">
+            <a:schemeClr val="tx1"/>
+          </a:fontRef>
+        </p:style>
+      </p:cxnSp>
+      <p:cxnSp>
+        <p:nvCxnSpPr>
+          <p:cNvPr id="21" name="Conector de Seta Reta 20">
+            <a:extLst>
+              <a:ext uri="{FF2B5EF4-FFF2-40B4-BE49-F238E27FC236}">
+                <a16:creationId xmlns:a16="http://schemas.microsoft.com/office/drawing/2014/main" id="{F92850E6-2CFC-D356-05C6-3C6C7605B560}"/>
+              </a:ext>
+            </a:extLst>
+          </p:cNvPr>
+          <p:cNvCxnSpPr>
+            <a:cxnSpLocks/>
+          </p:cNvCxnSpPr>
+          <p:nvPr/>
+        </p:nvCxnSpPr>
+        <p:spPr>
+          <a:xfrm>
+            <a:off x="1521825" y="3573709"/>
+            <a:ext cx="454661" cy="29363"/>
+          </a:xfrm>
+          <a:prstGeom prst="straightConnector1">
+            <a:avLst/>
+          </a:prstGeom>
+          <a:ln>
+            <a:tailEnd type="triangle"/>
+          </a:ln>
+        </p:spPr>
+        <p:style>
+          <a:lnRef idx="2">
+            <a:schemeClr val="accent1"/>
+          </a:lnRef>
+          <a:fillRef idx="0">
+            <a:schemeClr val="accent1"/>
+          </a:fillRef>
+          <a:effectRef idx="1">
+            <a:schemeClr val="accent1"/>
+          </a:effectRef>
+          <a:fontRef idx="minor">
+            <a:schemeClr val="tx1"/>
+          </a:fontRef>
+        </p:style>
+      </p:cxnSp>
+      <p:cxnSp>
+        <p:nvCxnSpPr>
+          <p:cNvPr id="23" name="Conector de Seta Reta 22">
+            <a:extLst>
+              <a:ext uri="{FF2B5EF4-FFF2-40B4-BE49-F238E27FC236}">
+                <a16:creationId xmlns:a16="http://schemas.microsoft.com/office/drawing/2014/main" id="{EA6A40DC-D3AD-6423-0873-EF8A560AE7A6}"/>
+              </a:ext>
+            </a:extLst>
+          </p:cNvPr>
+          <p:cNvCxnSpPr>
+            <a:cxnSpLocks/>
+          </p:cNvCxnSpPr>
+          <p:nvPr/>
+        </p:nvCxnSpPr>
+        <p:spPr>
+          <a:xfrm>
+            <a:off x="1547006" y="2971798"/>
+            <a:ext cx="449073" cy="19675"/>
+          </a:xfrm>
+          <a:prstGeom prst="straightConnector1">
+            <a:avLst/>
+          </a:prstGeom>
+          <a:ln>
+            <a:tailEnd type="triangle"/>
+          </a:ln>
+        </p:spPr>
+        <p:style>
+          <a:lnRef idx="2">
+            <a:schemeClr val="accent1"/>
+          </a:lnRef>
+          <a:fillRef idx="0">
+            <a:schemeClr val="accent1"/>
+          </a:fillRef>
+          <a:effectRef idx="1">
+            <a:schemeClr val="accent1"/>
+          </a:effectRef>
+          <a:fontRef idx="minor">
+            <a:schemeClr val="tx1"/>
+          </a:fontRef>
+        </p:style>
+      </p:cxnSp>
+      <p:cxnSp>
+        <p:nvCxnSpPr>
+          <p:cNvPr id="25" name="Conector de Seta Reta 24">
+            <a:extLst>
+              <a:ext uri="{FF2B5EF4-FFF2-40B4-BE49-F238E27FC236}">
+                <a16:creationId xmlns:a16="http://schemas.microsoft.com/office/drawing/2014/main" id="{BAEFD6D7-78AD-94F5-52B5-2A8D20C2A573}"/>
+              </a:ext>
+            </a:extLst>
+          </p:cNvPr>
+          <p:cNvCxnSpPr>
+            <a:cxnSpLocks/>
+          </p:cNvCxnSpPr>
+          <p:nvPr/>
+        </p:nvCxnSpPr>
+        <p:spPr>
+          <a:xfrm flipV="1">
+            <a:off x="1553633" y="4114970"/>
+            <a:ext cx="394981" cy="6643"/>
+          </a:xfrm>
+          <a:prstGeom prst="straightConnector1">
+            <a:avLst/>
+          </a:prstGeom>
+          <a:ln>
+            <a:tailEnd type="triangle"/>
+          </a:ln>
+        </p:spPr>
+        <p:style>
+          <a:lnRef idx="2">
+            <a:schemeClr val="accent1"/>
+          </a:lnRef>
+          <a:fillRef idx="0">
+            <a:schemeClr val="accent1"/>
+          </a:fillRef>
+          <a:effectRef idx="1">
+            <a:schemeClr val="accent1"/>
+          </a:effectRef>
+          <a:fontRef idx="minor">
+            <a:schemeClr val="tx1"/>
+          </a:fontRef>
+        </p:style>
+      </p:cxnSp>
+      <p:cxnSp>
+        <p:nvCxnSpPr>
+          <p:cNvPr id="31" name="Conector de Seta Reta 30">
+            <a:extLst>
+              <a:ext uri="{FF2B5EF4-FFF2-40B4-BE49-F238E27FC236}">
+                <a16:creationId xmlns:a16="http://schemas.microsoft.com/office/drawing/2014/main" id="{6C9FEEF5-9002-AF0E-171F-DDA68CB77F08}"/>
+              </a:ext>
+            </a:extLst>
+          </p:cNvPr>
+          <p:cNvCxnSpPr>
+            <a:cxnSpLocks/>
+          </p:cNvCxnSpPr>
+          <p:nvPr/>
+        </p:nvCxnSpPr>
+        <p:spPr>
+          <a:xfrm>
+            <a:off x="4341062" y="3573709"/>
+            <a:ext cx="545605" cy="471641"/>
+          </a:xfrm>
+          <a:prstGeom prst="straightConnector1">
+            <a:avLst/>
+          </a:prstGeom>
+          <a:ln>
+            <a:tailEnd type="triangle"/>
+          </a:ln>
+        </p:spPr>
+        <p:style>
+          <a:lnRef idx="2">
+            <a:schemeClr val="accent1"/>
+          </a:lnRef>
+          <a:fillRef idx="0">
+            <a:schemeClr val="accent1"/>
+          </a:fillRef>
+          <a:effectRef idx="1">
+            <a:schemeClr val="accent1"/>
+          </a:effectRef>
+          <a:fontRef idx="minor">
+            <a:schemeClr val="tx1"/>
+          </a:fontRef>
+        </p:style>
+      </p:cxnSp>
+      <p:cxnSp>
+        <p:nvCxnSpPr>
+          <p:cNvPr id="34" name="Conector de Seta Reta 33">
+            <a:extLst>
+              <a:ext uri="{FF2B5EF4-FFF2-40B4-BE49-F238E27FC236}">
+                <a16:creationId xmlns:a16="http://schemas.microsoft.com/office/drawing/2014/main" id="{9CDF033E-2959-E639-4063-FF21C356AB75}"/>
+              </a:ext>
+            </a:extLst>
+          </p:cNvPr>
+          <p:cNvCxnSpPr>
+            <a:cxnSpLocks/>
+          </p:cNvCxnSpPr>
+          <p:nvPr/>
+        </p:nvCxnSpPr>
+        <p:spPr>
+          <a:xfrm>
+            <a:off x="4240364" y="4211730"/>
+            <a:ext cx="497923" cy="423645"/>
+          </a:xfrm>
+          <a:prstGeom prst="straightConnector1">
+            <a:avLst/>
+          </a:prstGeom>
+          <a:ln>
+            <a:tailEnd type="triangle"/>
+          </a:ln>
+        </p:spPr>
+        <p:style>
+          <a:lnRef idx="2">
+            <a:schemeClr val="accent1"/>
+          </a:lnRef>
+          <a:fillRef idx="0">
+            <a:schemeClr val="accent1"/>
+          </a:fillRef>
+          <a:effectRef idx="1">
+            <a:schemeClr val="accent1"/>
+          </a:effectRef>
+          <a:fontRef idx="minor">
+            <a:schemeClr val="tx1"/>
+          </a:fontRef>
+        </p:style>
+      </p:cxnSp>
+      <p:cxnSp>
+        <p:nvCxnSpPr>
+          <p:cNvPr id="36" name="Conector de Seta Reta 35">
+            <a:extLst>
+              <a:ext uri="{FF2B5EF4-FFF2-40B4-BE49-F238E27FC236}">
+                <a16:creationId xmlns:a16="http://schemas.microsoft.com/office/drawing/2014/main" id="{33F6202B-8A55-91B1-5FE9-EE4D48D57A3D}"/>
+              </a:ext>
+            </a:extLst>
+          </p:cNvPr>
+          <p:cNvCxnSpPr>
+            <a:cxnSpLocks/>
+          </p:cNvCxnSpPr>
+          <p:nvPr/>
+        </p:nvCxnSpPr>
+        <p:spPr>
+          <a:xfrm>
+            <a:off x="4156474" y="4822491"/>
+            <a:ext cx="581813" cy="402909"/>
+          </a:xfrm>
+          <a:prstGeom prst="straightConnector1">
+            <a:avLst/>
+          </a:prstGeom>
+          <a:ln>
+            <a:tailEnd type="triangle"/>
+          </a:ln>
+        </p:spPr>
+        <p:style>
+          <a:lnRef idx="2">
+            <a:schemeClr val="accent1"/>
+          </a:lnRef>
+          <a:fillRef idx="0">
+            <a:schemeClr val="accent1"/>
+          </a:fillRef>
+          <a:effectRef idx="1">
+            <a:schemeClr val="accent1"/>
+          </a:effectRef>
+          <a:fontRef idx="minor">
+            <a:schemeClr val="tx1"/>
+          </a:fontRef>
+        </p:style>
+      </p:cxnSp>
+      <p:sp>
+        <p:nvSpPr>
+          <p:cNvPr id="38" name="Retângulo 37">
+            <a:extLst>
+              <a:ext uri="{FF2B5EF4-FFF2-40B4-BE49-F238E27FC236}">
+                <a16:creationId xmlns:a16="http://schemas.microsoft.com/office/drawing/2014/main" id="{AD3AC918-44E0-43B2-4201-04F0E2BA8DAC}"/>
+              </a:ext>
+            </a:extLst>
+          </p:cNvPr>
+          <p:cNvSpPr/>
+          <p:nvPr/>
+        </p:nvSpPr>
+        <p:spPr>
+          <a:xfrm>
+            <a:off x="10019250" y="5297650"/>
+            <a:ext cx="1533788" cy="448809"/>
+          </a:xfrm>
+          <a:prstGeom prst="rect">
+            <a:avLst/>
+          </a:prstGeom>
+          <a:solidFill>
+            <a:srgbClr val="993333"/>
+          </a:solidFill>
+        </p:spPr>
+        <p:style>
+          <a:lnRef idx="2">
+            <a:schemeClr val="accent1">
+              <a:shade val="15000"/>
+            </a:schemeClr>
+          </a:lnRef>
+          <a:fillRef idx="1">
+            <a:schemeClr val="accent1"/>
+          </a:fillRef>
+          <a:effectRef idx="0">
+            <a:schemeClr val="accent1"/>
+          </a:effectRef>
+          <a:fontRef idx="minor">
+            <a:schemeClr val="lt1"/>
+          </a:fontRef>
+        </p:style>
+        <p:txBody>
+          <a:bodyPr rtlCol="0" anchor="ctr"/>
+          <a:lstStyle/>
+          <a:p>
+            <a:pPr algn="ctr"/>
+            <a:r>
+              <a:rPr lang="pt-BR" b="1" dirty="0">
+                <a:solidFill>
+                  <a:schemeClr val="bg1"/>
+                </a:solidFill>
+              </a:rPr>
+              <a:t>Word</a:t>
+            </a:r>
+          </a:p>
+        </p:txBody>
+      </p:sp>
+      <p:sp>
+        <p:nvSpPr>
+          <p:cNvPr id="40" name="Retângulo 39">
+            <a:extLst>
+              <a:ext uri="{FF2B5EF4-FFF2-40B4-BE49-F238E27FC236}">
+                <a16:creationId xmlns:a16="http://schemas.microsoft.com/office/drawing/2014/main" id="{403F94C0-81A3-9353-778E-05A61524D0BE}"/>
+              </a:ext>
+            </a:extLst>
+          </p:cNvPr>
+          <p:cNvSpPr/>
+          <p:nvPr/>
+        </p:nvSpPr>
+        <p:spPr>
+          <a:xfrm>
+            <a:off x="8984424" y="1020702"/>
+            <a:ext cx="1296099" cy="472580"/>
+          </a:xfrm>
+          <a:prstGeom prst="rect">
+            <a:avLst/>
+          </a:prstGeom>
+          <a:noFill/>
+        </p:spPr>
+        <p:style>
+          <a:lnRef idx="2">
+            <a:schemeClr val="accent1">
+              <a:shade val="15000"/>
+            </a:schemeClr>
+          </a:lnRef>
+          <a:fillRef idx="1">
+            <a:schemeClr val="accent1"/>
+          </a:fillRef>
+          <a:effectRef idx="0">
+            <a:schemeClr val="accent1"/>
+          </a:effectRef>
+          <a:fontRef idx="minor">
+            <a:schemeClr val="lt1"/>
+          </a:fontRef>
+        </p:style>
+        <p:txBody>
+          <a:bodyPr rtlCol="0" anchor="ctr"/>
+          <a:lstStyle/>
+          <a:p>
+            <a:pPr algn="ctr"/>
+            <a:r>
+              <a:rPr lang="pt-BR" dirty="0">
+                <a:solidFill>
+                  <a:schemeClr val="tx1"/>
+                </a:solidFill>
+              </a:rPr>
+              <a:t>Modelos</a:t>
+            </a:r>
+          </a:p>
+        </p:txBody>
+      </p:sp>
+      <p:cxnSp>
+        <p:nvCxnSpPr>
+          <p:cNvPr id="41" name="Conector de Seta Reta 40">
+            <a:extLst>
+              <a:ext uri="{FF2B5EF4-FFF2-40B4-BE49-F238E27FC236}">
+                <a16:creationId xmlns:a16="http://schemas.microsoft.com/office/drawing/2014/main" id="{C2A688B3-C098-ADFE-9913-951A490CCFF4}"/>
+              </a:ext>
+            </a:extLst>
+          </p:cNvPr>
+          <p:cNvCxnSpPr>
+            <a:cxnSpLocks/>
+          </p:cNvCxnSpPr>
+          <p:nvPr/>
+        </p:nvCxnSpPr>
+        <p:spPr>
+          <a:xfrm flipH="1">
+            <a:off x="7897937" y="1351600"/>
             <a:ext cx="840651" cy="390087"/>
           </a:xfrm>
           <a:prstGeom prst="straightConnector1">
@@ -6452,7 +7373,7 @@
         </p:nvCxnSpPr>
         <p:spPr>
           <a:xfrm flipH="1">
-            <a:off x="8334462" y="2864845"/>
+            <a:off x="7929557" y="1666023"/>
             <a:ext cx="840651" cy="399871"/>
           </a:xfrm>
           <a:prstGeom prst="straightConnector1">
@@ -6477,76 +7398,6 @@
           </a:fontRef>
         </p:style>
       </p:cxnSp>
-      <p:sp>
-        <p:nvSpPr>
-          <p:cNvPr id="47" name="CaixaDeTexto 46">
-            <a:extLst>
-              <a:ext uri="{FF2B5EF4-FFF2-40B4-BE49-F238E27FC236}">
-                <a16:creationId xmlns:a16="http://schemas.microsoft.com/office/drawing/2014/main" id="{061BABB7-93EA-A868-A8D7-954C60D1563C}"/>
-              </a:ext>
-            </a:extLst>
-          </p:cNvPr>
-          <p:cNvSpPr txBox="1"/>
-          <p:nvPr/>
-        </p:nvSpPr>
-        <p:spPr>
-          <a:xfrm>
-            <a:off x="4866416" y="2760681"/>
-            <a:ext cx="380232" cy="369332"/>
-          </a:xfrm>
-          <a:prstGeom prst="rect">
-            <a:avLst/>
-          </a:prstGeom>
-          <a:noFill/>
-        </p:spPr>
-        <p:txBody>
-          <a:bodyPr wrap="none" rtlCol="0">
-            <a:spAutoFit/>
-          </a:bodyPr>
-          <a:lstStyle/>
-          <a:p>
-            <a:r>
-              <a:rPr lang="pt-BR" dirty="0"/>
-              <a:t>IA</a:t>
-            </a:r>
-          </a:p>
-        </p:txBody>
-      </p:sp>
-      <p:sp>
-        <p:nvSpPr>
-          <p:cNvPr id="48" name="CaixaDeTexto 47">
-            <a:extLst>
-              <a:ext uri="{FF2B5EF4-FFF2-40B4-BE49-F238E27FC236}">
-                <a16:creationId xmlns:a16="http://schemas.microsoft.com/office/drawing/2014/main" id="{5B2977D6-BD3D-F279-B6B6-C083C5FCAA84}"/>
-              </a:ext>
-            </a:extLst>
-          </p:cNvPr>
-          <p:cNvSpPr txBox="1"/>
-          <p:nvPr/>
-        </p:nvSpPr>
-        <p:spPr>
-          <a:xfrm>
-            <a:off x="7785975" y="3028210"/>
-            <a:ext cx="380232" cy="369332"/>
-          </a:xfrm>
-          <a:prstGeom prst="rect">
-            <a:avLst/>
-          </a:prstGeom>
-          <a:noFill/>
-        </p:spPr>
-        <p:txBody>
-          <a:bodyPr wrap="none" rtlCol="0">
-            <a:spAutoFit/>
-          </a:bodyPr>
-          <a:lstStyle/>
-          <a:p>
-            <a:r>
-              <a:rPr lang="pt-BR" dirty="0"/>
-              <a:t>IA</a:t>
-            </a:r>
-          </a:p>
-        </p:txBody>
-      </p:sp>
       <p:cxnSp>
         <p:nvCxnSpPr>
           <p:cNvPr id="49" name="Conector de Seta Reta 48">
@@ -6563,8 +7414,8 @@
         </p:nvCxnSpPr>
         <p:spPr>
           <a:xfrm>
-            <a:off x="8102368" y="5107495"/>
-            <a:ext cx="858473" cy="376109"/>
+            <a:off x="7221522" y="5573087"/>
+            <a:ext cx="890632" cy="227901"/>
           </a:xfrm>
           <a:prstGeom prst="straightConnector1">
             <a:avLst/>
@@ -6602,7 +7453,7 @@
         </p:nvSpPr>
         <p:spPr>
           <a:xfrm>
-            <a:off x="3950549" y="5447253"/>
+            <a:off x="3728241" y="5849925"/>
             <a:ext cx="1296099" cy="676711"/>
           </a:xfrm>
           <a:prstGeom prst="rect">
@@ -6658,7 +7509,7 @@
         </p:nvCxnSpPr>
         <p:spPr>
           <a:xfrm flipH="1">
-            <a:off x="5167618" y="4880995"/>
+            <a:off x="4945310" y="5283667"/>
             <a:ext cx="502519" cy="462792"/>
           </a:xfrm>
           <a:prstGeom prst="straightConnector1">
@@ -6699,7 +7550,7 @@
         </p:nvCxnSpPr>
         <p:spPr>
           <a:xfrm flipV="1">
-            <a:off x="5391081" y="5167618"/>
+            <a:off x="5168773" y="5570290"/>
             <a:ext cx="482778" cy="416657"/>
           </a:xfrm>
           <a:prstGeom prst="straightConnector1">
@@ -6738,7 +7589,7 @@
         </p:nvSpPr>
         <p:spPr>
           <a:xfrm>
-            <a:off x="2640433" y="3527572"/>
+            <a:off x="2385270" y="4716011"/>
             <a:ext cx="1533788" cy="531302"/>
           </a:xfrm>
           <a:prstGeom prst="rect">
@@ -6783,10 +7634,3219 @@
           </a:p>
         </p:txBody>
       </p:sp>
+      <p:sp>
+        <p:nvSpPr>
+          <p:cNvPr id="65" name="Retângulo 64">
+            <a:extLst>
+              <a:ext uri="{FF2B5EF4-FFF2-40B4-BE49-F238E27FC236}">
+                <a16:creationId xmlns:a16="http://schemas.microsoft.com/office/drawing/2014/main" id="{EB088805-7C31-E9A5-CB99-E96484A308E3}"/>
+              </a:ext>
+            </a:extLst>
+          </p:cNvPr>
+          <p:cNvSpPr/>
+          <p:nvPr/>
+        </p:nvSpPr>
+        <p:spPr>
+          <a:xfrm>
+            <a:off x="8237988" y="5332604"/>
+            <a:ext cx="1533788" cy="1034642"/>
+          </a:xfrm>
+          <a:prstGeom prst="rect">
+            <a:avLst/>
+          </a:prstGeom>
+          <a:solidFill>
+            <a:schemeClr val="accent6">
+              <a:lumMod val="20000"/>
+              <a:lumOff val="80000"/>
+            </a:schemeClr>
+          </a:solidFill>
+        </p:spPr>
+        <p:style>
+          <a:lnRef idx="2">
+            <a:schemeClr val="accent1">
+              <a:shade val="15000"/>
+            </a:schemeClr>
+          </a:lnRef>
+          <a:fillRef idx="1">
+            <a:schemeClr val="accent1"/>
+          </a:fillRef>
+          <a:effectRef idx="0">
+            <a:schemeClr val="accent1"/>
+          </a:effectRef>
+          <a:fontRef idx="minor">
+            <a:schemeClr val="lt1"/>
+          </a:fontRef>
+        </p:style>
+        <p:txBody>
+          <a:bodyPr rtlCol="0" anchor="ctr"/>
+          <a:lstStyle/>
+          <a:p>
+            <a:pPr algn="ctr"/>
+            <a:r>
+              <a:rPr lang="pt-BR" dirty="0">
+                <a:solidFill>
+                  <a:schemeClr val="tx1"/>
+                </a:solidFill>
+              </a:rPr>
+              <a:t>Python-</a:t>
+            </a:r>
+            <a:r>
+              <a:rPr lang="pt-BR" dirty="0" err="1">
+                <a:solidFill>
+                  <a:schemeClr val="tx1"/>
+                </a:solidFill>
+              </a:rPr>
+              <a:t>docx</a:t>
+            </a:r>
+            <a:endParaRPr lang="pt-BR" dirty="0">
+              <a:solidFill>
+                <a:schemeClr val="tx1"/>
+              </a:solidFill>
+            </a:endParaRPr>
+          </a:p>
+        </p:txBody>
+      </p:sp>
+      <p:sp>
+        <p:nvSpPr>
+          <p:cNvPr id="66" name="Retângulo 65">
+            <a:extLst>
+              <a:ext uri="{FF2B5EF4-FFF2-40B4-BE49-F238E27FC236}">
+                <a16:creationId xmlns:a16="http://schemas.microsoft.com/office/drawing/2014/main" id="{3623DED1-DA27-CA14-3F97-F135FF45B89C}"/>
+              </a:ext>
+            </a:extLst>
+          </p:cNvPr>
+          <p:cNvSpPr/>
+          <p:nvPr/>
+        </p:nvSpPr>
+        <p:spPr>
+          <a:xfrm>
+            <a:off x="2369191" y="3958205"/>
+            <a:ext cx="1533788" cy="531302"/>
+          </a:xfrm>
+          <a:prstGeom prst="rect">
+            <a:avLst/>
+          </a:prstGeom>
+          <a:solidFill>
+            <a:schemeClr val="accent6">
+              <a:lumMod val="20000"/>
+              <a:lumOff val="80000"/>
+            </a:schemeClr>
+          </a:solidFill>
+        </p:spPr>
+        <p:style>
+          <a:lnRef idx="2">
+            <a:schemeClr val="accent1">
+              <a:shade val="15000"/>
+            </a:schemeClr>
+          </a:lnRef>
+          <a:fillRef idx="1">
+            <a:schemeClr val="accent1"/>
+          </a:fillRef>
+          <a:effectRef idx="0">
+            <a:schemeClr val="accent1"/>
+          </a:effectRef>
+          <a:fontRef idx="minor">
+            <a:schemeClr val="lt1"/>
+          </a:fontRef>
+        </p:style>
+        <p:txBody>
+          <a:bodyPr rtlCol="0" anchor="ctr"/>
+          <a:lstStyle/>
+          <a:p>
+            <a:pPr algn="ctr"/>
+            <a:r>
+              <a:rPr lang="pt-BR" dirty="0">
+                <a:solidFill>
+                  <a:schemeClr val="tx1"/>
+                </a:solidFill>
+              </a:rPr>
+              <a:t>Imagens</a:t>
+            </a:r>
+          </a:p>
+        </p:txBody>
+      </p:sp>
+      <p:cxnSp>
+        <p:nvCxnSpPr>
+          <p:cNvPr id="69" name="Conector: Angulado 68">
+            <a:extLst>
+              <a:ext uri="{FF2B5EF4-FFF2-40B4-BE49-F238E27FC236}">
+                <a16:creationId xmlns:a16="http://schemas.microsoft.com/office/drawing/2014/main" id="{9F052080-BBDE-F387-EE3E-86F970952C20}"/>
+              </a:ext>
+            </a:extLst>
+          </p:cNvPr>
+          <p:cNvCxnSpPr>
+            <a:cxnSpLocks/>
+            <a:endCxn id="11" idx="0"/>
+          </p:cNvCxnSpPr>
+          <p:nvPr/>
+        </p:nvCxnSpPr>
+        <p:spPr>
+          <a:xfrm rot="16200000" flipH="1">
+            <a:off x="4787443" y="1888347"/>
+            <a:ext cx="2121020" cy="1039984"/>
+          </a:xfrm>
+          <a:prstGeom prst="bentConnector3">
+            <a:avLst>
+              <a:gd name="adj1" fmla="val 7"/>
+            </a:avLst>
+          </a:prstGeom>
+          <a:ln>
+            <a:tailEnd type="triangle"/>
+          </a:ln>
+        </p:spPr>
+        <p:style>
+          <a:lnRef idx="2">
+            <a:schemeClr val="accent1"/>
+          </a:lnRef>
+          <a:fillRef idx="0">
+            <a:schemeClr val="accent1"/>
+          </a:fillRef>
+          <a:effectRef idx="1">
+            <a:schemeClr val="accent1"/>
+          </a:effectRef>
+          <a:fontRef idx="minor">
+            <a:schemeClr val="tx1"/>
+          </a:fontRef>
+        </p:style>
+      </p:cxnSp>
+      <p:pic>
+        <p:nvPicPr>
+          <p:cNvPr id="72" name="Imagem 71">
+            <a:extLst>
+              <a:ext uri="{FF2B5EF4-FFF2-40B4-BE49-F238E27FC236}">
+                <a16:creationId xmlns:a16="http://schemas.microsoft.com/office/drawing/2014/main" id="{3470A2B9-2212-16C3-B8F9-7A3851052D49}"/>
+              </a:ext>
+            </a:extLst>
+          </p:cNvPr>
+          <p:cNvPicPr>
+            <a:picLocks noChangeAspect="1"/>
+          </p:cNvPicPr>
+          <p:nvPr/>
+        </p:nvPicPr>
+        <p:blipFill>
+          <a:blip r:embed="rId2"/>
+          <a:stretch>
+            <a:fillRect/>
+          </a:stretch>
+        </p:blipFill>
+        <p:spPr>
+          <a:xfrm>
+            <a:off x="1099867" y="5867427"/>
+            <a:ext cx="697308" cy="499819"/>
+          </a:xfrm>
+          <a:prstGeom prst="rect">
+            <a:avLst/>
+          </a:prstGeom>
+        </p:spPr>
+      </p:pic>
+      <p:cxnSp>
+        <p:nvCxnSpPr>
+          <p:cNvPr id="80" name="Conector de Seta Reta 79">
+            <a:extLst>
+              <a:ext uri="{FF2B5EF4-FFF2-40B4-BE49-F238E27FC236}">
+                <a16:creationId xmlns:a16="http://schemas.microsoft.com/office/drawing/2014/main" id="{8AF3CD52-87A6-FF43-9EE2-F48C1CEA811C}"/>
+              </a:ext>
+            </a:extLst>
+          </p:cNvPr>
+          <p:cNvCxnSpPr>
+            <a:cxnSpLocks/>
+          </p:cNvCxnSpPr>
+          <p:nvPr/>
+        </p:nvCxnSpPr>
+        <p:spPr>
+          <a:xfrm flipV="1">
+            <a:off x="2590225" y="1059007"/>
+            <a:ext cx="213919" cy="385022"/>
+          </a:xfrm>
+          <a:prstGeom prst="straightConnector1">
+            <a:avLst/>
+          </a:prstGeom>
+          <a:ln>
+            <a:tailEnd type="triangle"/>
+          </a:ln>
+        </p:spPr>
+        <p:style>
+          <a:lnRef idx="2">
+            <a:schemeClr val="accent1"/>
+          </a:lnRef>
+          <a:fillRef idx="0">
+            <a:schemeClr val="accent1"/>
+          </a:fillRef>
+          <a:effectRef idx="1">
+            <a:schemeClr val="accent1"/>
+          </a:effectRef>
+          <a:fontRef idx="minor">
+            <a:schemeClr val="tx1"/>
+          </a:fontRef>
+        </p:style>
+      </p:cxnSp>
+      <p:cxnSp>
+        <p:nvCxnSpPr>
+          <p:cNvPr id="83" name="Conector de Seta Reta 82">
+            <a:extLst>
+              <a:ext uri="{FF2B5EF4-FFF2-40B4-BE49-F238E27FC236}">
+                <a16:creationId xmlns:a16="http://schemas.microsoft.com/office/drawing/2014/main" id="{50AC14CA-9DA3-2D0B-E572-2FF8E38BA682}"/>
+              </a:ext>
+            </a:extLst>
+          </p:cNvPr>
+          <p:cNvCxnSpPr>
+            <a:cxnSpLocks/>
+          </p:cNvCxnSpPr>
+          <p:nvPr/>
+        </p:nvCxnSpPr>
+        <p:spPr>
+          <a:xfrm flipH="1">
+            <a:off x="2766153" y="1138722"/>
+            <a:ext cx="183199" cy="355358"/>
+          </a:xfrm>
+          <a:prstGeom prst="straightConnector1">
+            <a:avLst/>
+          </a:prstGeom>
+          <a:ln>
+            <a:tailEnd type="triangle"/>
+          </a:ln>
+        </p:spPr>
+        <p:style>
+          <a:lnRef idx="2">
+            <a:schemeClr val="accent1"/>
+          </a:lnRef>
+          <a:fillRef idx="0">
+            <a:schemeClr val="accent1"/>
+          </a:fillRef>
+          <a:effectRef idx="1">
+            <a:schemeClr val="accent1"/>
+          </a:effectRef>
+          <a:fontRef idx="minor">
+            <a:schemeClr val="tx1"/>
+          </a:fontRef>
+        </p:style>
+      </p:cxnSp>
+      <p:pic>
+        <p:nvPicPr>
+          <p:cNvPr id="87" name="Imagem 86">
+            <a:extLst>
+              <a:ext uri="{FF2B5EF4-FFF2-40B4-BE49-F238E27FC236}">
+                <a16:creationId xmlns:a16="http://schemas.microsoft.com/office/drawing/2014/main" id="{879BE965-C161-E648-940B-74D51FEFBAF4}"/>
+              </a:ext>
+            </a:extLst>
+          </p:cNvPr>
+          <p:cNvPicPr>
+            <a:picLocks noChangeAspect="1"/>
+          </p:cNvPicPr>
+          <p:nvPr/>
+        </p:nvPicPr>
+        <p:blipFill>
+          <a:blip r:embed="rId3"/>
+          <a:stretch>
+            <a:fillRect/>
+          </a:stretch>
+        </p:blipFill>
+        <p:spPr>
+          <a:xfrm>
+            <a:off x="4718934" y="3139402"/>
+            <a:ext cx="738012" cy="555034"/>
+          </a:xfrm>
+          <a:prstGeom prst="rect">
+            <a:avLst/>
+          </a:prstGeom>
+        </p:spPr>
+      </p:pic>
+      <p:pic>
+        <p:nvPicPr>
+          <p:cNvPr id="88" name="Imagem 87">
+            <a:extLst>
+              <a:ext uri="{FF2B5EF4-FFF2-40B4-BE49-F238E27FC236}">
+                <a16:creationId xmlns:a16="http://schemas.microsoft.com/office/drawing/2014/main" id="{1DD18263-AB24-3586-B4C4-86945EBE1D06}"/>
+              </a:ext>
+            </a:extLst>
+          </p:cNvPr>
+          <p:cNvPicPr>
+            <a:picLocks noChangeAspect="1"/>
+          </p:cNvPicPr>
+          <p:nvPr/>
+        </p:nvPicPr>
+        <p:blipFill>
+          <a:blip r:embed="rId3"/>
+          <a:stretch>
+            <a:fillRect/>
+          </a:stretch>
+        </p:blipFill>
+        <p:spPr>
+          <a:xfrm>
+            <a:off x="1377800" y="1568810"/>
+            <a:ext cx="786075" cy="591180"/>
+          </a:xfrm>
+          <a:prstGeom prst="rect">
+            <a:avLst/>
+          </a:prstGeom>
+        </p:spPr>
+      </p:pic>
+      <p:sp>
+        <p:nvSpPr>
+          <p:cNvPr id="19" name="CaixaDeTexto 18">
+            <a:extLst>
+              <a:ext uri="{FF2B5EF4-FFF2-40B4-BE49-F238E27FC236}">
+                <a16:creationId xmlns:a16="http://schemas.microsoft.com/office/drawing/2014/main" id="{3BA1D8DB-CC94-8879-D7B5-C8E14376C353}"/>
+              </a:ext>
+            </a:extLst>
+          </p:cNvPr>
+          <p:cNvSpPr txBox="1"/>
+          <p:nvPr/>
+        </p:nvSpPr>
+        <p:spPr>
+          <a:xfrm>
+            <a:off x="6674099" y="112539"/>
+            <a:ext cx="4798301" cy="369332"/>
+          </a:xfrm>
+          <a:prstGeom prst="rect">
+            <a:avLst/>
+          </a:prstGeom>
+          <a:noFill/>
+        </p:spPr>
+        <p:txBody>
+          <a:bodyPr wrap="none" rtlCol="0">
+            <a:spAutoFit/>
+          </a:bodyPr>
+          <a:lstStyle/>
+          <a:p>
+            <a:r>
+              <a:rPr lang="pt-BR" b="1" dirty="0"/>
+              <a:t>Como será minha criação da documentação</a:t>
+            </a:r>
+          </a:p>
+        </p:txBody>
+      </p:sp>
+      <p:sp>
+        <p:nvSpPr>
+          <p:cNvPr id="26" name="Retângulo 25">
+            <a:extLst>
+              <a:ext uri="{FF2B5EF4-FFF2-40B4-BE49-F238E27FC236}">
+                <a16:creationId xmlns:a16="http://schemas.microsoft.com/office/drawing/2014/main" id="{089497C4-16A2-04DF-4129-4DFB353F1B09}"/>
+              </a:ext>
+            </a:extLst>
+          </p:cNvPr>
+          <p:cNvSpPr/>
+          <p:nvPr/>
+        </p:nvSpPr>
+        <p:spPr>
+          <a:xfrm>
+            <a:off x="10035766" y="5887652"/>
+            <a:ext cx="1533788" cy="448809"/>
+          </a:xfrm>
+          <a:prstGeom prst="rect">
+            <a:avLst/>
+          </a:prstGeom>
+          <a:noFill/>
+        </p:spPr>
+        <p:style>
+          <a:lnRef idx="2">
+            <a:schemeClr val="accent1">
+              <a:shade val="15000"/>
+            </a:schemeClr>
+          </a:lnRef>
+          <a:fillRef idx="1">
+            <a:schemeClr val="accent1"/>
+          </a:fillRef>
+          <a:effectRef idx="0">
+            <a:schemeClr val="accent1"/>
+          </a:effectRef>
+          <a:fontRef idx="minor">
+            <a:schemeClr val="lt1"/>
+          </a:fontRef>
+        </p:style>
+        <p:txBody>
+          <a:bodyPr rtlCol="0" anchor="ctr"/>
+          <a:lstStyle/>
+          <a:p>
+            <a:pPr algn="ctr"/>
+            <a:r>
+              <a:rPr lang="pt-BR" dirty="0">
+                <a:solidFill>
+                  <a:schemeClr val="tx1"/>
+                </a:solidFill>
+              </a:rPr>
+              <a:t>PDF</a:t>
+            </a:r>
+          </a:p>
+        </p:txBody>
+      </p:sp>
+      <p:pic>
+        <p:nvPicPr>
+          <p:cNvPr id="27" name="Imagem 26">
+            <a:extLst>
+              <a:ext uri="{FF2B5EF4-FFF2-40B4-BE49-F238E27FC236}">
+                <a16:creationId xmlns:a16="http://schemas.microsoft.com/office/drawing/2014/main" id="{2F953BA8-1ADC-396C-E3C7-7303A2519DDD}"/>
+              </a:ext>
+            </a:extLst>
+          </p:cNvPr>
+          <p:cNvPicPr>
+            <a:picLocks noChangeAspect="1"/>
+          </p:cNvPicPr>
+          <p:nvPr/>
+        </p:nvPicPr>
+        <p:blipFill>
+          <a:blip r:embed="rId3"/>
+          <a:stretch>
+            <a:fillRect/>
+          </a:stretch>
+        </p:blipFill>
+        <p:spPr>
+          <a:xfrm>
+            <a:off x="9809984" y="2374815"/>
+            <a:ext cx="910205" cy="684534"/>
+          </a:xfrm>
+          <a:prstGeom prst="rect">
+            <a:avLst/>
+          </a:prstGeom>
+        </p:spPr>
+      </p:pic>
+      <p:sp>
+        <p:nvSpPr>
+          <p:cNvPr id="15" name="Retângulo 14">
+            <a:extLst>
+              <a:ext uri="{FF2B5EF4-FFF2-40B4-BE49-F238E27FC236}">
+                <a16:creationId xmlns:a16="http://schemas.microsoft.com/office/drawing/2014/main" id="{4317D3DD-0060-F335-DB04-4906FA4AD545}"/>
+              </a:ext>
+            </a:extLst>
+          </p:cNvPr>
+          <p:cNvSpPr/>
+          <p:nvPr/>
+        </p:nvSpPr>
+        <p:spPr>
+          <a:xfrm>
+            <a:off x="5757783" y="5742265"/>
+            <a:ext cx="1296099" cy="531302"/>
+          </a:xfrm>
+          <a:prstGeom prst="rect">
+            <a:avLst/>
+          </a:prstGeom>
+          <a:solidFill>
+            <a:srgbClr val="993333"/>
+          </a:solidFill>
+        </p:spPr>
+        <p:style>
+          <a:lnRef idx="2">
+            <a:schemeClr val="accent1">
+              <a:shade val="15000"/>
+            </a:schemeClr>
+          </a:lnRef>
+          <a:fillRef idx="1">
+            <a:schemeClr val="accent1"/>
+          </a:fillRef>
+          <a:effectRef idx="0">
+            <a:schemeClr val="accent1"/>
+          </a:effectRef>
+          <a:fontRef idx="minor">
+            <a:schemeClr val="lt1"/>
+          </a:fontRef>
+        </p:style>
+        <p:txBody>
+          <a:bodyPr rtlCol="0" anchor="ctr"/>
+          <a:lstStyle/>
+          <a:p>
+            <a:pPr algn="ctr"/>
+            <a:r>
+              <a:rPr lang="pt-BR" b="1" dirty="0">
+                <a:solidFill>
+                  <a:schemeClr val="bg1"/>
+                </a:solidFill>
+              </a:rPr>
+              <a:t>Conteúdo</a:t>
+            </a:r>
+          </a:p>
+        </p:txBody>
+      </p:sp>
+      <p:pic>
+        <p:nvPicPr>
+          <p:cNvPr id="17" name="Imagem 16" descr="Ícone&#10;&#10;Descrição gerada automaticamente">
+            <a:extLst>
+              <a:ext uri="{FF2B5EF4-FFF2-40B4-BE49-F238E27FC236}">
+                <a16:creationId xmlns:a16="http://schemas.microsoft.com/office/drawing/2014/main" id="{6A7FE448-8788-AC2F-55E3-BA2E1C3EA713}"/>
+              </a:ext>
+            </a:extLst>
+          </p:cNvPr>
+          <p:cNvPicPr>
+            <a:picLocks noChangeAspect="1"/>
+          </p:cNvPicPr>
+          <p:nvPr/>
+        </p:nvPicPr>
+        <p:blipFill>
+          <a:blip r:embed="rId4">
+            <a:extLst>
+              <a:ext uri="{28A0092B-C50C-407E-A947-70E740481C1C}">
+                <a14:useLocalDpi xmlns:a14="http://schemas.microsoft.com/office/drawing/2010/main" val="0"/>
+              </a:ext>
+            </a:extLst>
+          </a:blip>
+          <a:stretch>
+            <a:fillRect/>
+          </a:stretch>
+        </p:blipFill>
+        <p:spPr>
+          <a:xfrm>
+            <a:off x="1183870" y="1435306"/>
+            <a:ext cx="584752" cy="547820"/>
+          </a:xfrm>
+          <a:prstGeom prst="rect">
+            <a:avLst/>
+          </a:prstGeom>
+        </p:spPr>
+      </p:pic>
+      <p:pic>
+        <p:nvPicPr>
+          <p:cNvPr id="75" name="Imagem 74" descr="Ícone&#10;&#10;Descrição gerada automaticamente">
+            <a:extLst>
+              <a:ext uri="{FF2B5EF4-FFF2-40B4-BE49-F238E27FC236}">
+                <a16:creationId xmlns:a16="http://schemas.microsoft.com/office/drawing/2014/main" id="{7EFB2560-C291-0C2A-8E4F-7EDB6A656EDA}"/>
+              </a:ext>
+            </a:extLst>
+          </p:cNvPr>
+          <p:cNvPicPr>
+            <a:picLocks noChangeAspect="1"/>
+          </p:cNvPicPr>
+          <p:nvPr/>
+        </p:nvPicPr>
+        <p:blipFill>
+          <a:blip r:embed="rId4">
+            <a:extLst>
+              <a:ext uri="{28A0092B-C50C-407E-A947-70E740481C1C}">
+                <a14:useLocalDpi xmlns:a14="http://schemas.microsoft.com/office/drawing/2010/main" val="0"/>
+              </a:ext>
+            </a:extLst>
+          </a:blip>
+          <a:stretch>
+            <a:fillRect/>
+          </a:stretch>
+        </p:blipFill>
+        <p:spPr>
+          <a:xfrm>
+            <a:off x="4530492" y="2975823"/>
+            <a:ext cx="584752" cy="547820"/>
+          </a:xfrm>
+          <a:prstGeom prst="rect">
+            <a:avLst/>
+          </a:prstGeom>
+        </p:spPr>
+      </p:pic>
+      <p:pic>
+        <p:nvPicPr>
+          <p:cNvPr id="20" name="Imagem 19" descr="Ícone&#10;&#10;Descrição gerada automaticamente">
+            <a:extLst>
+              <a:ext uri="{FF2B5EF4-FFF2-40B4-BE49-F238E27FC236}">
+                <a16:creationId xmlns:a16="http://schemas.microsoft.com/office/drawing/2014/main" id="{8D83E5E8-5BF1-BE13-5307-B8A37D830533}"/>
+              </a:ext>
+            </a:extLst>
+          </p:cNvPr>
+          <p:cNvPicPr>
+            <a:picLocks noChangeAspect="1"/>
+          </p:cNvPicPr>
+          <p:nvPr/>
+        </p:nvPicPr>
+        <p:blipFill>
+          <a:blip r:embed="rId4">
+            <a:extLst>
+              <a:ext uri="{28A0092B-C50C-407E-A947-70E740481C1C}">
+                <a14:useLocalDpi xmlns:a14="http://schemas.microsoft.com/office/drawing/2010/main" val="0"/>
+              </a:ext>
+            </a:extLst>
+          </a:blip>
+          <a:stretch>
+            <a:fillRect/>
+          </a:stretch>
+        </p:blipFill>
+        <p:spPr>
+          <a:xfrm>
+            <a:off x="9647328" y="2252161"/>
+            <a:ext cx="584752" cy="547820"/>
+          </a:xfrm>
+          <a:prstGeom prst="rect">
+            <a:avLst/>
+          </a:prstGeom>
+        </p:spPr>
+      </p:pic>
+      <p:cxnSp>
+        <p:nvCxnSpPr>
+          <p:cNvPr id="22" name="Conector de Seta Reta 21">
+            <a:extLst>
+              <a:ext uri="{FF2B5EF4-FFF2-40B4-BE49-F238E27FC236}">
+                <a16:creationId xmlns:a16="http://schemas.microsoft.com/office/drawing/2014/main" id="{DCB74ADA-3E4C-CA79-F370-562005DEEC2E}"/>
+              </a:ext>
+            </a:extLst>
+          </p:cNvPr>
+          <p:cNvCxnSpPr>
+            <a:cxnSpLocks/>
+          </p:cNvCxnSpPr>
+          <p:nvPr/>
+        </p:nvCxnSpPr>
+        <p:spPr>
+          <a:xfrm>
+            <a:off x="9524940" y="1622568"/>
+            <a:ext cx="0" cy="483664"/>
+          </a:xfrm>
+          <a:prstGeom prst="straightConnector1">
+            <a:avLst/>
+          </a:prstGeom>
+          <a:ln>
+            <a:tailEnd type="triangle"/>
+          </a:ln>
+        </p:spPr>
+        <p:style>
+          <a:lnRef idx="2">
+            <a:schemeClr val="accent1"/>
+          </a:lnRef>
+          <a:fillRef idx="0">
+            <a:schemeClr val="accent1"/>
+          </a:fillRef>
+          <a:effectRef idx="1">
+            <a:schemeClr val="accent1"/>
+          </a:effectRef>
+          <a:fontRef idx="minor">
+            <a:schemeClr val="tx1"/>
+          </a:fontRef>
+        </p:style>
+      </p:cxnSp>
+      <p:pic>
+        <p:nvPicPr>
+          <p:cNvPr id="1028" name="Picture 4" descr="python&quot; Icon - Download for free – Iconduck">
+            <a:extLst>
+              <a:ext uri="{FF2B5EF4-FFF2-40B4-BE49-F238E27FC236}">
+                <a16:creationId xmlns:a16="http://schemas.microsoft.com/office/drawing/2014/main" id="{3345F077-7A03-3780-C9A5-F3670BDE6926}"/>
+              </a:ext>
+            </a:extLst>
+          </p:cNvPr>
+          <p:cNvPicPr>
+            <a:picLocks noChangeAspect="1" noChangeArrowheads="1"/>
+          </p:cNvPicPr>
+          <p:nvPr/>
+        </p:nvPicPr>
+        <p:blipFill>
+          <a:blip r:embed="rId5">
+            <a:extLst>
+              <a:ext uri="{28A0092B-C50C-407E-A947-70E740481C1C}">
+                <a14:useLocalDpi xmlns:a14="http://schemas.microsoft.com/office/drawing/2010/main" val="0"/>
+              </a:ext>
+            </a:extLst>
+          </a:blip>
+          <a:srcRect/>
+          <a:stretch>
+            <a:fillRect/>
+          </a:stretch>
+        </p:blipFill>
+        <p:spPr bwMode="auto">
+          <a:xfrm>
+            <a:off x="8878107" y="2286474"/>
+            <a:ext cx="524316" cy="521539"/>
+          </a:xfrm>
+          <a:prstGeom prst="rect">
+            <a:avLst/>
+          </a:prstGeom>
+          <a:noFill/>
+          <a:extLst>
+            <a:ext uri="{909E8E84-426E-40DD-AFC4-6F175D3DCCD1}">
+              <a14:hiddenFill xmlns:a14="http://schemas.microsoft.com/office/drawing/2010/main">
+                <a:solidFill>
+                  <a:srgbClr val="FFFFFF"/>
+                </a:solidFill>
+              </a14:hiddenFill>
+            </a:ext>
+          </a:extLst>
+        </p:spPr>
+      </p:pic>
+      <p:pic>
+        <p:nvPicPr>
+          <p:cNvPr id="30" name="Picture 4" descr="python&quot; Icon - Download for free – Iconduck">
+            <a:extLst>
+              <a:ext uri="{FF2B5EF4-FFF2-40B4-BE49-F238E27FC236}">
+                <a16:creationId xmlns:a16="http://schemas.microsoft.com/office/drawing/2014/main" id="{ECC80996-66AD-879B-174F-DD028661B608}"/>
+              </a:ext>
+            </a:extLst>
+          </p:cNvPr>
+          <p:cNvPicPr>
+            <a:picLocks noChangeAspect="1" noChangeArrowheads="1"/>
+          </p:cNvPicPr>
+          <p:nvPr/>
+        </p:nvPicPr>
+        <p:blipFill>
+          <a:blip r:embed="rId5">
+            <a:extLst>
+              <a:ext uri="{28A0092B-C50C-407E-A947-70E740481C1C}">
+                <a14:useLocalDpi xmlns:a14="http://schemas.microsoft.com/office/drawing/2010/main" val="0"/>
+              </a:ext>
+            </a:extLst>
+          </a:blip>
+          <a:srcRect/>
+          <a:stretch>
+            <a:fillRect/>
+          </a:stretch>
+        </p:blipFill>
+        <p:spPr bwMode="auto">
+          <a:xfrm>
+            <a:off x="8866880" y="5048751"/>
+            <a:ext cx="524316" cy="521539"/>
+          </a:xfrm>
+          <a:prstGeom prst="rect">
+            <a:avLst/>
+          </a:prstGeom>
+          <a:noFill/>
+          <a:extLst>
+            <a:ext uri="{909E8E84-426E-40DD-AFC4-6F175D3DCCD1}">
+              <a14:hiddenFill xmlns:a14="http://schemas.microsoft.com/office/drawing/2010/main">
+                <a:solidFill>
+                  <a:srgbClr val="FFFFFF"/>
+                </a:solidFill>
+              </a14:hiddenFill>
+            </a:ext>
+          </a:extLst>
+        </p:spPr>
+      </p:pic>
+      <p:sp>
+        <p:nvSpPr>
+          <p:cNvPr id="32" name="CaixaDeTexto 31">
+            <a:extLst>
+              <a:ext uri="{FF2B5EF4-FFF2-40B4-BE49-F238E27FC236}">
+                <a16:creationId xmlns:a16="http://schemas.microsoft.com/office/drawing/2014/main" id="{0644FC84-22DC-6778-1F40-46950F1AF945}"/>
+              </a:ext>
+            </a:extLst>
+          </p:cNvPr>
+          <p:cNvSpPr txBox="1"/>
+          <p:nvPr/>
+        </p:nvSpPr>
+        <p:spPr>
+          <a:xfrm>
+            <a:off x="9595995" y="1718271"/>
+            <a:ext cx="2108172" cy="261610"/>
+          </a:xfrm>
+          <a:prstGeom prst="rect">
+            <a:avLst/>
+          </a:prstGeom>
+          <a:noFill/>
+        </p:spPr>
+        <p:txBody>
+          <a:bodyPr wrap="square" rtlCol="0">
+            <a:spAutoFit/>
+          </a:bodyPr>
+          <a:lstStyle/>
+          <a:p>
+            <a:r>
+              <a:rPr lang="pt-BR" sz="1050" i="1" dirty="0"/>
+              <a:t>Modelos enviados para IA</a:t>
+            </a:r>
+          </a:p>
+        </p:txBody>
+      </p:sp>
+      <p:pic>
+        <p:nvPicPr>
+          <p:cNvPr id="1032" name="Picture 8" descr="Does anyone have the new Obsidian logo without the (square ...">
+            <a:extLst>
+              <a:ext uri="{FF2B5EF4-FFF2-40B4-BE49-F238E27FC236}">
+                <a16:creationId xmlns:a16="http://schemas.microsoft.com/office/drawing/2014/main" id="{898A2136-0188-CF83-5F36-248099FBA83D}"/>
+              </a:ext>
+            </a:extLst>
+          </p:cNvPr>
+          <p:cNvPicPr>
+            <a:picLocks noChangeAspect="1" noChangeArrowheads="1"/>
+          </p:cNvPicPr>
+          <p:nvPr/>
+        </p:nvPicPr>
+        <p:blipFill>
+          <a:blip r:embed="rId6">
+            <a:extLst>
+              <a:ext uri="{28A0092B-C50C-407E-A947-70E740481C1C}">
+                <a14:useLocalDpi xmlns:a14="http://schemas.microsoft.com/office/drawing/2010/main" val="0"/>
+              </a:ext>
+            </a:extLst>
+          </a:blip>
+          <a:srcRect/>
+          <a:stretch>
+            <a:fillRect/>
+          </a:stretch>
+        </p:blipFill>
+        <p:spPr bwMode="auto">
+          <a:xfrm>
+            <a:off x="45922" y="5608104"/>
+            <a:ext cx="1005521" cy="1005521"/>
+          </a:xfrm>
+          <a:prstGeom prst="rect">
+            <a:avLst/>
+          </a:prstGeom>
+          <a:noFill/>
+          <a:extLst>
+            <a:ext uri="{909E8E84-426E-40DD-AFC4-6F175D3DCCD1}">
+              <a14:hiddenFill xmlns:a14="http://schemas.microsoft.com/office/drawing/2010/main">
+                <a:solidFill>
+                  <a:srgbClr val="FFFFFF"/>
+                </a:solidFill>
+              </a14:hiddenFill>
+            </a:ext>
+          </a:extLst>
+        </p:spPr>
+      </p:pic>
+      <p:pic>
+        <p:nvPicPr>
+          <p:cNvPr id="1034" name="Picture 10" descr="vscode&quot; Icon - Download for free – Iconduck">
+            <a:extLst>
+              <a:ext uri="{FF2B5EF4-FFF2-40B4-BE49-F238E27FC236}">
+                <a16:creationId xmlns:a16="http://schemas.microsoft.com/office/drawing/2014/main" id="{AE934901-7E34-1D29-284E-5AA16382EE35}"/>
+              </a:ext>
+            </a:extLst>
+          </p:cNvPr>
+          <p:cNvPicPr>
+            <a:picLocks noChangeAspect="1" noChangeArrowheads="1"/>
+          </p:cNvPicPr>
+          <p:nvPr/>
+        </p:nvPicPr>
+        <p:blipFill>
+          <a:blip r:embed="rId7">
+            <a:extLst>
+              <a:ext uri="{28A0092B-C50C-407E-A947-70E740481C1C}">
+                <a14:useLocalDpi xmlns:a14="http://schemas.microsoft.com/office/drawing/2010/main" val="0"/>
+              </a:ext>
+            </a:extLst>
+          </a:blip>
+          <a:srcRect/>
+          <a:stretch>
+            <a:fillRect/>
+          </a:stretch>
+        </p:blipFill>
+        <p:spPr bwMode="auto">
+          <a:xfrm>
+            <a:off x="1943565" y="5710126"/>
+            <a:ext cx="805372" cy="801476"/>
+          </a:xfrm>
+          <a:prstGeom prst="rect">
+            <a:avLst/>
+          </a:prstGeom>
+          <a:noFill/>
+          <a:extLst>
+            <a:ext uri="{909E8E84-426E-40DD-AFC4-6F175D3DCCD1}">
+              <a14:hiddenFill xmlns:a14="http://schemas.microsoft.com/office/drawing/2010/main">
+                <a:solidFill>
+                  <a:srgbClr val="FFFFFF"/>
+                </a:solidFill>
+              </a14:hiddenFill>
+            </a:ext>
+          </a:extLst>
+        </p:spPr>
+      </p:pic>
+      <p:pic>
+        <p:nvPicPr>
+          <p:cNvPr id="1040" name="Picture 16" descr="Home">
+            <a:extLst>
+              <a:ext uri="{FF2B5EF4-FFF2-40B4-BE49-F238E27FC236}">
+                <a16:creationId xmlns:a16="http://schemas.microsoft.com/office/drawing/2014/main" id="{6BABA529-2EE8-3438-F6AE-4E50B24539FA}"/>
+              </a:ext>
+            </a:extLst>
+          </p:cNvPr>
+          <p:cNvPicPr>
+            <a:picLocks noChangeAspect="1" noChangeArrowheads="1"/>
+          </p:cNvPicPr>
+          <p:nvPr/>
+        </p:nvPicPr>
+        <p:blipFill>
+          <a:blip r:embed="rId8">
+            <a:extLst>
+              <a:ext uri="{28A0092B-C50C-407E-A947-70E740481C1C}">
+                <a14:useLocalDpi xmlns:a14="http://schemas.microsoft.com/office/drawing/2010/main" val="0"/>
+              </a:ext>
+            </a:extLst>
+          </a:blip>
+          <a:srcRect/>
+          <a:stretch>
+            <a:fillRect/>
+          </a:stretch>
+        </p:blipFill>
+        <p:spPr bwMode="auto">
+          <a:xfrm>
+            <a:off x="-1513786" y="4727269"/>
+            <a:ext cx="1356046" cy="317823"/>
+          </a:xfrm>
+          <a:prstGeom prst="rect">
+            <a:avLst/>
+          </a:prstGeom>
+          <a:noFill/>
+          <a:extLst>
+            <a:ext uri="{909E8E84-426E-40DD-AFC4-6F175D3DCCD1}">
+              <a14:hiddenFill xmlns:a14="http://schemas.microsoft.com/office/drawing/2010/main">
+                <a:solidFill>
+                  <a:srgbClr val="FFFFFF"/>
+                </a:solidFill>
+              </a14:hiddenFill>
+            </a:ext>
+          </a:extLst>
+        </p:spPr>
+      </p:pic>
+      <p:pic>
+        <p:nvPicPr>
+          <p:cNvPr id="28" name="Imagem 27">
+            <a:extLst>
+              <a:ext uri="{FF2B5EF4-FFF2-40B4-BE49-F238E27FC236}">
+                <a16:creationId xmlns:a16="http://schemas.microsoft.com/office/drawing/2014/main" id="{428DF0E7-FCF8-1171-B6A2-976710758849}"/>
+              </a:ext>
+            </a:extLst>
+          </p:cNvPr>
+          <p:cNvPicPr>
+            <a:picLocks noChangeAspect="1"/>
+          </p:cNvPicPr>
+          <p:nvPr/>
+        </p:nvPicPr>
+        <p:blipFill>
+          <a:blip r:embed="rId9"/>
+          <a:stretch>
+            <a:fillRect/>
+          </a:stretch>
+        </p:blipFill>
+        <p:spPr>
+          <a:xfrm>
+            <a:off x="262837" y="4489507"/>
+            <a:ext cx="930706" cy="681005"/>
+          </a:xfrm>
+          <a:prstGeom prst="rect">
+            <a:avLst/>
+          </a:prstGeom>
+        </p:spPr>
+      </p:pic>
+      <p:sp>
+        <p:nvSpPr>
+          <p:cNvPr id="29" name="CaixaDeTexto 28">
+            <a:extLst>
+              <a:ext uri="{FF2B5EF4-FFF2-40B4-BE49-F238E27FC236}">
+                <a16:creationId xmlns:a16="http://schemas.microsoft.com/office/drawing/2014/main" id="{4D2C031C-3BE8-89C0-3AFA-0F45F22DE58D}"/>
+              </a:ext>
+            </a:extLst>
+          </p:cNvPr>
+          <p:cNvSpPr txBox="1"/>
+          <p:nvPr/>
+        </p:nvSpPr>
+        <p:spPr>
+          <a:xfrm>
+            <a:off x="296183" y="5105156"/>
+            <a:ext cx="943186" cy="261610"/>
+          </a:xfrm>
+          <a:prstGeom prst="rect">
+            <a:avLst/>
+          </a:prstGeom>
+          <a:noFill/>
+        </p:spPr>
+        <p:txBody>
+          <a:bodyPr wrap="square" rtlCol="0">
+            <a:spAutoFit/>
+          </a:bodyPr>
+          <a:lstStyle/>
+          <a:p>
+            <a:r>
+              <a:rPr lang="pt-BR" sz="1050" b="1" dirty="0"/>
+              <a:t>Oracle OKIT</a:t>
+            </a:r>
+          </a:p>
+        </p:txBody>
+      </p:sp>
+      <p:sp>
+        <p:nvSpPr>
+          <p:cNvPr id="33" name="Retângulo 32">
+            <a:extLst>
+              <a:ext uri="{FF2B5EF4-FFF2-40B4-BE49-F238E27FC236}">
+                <a16:creationId xmlns:a16="http://schemas.microsoft.com/office/drawing/2014/main" id="{5A1A477F-26E3-60B6-EEA4-98DDCD0720B1}"/>
+              </a:ext>
+            </a:extLst>
+          </p:cNvPr>
+          <p:cNvSpPr/>
+          <p:nvPr/>
+        </p:nvSpPr>
+        <p:spPr>
+          <a:xfrm>
+            <a:off x="10007603" y="4675988"/>
+            <a:ext cx="1533788" cy="448809"/>
+          </a:xfrm>
+          <a:prstGeom prst="rect">
+            <a:avLst/>
+          </a:prstGeom>
+          <a:noFill/>
+        </p:spPr>
+        <p:style>
+          <a:lnRef idx="2">
+            <a:schemeClr val="accent1">
+              <a:shade val="15000"/>
+            </a:schemeClr>
+          </a:lnRef>
+          <a:fillRef idx="1">
+            <a:schemeClr val="accent1"/>
+          </a:fillRef>
+          <a:effectRef idx="0">
+            <a:schemeClr val="accent1"/>
+          </a:effectRef>
+          <a:fontRef idx="minor">
+            <a:schemeClr val="lt1"/>
+          </a:fontRef>
+        </p:style>
+        <p:txBody>
+          <a:bodyPr rtlCol="0" anchor="ctr"/>
+          <a:lstStyle/>
+          <a:p>
+            <a:pPr algn="ctr"/>
+            <a:r>
+              <a:rPr lang="pt-BR" dirty="0">
+                <a:solidFill>
+                  <a:schemeClr val="tx1"/>
+                </a:solidFill>
+              </a:rPr>
+              <a:t>Excel</a:t>
+            </a:r>
+          </a:p>
+        </p:txBody>
+      </p:sp>
+      <p:pic>
+        <p:nvPicPr>
+          <p:cNvPr id="1026" name="Picture 2" descr="Alfred Gallery • Workflows • Markdown Notes">
+            <a:extLst>
+              <a:ext uri="{FF2B5EF4-FFF2-40B4-BE49-F238E27FC236}">
+                <a16:creationId xmlns:a16="http://schemas.microsoft.com/office/drawing/2014/main" id="{12683481-E588-5A3D-B195-BE5E80FA11CB}"/>
+              </a:ext>
+            </a:extLst>
+          </p:cNvPr>
+          <p:cNvPicPr>
+            <a:picLocks noChangeAspect="1" noChangeArrowheads="1"/>
+          </p:cNvPicPr>
+          <p:nvPr/>
+        </p:nvPicPr>
+        <p:blipFill>
+          <a:blip r:embed="rId10">
+            <a:extLst>
+              <a:ext uri="{28A0092B-C50C-407E-A947-70E740481C1C}">
+                <a14:useLocalDpi xmlns:a14="http://schemas.microsoft.com/office/drawing/2010/main" val="0"/>
+              </a:ext>
+            </a:extLst>
+          </a:blip>
+          <a:srcRect/>
+          <a:stretch>
+            <a:fillRect/>
+          </a:stretch>
+        </p:blipFill>
+        <p:spPr bwMode="auto">
+          <a:xfrm>
+            <a:off x="5851540" y="1812581"/>
+            <a:ext cx="885479" cy="885479"/>
+          </a:xfrm>
+          <a:prstGeom prst="rect">
+            <a:avLst/>
+          </a:prstGeom>
+          <a:noFill/>
+          <a:extLst>
+            <a:ext uri="{909E8E84-426E-40DD-AFC4-6F175D3DCCD1}">
+              <a14:hiddenFill xmlns:a14="http://schemas.microsoft.com/office/drawing/2010/main">
+                <a:solidFill>
+                  <a:srgbClr val="FFFFFF"/>
+                </a:solidFill>
+              </a14:hiddenFill>
+            </a:ext>
+          </a:extLst>
+        </p:spPr>
+      </p:pic>
+      <p:pic>
+        <p:nvPicPr>
+          <p:cNvPr id="24" name="Imagem 23">
+            <a:extLst>
+              <a:ext uri="{FF2B5EF4-FFF2-40B4-BE49-F238E27FC236}">
+                <a16:creationId xmlns:a16="http://schemas.microsoft.com/office/drawing/2014/main" id="{8928CD49-1600-932E-C54C-4003470C52D0}"/>
+              </a:ext>
+            </a:extLst>
+          </p:cNvPr>
+          <p:cNvPicPr>
+            <a:picLocks noChangeAspect="1"/>
+          </p:cNvPicPr>
+          <p:nvPr/>
+        </p:nvPicPr>
+        <p:blipFill>
+          <a:blip r:embed="rId11"/>
+          <a:stretch>
+            <a:fillRect/>
+          </a:stretch>
+        </p:blipFill>
+        <p:spPr>
+          <a:xfrm>
+            <a:off x="2187463" y="1759727"/>
+            <a:ext cx="818735" cy="503287"/>
+          </a:xfrm>
+          <a:prstGeom prst="rect">
+            <a:avLst/>
+          </a:prstGeom>
+        </p:spPr>
+      </p:pic>
     </p:spTree>
     <p:extLst>
       <p:ext uri="{BB962C8B-B14F-4D97-AF65-F5344CB8AC3E}">
-        <p14:creationId xmlns:p14="http://schemas.microsoft.com/office/powerpoint/2010/main" val="3862254090"/>
+        <p14:creationId xmlns:p14="http://schemas.microsoft.com/office/powerpoint/2010/main" val="3597502251"/>
+      </p:ext>
+    </p:extLst>
+  </p:cSld>
+  <p:clrMapOvr>
+    <a:masterClrMapping/>
+  </p:clrMapOvr>
+</p:sld>
+</file>
+
+<file path=ppt/slides/slide4.xml><?xml version="1.0" encoding="utf-8"?>
+<p:sld xmlns:a="http://schemas.openxmlformats.org/drawingml/2006/main" xmlns:r="http://schemas.openxmlformats.org/officeDocument/2006/relationships" xmlns:p="http://schemas.openxmlformats.org/presentationml/2006/main">
+  <p:cSld>
+    <p:spTree>
+      <p:nvGrpSpPr>
+        <p:cNvPr id="1" name=""/>
+        <p:cNvGrpSpPr/>
+        <p:nvPr/>
+      </p:nvGrpSpPr>
+      <p:grpSpPr>
+        <a:xfrm>
+          <a:off x="0" y="0"/>
+          <a:ext cx="0" cy="0"/>
+          <a:chOff x="0" y="0"/>
+          <a:chExt cx="0" cy="0"/>
+        </a:xfrm>
+      </p:grpSpPr>
+      <p:sp>
+        <p:nvSpPr>
+          <p:cNvPr id="3" name="Retângulo 2">
+            <a:extLst>
+              <a:ext uri="{FF2B5EF4-FFF2-40B4-BE49-F238E27FC236}">
+                <a16:creationId xmlns:a16="http://schemas.microsoft.com/office/drawing/2014/main" id="{B486528B-76E5-BE3F-A2DC-9CD626833842}"/>
+              </a:ext>
+            </a:extLst>
+          </p:cNvPr>
+          <p:cNvSpPr/>
+          <p:nvPr/>
+        </p:nvSpPr>
+        <p:spPr>
+          <a:xfrm>
+            <a:off x="3540339" y="741309"/>
+            <a:ext cx="4853098" cy="5814687"/>
+          </a:xfrm>
+          <a:prstGeom prst="rect">
+            <a:avLst/>
+          </a:prstGeom>
+          <a:solidFill>
+            <a:schemeClr val="bg1"/>
+          </a:solidFill>
+          <a:ln>
+            <a:solidFill>
+              <a:schemeClr val="tx1">
+                <a:lumMod val="50000"/>
+                <a:lumOff val="50000"/>
+              </a:schemeClr>
+            </a:solidFill>
+            <a:prstDash val="dash"/>
+          </a:ln>
+        </p:spPr>
+        <p:style>
+          <a:lnRef idx="2">
+            <a:schemeClr val="accent1">
+              <a:shade val="15000"/>
+            </a:schemeClr>
+          </a:lnRef>
+          <a:fillRef idx="1">
+            <a:schemeClr val="accent1"/>
+          </a:fillRef>
+          <a:effectRef idx="0">
+            <a:schemeClr val="accent1"/>
+          </a:effectRef>
+          <a:fontRef idx="minor">
+            <a:schemeClr val="lt1"/>
+          </a:fontRef>
+        </p:style>
+        <p:txBody>
+          <a:bodyPr rtlCol="0" anchor="ctr"/>
+          <a:lstStyle/>
+          <a:p>
+            <a:pPr algn="ctr"/>
+            <a:endParaRPr lang="pt-BR" dirty="0">
+              <a:solidFill>
+                <a:schemeClr val="tx1"/>
+              </a:solidFill>
+            </a:endParaRPr>
+          </a:p>
+        </p:txBody>
+      </p:sp>
+      <p:sp>
+        <p:nvSpPr>
+          <p:cNvPr id="4" name="Retângulo 3">
+            <a:extLst>
+              <a:ext uri="{FF2B5EF4-FFF2-40B4-BE49-F238E27FC236}">
+                <a16:creationId xmlns:a16="http://schemas.microsoft.com/office/drawing/2014/main" id="{4A24805F-EF20-A3A2-4CBA-F2BD9D94DC0B}"/>
+              </a:ext>
+            </a:extLst>
+          </p:cNvPr>
+          <p:cNvSpPr/>
+          <p:nvPr/>
+        </p:nvSpPr>
+        <p:spPr>
+          <a:xfrm>
+            <a:off x="309516" y="111612"/>
+            <a:ext cx="5138313" cy="2378513"/>
+          </a:xfrm>
+          <a:prstGeom prst="rect">
+            <a:avLst/>
+          </a:prstGeom>
+          <a:solidFill>
+            <a:schemeClr val="bg1"/>
+          </a:solidFill>
+          <a:ln>
+            <a:solidFill>
+              <a:schemeClr val="tx1">
+                <a:lumMod val="50000"/>
+                <a:lumOff val="50000"/>
+              </a:schemeClr>
+            </a:solidFill>
+            <a:prstDash val="dash"/>
+          </a:ln>
+        </p:spPr>
+        <p:style>
+          <a:lnRef idx="2">
+            <a:schemeClr val="accent1">
+              <a:shade val="15000"/>
+            </a:schemeClr>
+          </a:lnRef>
+          <a:fillRef idx="1">
+            <a:schemeClr val="accent1"/>
+          </a:fillRef>
+          <a:effectRef idx="0">
+            <a:schemeClr val="accent1"/>
+          </a:effectRef>
+          <a:fontRef idx="minor">
+            <a:schemeClr val="lt1"/>
+          </a:fontRef>
+        </p:style>
+        <p:txBody>
+          <a:bodyPr rtlCol="0" anchor="ctr"/>
+          <a:lstStyle/>
+          <a:p>
+            <a:pPr algn="ctr"/>
+            <a:endParaRPr lang="pt-BR" dirty="0">
+              <a:solidFill>
+                <a:schemeClr val="tx1"/>
+              </a:solidFill>
+            </a:endParaRPr>
+          </a:p>
+        </p:txBody>
+      </p:sp>
+      <p:sp>
+        <p:nvSpPr>
+          <p:cNvPr id="6" name="Retângulo 5">
+            <a:extLst>
+              <a:ext uri="{FF2B5EF4-FFF2-40B4-BE49-F238E27FC236}">
+                <a16:creationId xmlns:a16="http://schemas.microsoft.com/office/drawing/2014/main" id="{93B378E0-6B78-6177-A9A1-F94E01A5E9C4}"/>
+              </a:ext>
+            </a:extLst>
+          </p:cNvPr>
+          <p:cNvSpPr/>
+          <p:nvPr/>
+        </p:nvSpPr>
+        <p:spPr>
+          <a:xfrm>
+            <a:off x="1249960" y="583034"/>
+            <a:ext cx="3368366" cy="1521486"/>
+          </a:xfrm>
+          <a:prstGeom prst="rect">
+            <a:avLst/>
+          </a:prstGeom>
+          <a:noFill/>
+          <a:ln>
+            <a:noFill/>
+          </a:ln>
+        </p:spPr>
+        <p:style>
+          <a:lnRef idx="2">
+            <a:schemeClr val="accent1">
+              <a:shade val="15000"/>
+            </a:schemeClr>
+          </a:lnRef>
+          <a:fillRef idx="1">
+            <a:schemeClr val="accent1"/>
+          </a:fillRef>
+          <a:effectRef idx="0">
+            <a:schemeClr val="accent1"/>
+          </a:effectRef>
+          <a:fontRef idx="minor">
+            <a:schemeClr val="lt1"/>
+          </a:fontRef>
+        </p:style>
+        <p:txBody>
+          <a:bodyPr rtlCol="0" anchor="ctr"/>
+          <a:lstStyle/>
+          <a:p>
+            <a:pPr algn="ctr"/>
+            <a:r>
+              <a:rPr lang="pt-BR" sz="4000" dirty="0">
+                <a:solidFill>
+                  <a:schemeClr val="tx1"/>
+                </a:solidFill>
+                <a:latin typeface="Bradley Hand ITC" panose="03070402050302030203" pitchFamily="66" charset="0"/>
+              </a:rPr>
+              <a:t>Esqueleto</a:t>
+            </a:r>
+          </a:p>
+        </p:txBody>
+      </p:sp>
+      <p:sp>
+        <p:nvSpPr>
+          <p:cNvPr id="2" name="Retângulo 1">
+            <a:extLst>
+              <a:ext uri="{FF2B5EF4-FFF2-40B4-BE49-F238E27FC236}">
+                <a16:creationId xmlns:a16="http://schemas.microsoft.com/office/drawing/2014/main" id="{5E1C2BF8-9D52-5158-1C2C-40B545A6C871}"/>
+              </a:ext>
+            </a:extLst>
+          </p:cNvPr>
+          <p:cNvSpPr/>
+          <p:nvPr/>
+        </p:nvSpPr>
+        <p:spPr>
+          <a:xfrm>
+            <a:off x="7279984" y="3352800"/>
+            <a:ext cx="4740775" cy="3384585"/>
+          </a:xfrm>
+          <a:prstGeom prst="rect">
+            <a:avLst/>
+          </a:prstGeom>
+          <a:solidFill>
+            <a:schemeClr val="bg1"/>
+          </a:solidFill>
+          <a:ln>
+            <a:solidFill>
+              <a:schemeClr val="tx1">
+                <a:lumMod val="50000"/>
+                <a:lumOff val="50000"/>
+              </a:schemeClr>
+            </a:solidFill>
+            <a:prstDash val="dash"/>
+          </a:ln>
+        </p:spPr>
+        <p:style>
+          <a:lnRef idx="2">
+            <a:schemeClr val="accent1">
+              <a:shade val="15000"/>
+            </a:schemeClr>
+          </a:lnRef>
+          <a:fillRef idx="1">
+            <a:schemeClr val="accent1"/>
+          </a:fillRef>
+          <a:effectRef idx="0">
+            <a:schemeClr val="accent1"/>
+          </a:effectRef>
+          <a:fontRef idx="minor">
+            <a:schemeClr val="lt1"/>
+          </a:fontRef>
+        </p:style>
+        <p:txBody>
+          <a:bodyPr rtlCol="0" anchor="ctr"/>
+          <a:lstStyle/>
+          <a:p>
+            <a:pPr algn="ctr"/>
+            <a:endParaRPr lang="pt-BR" dirty="0">
+              <a:solidFill>
+                <a:schemeClr val="tx1"/>
+              </a:solidFill>
+            </a:endParaRPr>
+          </a:p>
+        </p:txBody>
+      </p:sp>
+      <p:sp>
+        <p:nvSpPr>
+          <p:cNvPr id="7" name="Retângulo 6">
+            <a:extLst>
+              <a:ext uri="{FF2B5EF4-FFF2-40B4-BE49-F238E27FC236}">
+                <a16:creationId xmlns:a16="http://schemas.microsoft.com/office/drawing/2014/main" id="{2A01DE02-8145-6A81-3ABA-409BC8AEB7AB}"/>
+              </a:ext>
+            </a:extLst>
+          </p:cNvPr>
+          <p:cNvSpPr/>
+          <p:nvPr/>
+        </p:nvSpPr>
+        <p:spPr>
+          <a:xfrm>
+            <a:off x="4099421" y="2592057"/>
+            <a:ext cx="3368366" cy="1521486"/>
+          </a:xfrm>
+          <a:prstGeom prst="rect">
+            <a:avLst/>
+          </a:prstGeom>
+          <a:noFill/>
+          <a:ln>
+            <a:noFill/>
+          </a:ln>
+        </p:spPr>
+        <p:style>
+          <a:lnRef idx="2">
+            <a:schemeClr val="accent1">
+              <a:shade val="15000"/>
+            </a:schemeClr>
+          </a:lnRef>
+          <a:fillRef idx="1">
+            <a:schemeClr val="accent1"/>
+          </a:fillRef>
+          <a:effectRef idx="0">
+            <a:schemeClr val="accent1"/>
+          </a:effectRef>
+          <a:fontRef idx="minor">
+            <a:schemeClr val="lt1"/>
+          </a:fontRef>
+        </p:style>
+        <p:txBody>
+          <a:bodyPr rtlCol="0" anchor="ctr"/>
+          <a:lstStyle/>
+          <a:p>
+            <a:pPr algn="ctr"/>
+            <a:r>
+              <a:rPr lang="pt-BR" sz="4000" dirty="0">
+                <a:solidFill>
+                  <a:schemeClr val="tx1"/>
+                </a:solidFill>
+                <a:latin typeface="Bradley Hand ITC" panose="03070402050302030203" pitchFamily="66" charset="0"/>
+              </a:rPr>
+              <a:t>Conteúdo</a:t>
+            </a:r>
+          </a:p>
+        </p:txBody>
+      </p:sp>
+      <p:sp>
+        <p:nvSpPr>
+          <p:cNvPr id="8" name="Retângulo 7">
+            <a:extLst>
+              <a:ext uri="{FF2B5EF4-FFF2-40B4-BE49-F238E27FC236}">
+                <a16:creationId xmlns:a16="http://schemas.microsoft.com/office/drawing/2014/main" id="{B9B704B2-2CB2-FA6B-E6FE-AC71C2499B6D}"/>
+              </a:ext>
+            </a:extLst>
+          </p:cNvPr>
+          <p:cNvSpPr/>
+          <p:nvPr/>
+        </p:nvSpPr>
+        <p:spPr>
+          <a:xfrm>
+            <a:off x="7966188" y="4284349"/>
+            <a:ext cx="3368366" cy="1521486"/>
+          </a:xfrm>
+          <a:prstGeom prst="rect">
+            <a:avLst/>
+          </a:prstGeom>
+          <a:noFill/>
+          <a:ln>
+            <a:noFill/>
+          </a:ln>
+        </p:spPr>
+        <p:style>
+          <a:lnRef idx="2">
+            <a:schemeClr val="accent1">
+              <a:shade val="15000"/>
+            </a:schemeClr>
+          </a:lnRef>
+          <a:fillRef idx="1">
+            <a:schemeClr val="accent1"/>
+          </a:fillRef>
+          <a:effectRef idx="0">
+            <a:schemeClr val="accent1"/>
+          </a:effectRef>
+          <a:fontRef idx="minor">
+            <a:schemeClr val="lt1"/>
+          </a:fontRef>
+        </p:style>
+        <p:txBody>
+          <a:bodyPr rtlCol="0" anchor="ctr"/>
+          <a:lstStyle/>
+          <a:p>
+            <a:pPr algn="ctr"/>
+            <a:r>
+              <a:rPr lang="pt-BR" sz="4000" dirty="0">
+                <a:solidFill>
+                  <a:schemeClr val="tx1"/>
+                </a:solidFill>
+                <a:latin typeface="Bradley Hand ITC" panose="03070402050302030203" pitchFamily="66" charset="0"/>
+              </a:rPr>
+              <a:t>Documento</a:t>
+            </a:r>
+          </a:p>
+        </p:txBody>
+      </p:sp>
+      <p:sp>
+        <p:nvSpPr>
+          <p:cNvPr id="9" name="Retângulo 8">
+            <a:extLst>
+              <a:ext uri="{FF2B5EF4-FFF2-40B4-BE49-F238E27FC236}">
+                <a16:creationId xmlns:a16="http://schemas.microsoft.com/office/drawing/2014/main" id="{92A06449-582B-322F-54CD-4DDCF810BCC1}"/>
+              </a:ext>
+            </a:extLst>
+          </p:cNvPr>
+          <p:cNvSpPr/>
+          <p:nvPr/>
+        </p:nvSpPr>
+        <p:spPr>
+          <a:xfrm>
+            <a:off x="6244783" y="11930"/>
+            <a:ext cx="6205493" cy="668345"/>
+          </a:xfrm>
+          <a:prstGeom prst="rect">
+            <a:avLst/>
+          </a:prstGeom>
+          <a:noFill/>
+          <a:ln>
+            <a:noFill/>
+          </a:ln>
+        </p:spPr>
+        <p:style>
+          <a:lnRef idx="2">
+            <a:schemeClr val="accent1">
+              <a:shade val="15000"/>
+            </a:schemeClr>
+          </a:lnRef>
+          <a:fillRef idx="1">
+            <a:schemeClr val="accent1"/>
+          </a:fillRef>
+          <a:effectRef idx="0">
+            <a:schemeClr val="accent1"/>
+          </a:effectRef>
+          <a:fontRef idx="minor">
+            <a:schemeClr val="lt1"/>
+          </a:fontRef>
+        </p:style>
+        <p:txBody>
+          <a:bodyPr rtlCol="0" anchor="ctr"/>
+          <a:lstStyle/>
+          <a:p>
+            <a:pPr algn="ctr"/>
+            <a:r>
+              <a:rPr lang="pt-BR" sz="2800" dirty="0">
+                <a:solidFill>
+                  <a:schemeClr val="tx1"/>
+                </a:solidFill>
+                <a:latin typeface="Bradley Hand ITC" panose="03070402050302030203" pitchFamily="66" charset="0"/>
+              </a:rPr>
+              <a:t>Sistema de criação de documentações</a:t>
+            </a:r>
+          </a:p>
+        </p:txBody>
+      </p:sp>
+    </p:spTree>
+    <p:extLst>
+      <p:ext uri="{BB962C8B-B14F-4D97-AF65-F5344CB8AC3E}">
+        <p14:creationId xmlns:p14="http://schemas.microsoft.com/office/powerpoint/2010/main" val="3060320467"/>
+      </p:ext>
+    </p:extLst>
+  </p:cSld>
+  <p:clrMapOvr>
+    <a:masterClrMapping/>
+  </p:clrMapOvr>
+</p:sld>
+</file>
+
+<file path=ppt/slides/slide5.xml><?xml version="1.0" encoding="utf-8"?>
+<p:sld xmlns:a="http://schemas.openxmlformats.org/drawingml/2006/main" xmlns:r="http://schemas.openxmlformats.org/officeDocument/2006/relationships" xmlns:p="http://schemas.openxmlformats.org/presentationml/2006/main">
+  <p:cSld>
+    <p:spTree>
+      <p:nvGrpSpPr>
+        <p:cNvPr id="1" name=""/>
+        <p:cNvGrpSpPr/>
+        <p:nvPr/>
+      </p:nvGrpSpPr>
+      <p:grpSpPr>
+        <a:xfrm>
+          <a:off x="0" y="0"/>
+          <a:ext cx="0" cy="0"/>
+          <a:chOff x="0" y="0"/>
+          <a:chExt cx="0" cy="0"/>
+        </a:xfrm>
+      </p:grpSpPr>
+      <p:sp>
+        <p:nvSpPr>
+          <p:cNvPr id="2" name="Retângulo 1">
+            <a:extLst>
+              <a:ext uri="{FF2B5EF4-FFF2-40B4-BE49-F238E27FC236}">
+                <a16:creationId xmlns:a16="http://schemas.microsoft.com/office/drawing/2014/main" id="{5148B2FF-113A-994F-5660-0FAE6BFC1C16}"/>
+              </a:ext>
+            </a:extLst>
+          </p:cNvPr>
+          <p:cNvSpPr/>
+          <p:nvPr/>
+        </p:nvSpPr>
+        <p:spPr>
+          <a:xfrm>
+            <a:off x="7279984" y="3352800"/>
+            <a:ext cx="4740775" cy="3384585"/>
+          </a:xfrm>
+          <a:prstGeom prst="rect">
+            <a:avLst/>
+          </a:prstGeom>
+          <a:solidFill>
+            <a:schemeClr val="bg1"/>
+          </a:solidFill>
+          <a:ln>
+            <a:prstDash val="dash"/>
+          </a:ln>
+        </p:spPr>
+        <p:style>
+          <a:lnRef idx="2">
+            <a:schemeClr val="accent1">
+              <a:shade val="15000"/>
+            </a:schemeClr>
+          </a:lnRef>
+          <a:fillRef idx="1">
+            <a:schemeClr val="accent1"/>
+          </a:fillRef>
+          <a:effectRef idx="0">
+            <a:schemeClr val="accent1"/>
+          </a:effectRef>
+          <a:fontRef idx="minor">
+            <a:schemeClr val="lt1"/>
+          </a:fontRef>
+        </p:style>
+        <p:txBody>
+          <a:bodyPr rtlCol="0" anchor="ctr"/>
+          <a:lstStyle/>
+          <a:p>
+            <a:pPr algn="ctr"/>
+            <a:endParaRPr lang="pt-BR" dirty="0">
+              <a:solidFill>
+                <a:schemeClr val="tx1"/>
+              </a:solidFill>
+            </a:endParaRPr>
+          </a:p>
+        </p:txBody>
+      </p:sp>
+      <p:sp>
+        <p:nvSpPr>
+          <p:cNvPr id="3" name="Retângulo 2">
+            <a:extLst>
+              <a:ext uri="{FF2B5EF4-FFF2-40B4-BE49-F238E27FC236}">
+                <a16:creationId xmlns:a16="http://schemas.microsoft.com/office/drawing/2014/main" id="{AF0C6814-D4E2-3E01-4B80-830AE0133E8B}"/>
+              </a:ext>
+            </a:extLst>
+          </p:cNvPr>
+          <p:cNvSpPr/>
+          <p:nvPr/>
+        </p:nvSpPr>
+        <p:spPr>
+          <a:xfrm>
+            <a:off x="3515652" y="741310"/>
+            <a:ext cx="4853098" cy="5809092"/>
+          </a:xfrm>
+          <a:prstGeom prst="rect">
+            <a:avLst/>
+          </a:prstGeom>
+          <a:solidFill>
+            <a:schemeClr val="bg1"/>
+          </a:solidFill>
+          <a:ln>
+            <a:prstDash val="dash"/>
+          </a:ln>
+        </p:spPr>
+        <p:style>
+          <a:lnRef idx="2">
+            <a:schemeClr val="accent1">
+              <a:shade val="15000"/>
+            </a:schemeClr>
+          </a:lnRef>
+          <a:fillRef idx="1">
+            <a:schemeClr val="accent1"/>
+          </a:fillRef>
+          <a:effectRef idx="0">
+            <a:schemeClr val="accent1"/>
+          </a:effectRef>
+          <a:fontRef idx="minor">
+            <a:schemeClr val="lt1"/>
+          </a:fontRef>
+        </p:style>
+        <p:txBody>
+          <a:bodyPr rtlCol="0" anchor="ctr"/>
+          <a:lstStyle/>
+          <a:p>
+            <a:pPr algn="ctr"/>
+            <a:endParaRPr lang="pt-BR" dirty="0">
+              <a:solidFill>
+                <a:schemeClr val="tx1"/>
+              </a:solidFill>
+            </a:endParaRPr>
+          </a:p>
+        </p:txBody>
+      </p:sp>
+      <p:sp>
+        <p:nvSpPr>
+          <p:cNvPr id="12" name="Retângulo 11">
+            <a:extLst>
+              <a:ext uri="{FF2B5EF4-FFF2-40B4-BE49-F238E27FC236}">
+                <a16:creationId xmlns:a16="http://schemas.microsoft.com/office/drawing/2014/main" id="{DA569D38-FD4E-E2DD-8864-E0CEA97EED23}"/>
+              </a:ext>
+            </a:extLst>
+          </p:cNvPr>
+          <p:cNvSpPr/>
+          <p:nvPr/>
+        </p:nvSpPr>
+        <p:spPr>
+          <a:xfrm>
+            <a:off x="309516" y="111612"/>
+            <a:ext cx="5138313" cy="2378513"/>
+          </a:xfrm>
+          <a:prstGeom prst="rect">
+            <a:avLst/>
+          </a:prstGeom>
+          <a:solidFill>
+            <a:schemeClr val="bg1"/>
+          </a:solidFill>
+          <a:ln>
+            <a:prstDash val="dash"/>
+          </a:ln>
+        </p:spPr>
+        <p:style>
+          <a:lnRef idx="2">
+            <a:schemeClr val="accent1">
+              <a:shade val="15000"/>
+            </a:schemeClr>
+          </a:lnRef>
+          <a:fillRef idx="1">
+            <a:schemeClr val="accent1"/>
+          </a:fillRef>
+          <a:effectRef idx="0">
+            <a:schemeClr val="accent1"/>
+          </a:effectRef>
+          <a:fontRef idx="minor">
+            <a:schemeClr val="lt1"/>
+          </a:fontRef>
+        </p:style>
+        <p:txBody>
+          <a:bodyPr rtlCol="0" anchor="ctr"/>
+          <a:lstStyle/>
+          <a:p>
+            <a:pPr algn="ctr"/>
+            <a:endParaRPr lang="pt-BR" dirty="0">
+              <a:solidFill>
+                <a:schemeClr val="tx1"/>
+              </a:solidFill>
+            </a:endParaRPr>
+          </a:p>
+        </p:txBody>
+      </p:sp>
+      <p:sp>
+        <p:nvSpPr>
+          <p:cNvPr id="4" name="Retângulo 3">
+            <a:extLst>
+              <a:ext uri="{FF2B5EF4-FFF2-40B4-BE49-F238E27FC236}">
+                <a16:creationId xmlns:a16="http://schemas.microsoft.com/office/drawing/2014/main" id="{F3CB1813-B689-2F90-57CF-4771BE7C7D8F}"/>
+              </a:ext>
+            </a:extLst>
+          </p:cNvPr>
+          <p:cNvSpPr/>
+          <p:nvPr/>
+        </p:nvSpPr>
+        <p:spPr>
+          <a:xfrm>
+            <a:off x="480983" y="947955"/>
+            <a:ext cx="1296099" cy="906011"/>
+          </a:xfrm>
+          <a:prstGeom prst="rect">
+            <a:avLst/>
+          </a:prstGeom>
+          <a:noFill/>
+        </p:spPr>
+        <p:style>
+          <a:lnRef idx="2">
+            <a:schemeClr val="accent1">
+              <a:shade val="15000"/>
+            </a:schemeClr>
+          </a:lnRef>
+          <a:fillRef idx="1">
+            <a:schemeClr val="accent1"/>
+          </a:fillRef>
+          <a:effectRef idx="0">
+            <a:schemeClr val="accent1"/>
+          </a:effectRef>
+          <a:fontRef idx="minor">
+            <a:schemeClr val="lt1"/>
+          </a:fontRef>
+        </p:style>
+        <p:txBody>
+          <a:bodyPr rtlCol="0" anchor="ctr"/>
+          <a:lstStyle/>
+          <a:p>
+            <a:pPr algn="ctr"/>
+            <a:r>
+              <a:rPr lang="pt-BR" dirty="0">
+                <a:solidFill>
+                  <a:schemeClr val="tx1"/>
+                </a:solidFill>
+              </a:rPr>
+              <a:t>Zabbix</a:t>
+            </a:r>
+          </a:p>
+          <a:p>
+            <a:pPr algn="ctr"/>
+            <a:r>
+              <a:rPr lang="pt-BR" dirty="0">
+                <a:solidFill>
+                  <a:schemeClr val="tx1"/>
+                </a:solidFill>
+              </a:rPr>
+              <a:t>Grafana</a:t>
+            </a:r>
+          </a:p>
+        </p:txBody>
+      </p:sp>
+      <p:sp>
+        <p:nvSpPr>
+          <p:cNvPr id="5" name="Retângulo 4">
+            <a:extLst>
+              <a:ext uri="{FF2B5EF4-FFF2-40B4-BE49-F238E27FC236}">
+                <a16:creationId xmlns:a16="http://schemas.microsoft.com/office/drawing/2014/main" id="{3E344992-3AA6-0DD2-984D-9F389E3C4DFA}"/>
+              </a:ext>
+            </a:extLst>
+          </p:cNvPr>
+          <p:cNvSpPr/>
+          <p:nvPr/>
+        </p:nvSpPr>
+        <p:spPr>
+          <a:xfrm>
+            <a:off x="2275511" y="928265"/>
+            <a:ext cx="1404346" cy="906011"/>
+          </a:xfrm>
+          <a:prstGeom prst="rect">
+            <a:avLst/>
+          </a:prstGeom>
+          <a:solidFill>
+            <a:schemeClr val="accent6">
+              <a:lumMod val="20000"/>
+              <a:lumOff val="80000"/>
+            </a:schemeClr>
+          </a:solidFill>
+        </p:spPr>
+        <p:style>
+          <a:lnRef idx="2">
+            <a:schemeClr val="accent1">
+              <a:shade val="15000"/>
+            </a:schemeClr>
+          </a:lnRef>
+          <a:fillRef idx="1">
+            <a:schemeClr val="accent1"/>
+          </a:fillRef>
+          <a:effectRef idx="0">
+            <a:schemeClr val="accent1"/>
+          </a:effectRef>
+          <a:fontRef idx="minor">
+            <a:schemeClr val="lt1"/>
+          </a:fontRef>
+        </p:style>
+        <p:txBody>
+          <a:bodyPr rtlCol="0" anchor="ctr"/>
+          <a:lstStyle/>
+          <a:p>
+            <a:pPr algn="ctr"/>
+            <a:r>
+              <a:rPr lang="pt-BR" dirty="0">
+                <a:solidFill>
+                  <a:schemeClr val="tx1"/>
+                </a:solidFill>
+              </a:rPr>
+              <a:t>Html2Image</a:t>
+            </a:r>
+          </a:p>
+        </p:txBody>
+      </p:sp>
+      <p:sp>
+        <p:nvSpPr>
+          <p:cNvPr id="6" name="Retângulo 5">
+            <a:extLst>
+              <a:ext uri="{FF2B5EF4-FFF2-40B4-BE49-F238E27FC236}">
+                <a16:creationId xmlns:a16="http://schemas.microsoft.com/office/drawing/2014/main" id="{9BA6DDF5-10D9-2548-361E-5FCEC5D5A73D}"/>
+              </a:ext>
+            </a:extLst>
+          </p:cNvPr>
+          <p:cNvSpPr/>
+          <p:nvPr/>
+        </p:nvSpPr>
+        <p:spPr>
+          <a:xfrm>
+            <a:off x="4038687" y="928265"/>
+            <a:ext cx="1296099" cy="906011"/>
+          </a:xfrm>
+          <a:prstGeom prst="rect">
+            <a:avLst/>
+          </a:prstGeom>
+          <a:noFill/>
+        </p:spPr>
+        <p:style>
+          <a:lnRef idx="2">
+            <a:schemeClr val="accent1">
+              <a:shade val="15000"/>
+            </a:schemeClr>
+          </a:lnRef>
+          <a:fillRef idx="1">
+            <a:schemeClr val="accent1"/>
+          </a:fillRef>
+          <a:effectRef idx="0">
+            <a:schemeClr val="accent1"/>
+          </a:effectRef>
+          <a:fontRef idx="minor">
+            <a:schemeClr val="lt1"/>
+          </a:fontRef>
+        </p:style>
+        <p:txBody>
+          <a:bodyPr rtlCol="0" anchor="ctr"/>
+          <a:lstStyle/>
+          <a:p>
+            <a:pPr algn="ctr"/>
+            <a:r>
+              <a:rPr lang="pt-BR" dirty="0" err="1">
+                <a:solidFill>
+                  <a:schemeClr val="tx1"/>
+                </a:solidFill>
+              </a:rPr>
+              <a:t>Image</a:t>
+            </a:r>
+            <a:endParaRPr lang="pt-BR" dirty="0">
+              <a:solidFill>
+                <a:schemeClr val="tx1"/>
+              </a:solidFill>
+            </a:endParaRPr>
+          </a:p>
+        </p:txBody>
+      </p:sp>
+      <p:sp>
+        <p:nvSpPr>
+          <p:cNvPr id="7" name="Retângulo 6">
+            <a:extLst>
+              <a:ext uri="{FF2B5EF4-FFF2-40B4-BE49-F238E27FC236}">
+                <a16:creationId xmlns:a16="http://schemas.microsoft.com/office/drawing/2014/main" id="{2A73339E-B537-0C32-183E-7F752F52746B}"/>
+              </a:ext>
+            </a:extLst>
+          </p:cNvPr>
+          <p:cNvSpPr/>
+          <p:nvPr/>
+        </p:nvSpPr>
+        <p:spPr>
+          <a:xfrm>
+            <a:off x="257426" y="4253324"/>
+            <a:ext cx="1296099" cy="472580"/>
+          </a:xfrm>
+          <a:prstGeom prst="rect">
+            <a:avLst/>
+          </a:prstGeom>
+          <a:noFill/>
+        </p:spPr>
+        <p:style>
+          <a:lnRef idx="2">
+            <a:schemeClr val="accent1">
+              <a:shade val="15000"/>
+            </a:schemeClr>
+          </a:lnRef>
+          <a:fillRef idx="1">
+            <a:schemeClr val="accent1"/>
+          </a:fillRef>
+          <a:effectRef idx="0">
+            <a:schemeClr val="accent1"/>
+          </a:effectRef>
+          <a:fontRef idx="minor">
+            <a:schemeClr val="lt1"/>
+          </a:fontRef>
+        </p:style>
+        <p:txBody>
+          <a:bodyPr rtlCol="0" anchor="ctr"/>
+          <a:lstStyle/>
+          <a:p>
+            <a:pPr algn="ctr"/>
+            <a:r>
+              <a:rPr lang="pt-BR" dirty="0">
+                <a:solidFill>
+                  <a:schemeClr val="tx1"/>
+                </a:solidFill>
+              </a:rPr>
+              <a:t>Kratos</a:t>
+            </a:r>
+          </a:p>
+        </p:txBody>
+      </p:sp>
+      <p:sp>
+        <p:nvSpPr>
+          <p:cNvPr id="8" name="Retângulo 7">
+            <a:extLst>
+              <a:ext uri="{FF2B5EF4-FFF2-40B4-BE49-F238E27FC236}">
+                <a16:creationId xmlns:a16="http://schemas.microsoft.com/office/drawing/2014/main" id="{8E83690F-5E55-6070-2F85-09FC457936A7}"/>
+              </a:ext>
+            </a:extLst>
+          </p:cNvPr>
+          <p:cNvSpPr/>
+          <p:nvPr/>
+        </p:nvSpPr>
+        <p:spPr>
+          <a:xfrm>
+            <a:off x="234358" y="3708040"/>
+            <a:ext cx="1296099" cy="390088"/>
+          </a:xfrm>
+          <a:prstGeom prst="rect">
+            <a:avLst/>
+          </a:prstGeom>
+          <a:noFill/>
+        </p:spPr>
+        <p:style>
+          <a:lnRef idx="2">
+            <a:schemeClr val="accent1">
+              <a:shade val="15000"/>
+            </a:schemeClr>
+          </a:lnRef>
+          <a:fillRef idx="1">
+            <a:schemeClr val="accent1"/>
+          </a:fillRef>
+          <a:effectRef idx="0">
+            <a:schemeClr val="accent1"/>
+          </a:effectRef>
+          <a:fontRef idx="minor">
+            <a:schemeClr val="lt1"/>
+          </a:fontRef>
+        </p:style>
+        <p:txBody>
+          <a:bodyPr rtlCol="0" anchor="ctr"/>
+          <a:lstStyle/>
+          <a:p>
+            <a:pPr algn="ctr"/>
+            <a:r>
+              <a:rPr lang="pt-BR" dirty="0">
+                <a:solidFill>
+                  <a:schemeClr val="tx1"/>
+                </a:solidFill>
+              </a:rPr>
+              <a:t>Web</a:t>
+            </a:r>
+          </a:p>
+        </p:txBody>
+      </p:sp>
+      <p:sp>
+        <p:nvSpPr>
+          <p:cNvPr id="9" name="Retângulo 8">
+            <a:extLst>
+              <a:ext uri="{FF2B5EF4-FFF2-40B4-BE49-F238E27FC236}">
+                <a16:creationId xmlns:a16="http://schemas.microsoft.com/office/drawing/2014/main" id="{8D7C9CC3-0D76-BA77-AC0D-1B4E932E9B3F}"/>
+              </a:ext>
+            </a:extLst>
+          </p:cNvPr>
+          <p:cNvSpPr/>
+          <p:nvPr/>
+        </p:nvSpPr>
+        <p:spPr>
+          <a:xfrm>
+            <a:off x="257427" y="3145978"/>
+            <a:ext cx="1296099" cy="472580"/>
+          </a:xfrm>
+          <a:prstGeom prst="rect">
+            <a:avLst/>
+          </a:prstGeom>
+          <a:noFill/>
+        </p:spPr>
+        <p:style>
+          <a:lnRef idx="2">
+            <a:schemeClr val="accent1">
+              <a:shade val="15000"/>
+            </a:schemeClr>
+          </a:lnRef>
+          <a:fillRef idx="1">
+            <a:schemeClr val="accent1"/>
+          </a:fillRef>
+          <a:effectRef idx="0">
+            <a:schemeClr val="accent1"/>
+          </a:effectRef>
+          <a:fontRef idx="minor">
+            <a:schemeClr val="lt1"/>
+          </a:fontRef>
+        </p:style>
+        <p:txBody>
+          <a:bodyPr rtlCol="0" anchor="ctr"/>
+          <a:lstStyle/>
+          <a:p>
+            <a:pPr algn="ctr"/>
+            <a:r>
+              <a:rPr lang="pt-BR" dirty="0">
+                <a:solidFill>
+                  <a:schemeClr val="tx1"/>
+                </a:solidFill>
+              </a:rPr>
+              <a:t>CLI</a:t>
+            </a:r>
+          </a:p>
+        </p:txBody>
+      </p:sp>
+      <p:sp>
+        <p:nvSpPr>
+          <p:cNvPr id="10" name="Retângulo 9">
+            <a:extLst>
+              <a:ext uri="{FF2B5EF4-FFF2-40B4-BE49-F238E27FC236}">
+                <a16:creationId xmlns:a16="http://schemas.microsoft.com/office/drawing/2014/main" id="{6CA52ECF-AF81-1BA6-CE23-C975A491DB78}"/>
+              </a:ext>
+            </a:extLst>
+          </p:cNvPr>
+          <p:cNvSpPr/>
+          <p:nvPr/>
+        </p:nvSpPr>
+        <p:spPr>
+          <a:xfrm>
+            <a:off x="2724806" y="3063379"/>
+            <a:ext cx="1533788" cy="801149"/>
+          </a:xfrm>
+          <a:prstGeom prst="rect">
+            <a:avLst/>
+          </a:prstGeom>
+          <a:solidFill>
+            <a:schemeClr val="accent6">
+              <a:lumMod val="20000"/>
+              <a:lumOff val="80000"/>
+            </a:schemeClr>
+          </a:solidFill>
+        </p:spPr>
+        <p:style>
+          <a:lnRef idx="2">
+            <a:schemeClr val="accent1">
+              <a:shade val="15000"/>
+            </a:schemeClr>
+          </a:lnRef>
+          <a:fillRef idx="1">
+            <a:schemeClr val="accent1"/>
+          </a:fillRef>
+          <a:effectRef idx="0">
+            <a:schemeClr val="accent1"/>
+          </a:effectRef>
+          <a:fontRef idx="minor">
+            <a:schemeClr val="lt1"/>
+          </a:fontRef>
+        </p:style>
+        <p:txBody>
+          <a:bodyPr rtlCol="0" anchor="ctr"/>
+          <a:lstStyle/>
+          <a:p>
+            <a:pPr algn="ctr"/>
+            <a:r>
+              <a:rPr lang="pt-BR" dirty="0">
+                <a:solidFill>
+                  <a:schemeClr val="tx1"/>
+                </a:solidFill>
+              </a:rPr>
+              <a:t>DADOS</a:t>
+            </a:r>
+          </a:p>
+          <a:p>
+            <a:pPr algn="ctr"/>
+            <a:r>
+              <a:rPr lang="pt-BR" sz="1050" dirty="0">
+                <a:solidFill>
+                  <a:schemeClr val="tx1"/>
+                </a:solidFill>
+              </a:rPr>
+              <a:t>(textos, imagens, </a:t>
+            </a:r>
+            <a:r>
+              <a:rPr lang="pt-BR" sz="1050" dirty="0" err="1">
+                <a:solidFill>
+                  <a:schemeClr val="tx1"/>
+                </a:solidFill>
+              </a:rPr>
+              <a:t>tabelas,código</a:t>
+            </a:r>
+            <a:r>
+              <a:rPr lang="pt-BR" sz="1050" dirty="0">
+                <a:solidFill>
+                  <a:schemeClr val="tx1"/>
+                </a:solidFill>
+              </a:rPr>
+              <a:t>)</a:t>
+            </a:r>
+            <a:endParaRPr lang="pt-BR" dirty="0">
+              <a:solidFill>
+                <a:schemeClr val="tx1"/>
+              </a:solidFill>
+            </a:endParaRPr>
+          </a:p>
+        </p:txBody>
+      </p:sp>
+      <p:sp>
+        <p:nvSpPr>
+          <p:cNvPr id="14" name="Retângulo 13">
+            <a:extLst>
+              <a:ext uri="{FF2B5EF4-FFF2-40B4-BE49-F238E27FC236}">
+                <a16:creationId xmlns:a16="http://schemas.microsoft.com/office/drawing/2014/main" id="{E8EA4DD0-EFF8-C253-4CC2-9327BC5E409D}"/>
+              </a:ext>
+            </a:extLst>
+          </p:cNvPr>
+          <p:cNvSpPr/>
+          <p:nvPr/>
+        </p:nvSpPr>
+        <p:spPr>
+          <a:xfrm>
+            <a:off x="5942201" y="4497897"/>
+            <a:ext cx="1296099" cy="531302"/>
+          </a:xfrm>
+          <a:prstGeom prst="rect">
+            <a:avLst/>
+          </a:prstGeom>
+          <a:solidFill>
+            <a:schemeClr val="bg1"/>
+          </a:solidFill>
+        </p:spPr>
+        <p:style>
+          <a:lnRef idx="2">
+            <a:schemeClr val="accent1">
+              <a:shade val="15000"/>
+            </a:schemeClr>
+          </a:lnRef>
+          <a:fillRef idx="1">
+            <a:schemeClr val="accent1"/>
+          </a:fillRef>
+          <a:effectRef idx="0">
+            <a:schemeClr val="accent1"/>
+          </a:effectRef>
+          <a:fontRef idx="minor">
+            <a:schemeClr val="lt1"/>
+          </a:fontRef>
+        </p:style>
+        <p:txBody>
+          <a:bodyPr rtlCol="0" anchor="ctr"/>
+          <a:lstStyle/>
+          <a:p>
+            <a:pPr algn="ctr"/>
+            <a:r>
+              <a:rPr lang="pt-BR" dirty="0">
+                <a:solidFill>
+                  <a:schemeClr val="tx1"/>
+                </a:solidFill>
+              </a:rPr>
+              <a:t>+Texto</a:t>
+            </a:r>
+          </a:p>
+        </p:txBody>
+      </p:sp>
+      <p:cxnSp>
+        <p:nvCxnSpPr>
+          <p:cNvPr id="18" name="Conector de Seta Reta 17">
+            <a:extLst>
+              <a:ext uri="{FF2B5EF4-FFF2-40B4-BE49-F238E27FC236}">
+                <a16:creationId xmlns:a16="http://schemas.microsoft.com/office/drawing/2014/main" id="{C5C1DC43-EDA0-8BA0-7FB9-24D41852D347}"/>
+              </a:ext>
+            </a:extLst>
+          </p:cNvPr>
+          <p:cNvCxnSpPr>
+            <a:cxnSpLocks/>
+          </p:cNvCxnSpPr>
+          <p:nvPr/>
+        </p:nvCxnSpPr>
+        <p:spPr>
+          <a:xfrm>
+            <a:off x="1873423" y="1400960"/>
+            <a:ext cx="316098" cy="0"/>
+          </a:xfrm>
+          <a:prstGeom prst="straightConnector1">
+            <a:avLst/>
+          </a:prstGeom>
+          <a:ln>
+            <a:tailEnd type="triangle"/>
+          </a:ln>
+        </p:spPr>
+        <p:style>
+          <a:lnRef idx="2">
+            <a:schemeClr val="accent1"/>
+          </a:lnRef>
+          <a:fillRef idx="0">
+            <a:schemeClr val="accent1"/>
+          </a:fillRef>
+          <a:effectRef idx="1">
+            <a:schemeClr val="accent1"/>
+          </a:effectRef>
+          <a:fontRef idx="minor">
+            <a:schemeClr val="tx1"/>
+          </a:fontRef>
+        </p:style>
+      </p:cxnSp>
+      <p:cxnSp>
+        <p:nvCxnSpPr>
+          <p:cNvPr id="21" name="Conector de Seta Reta 20">
+            <a:extLst>
+              <a:ext uri="{FF2B5EF4-FFF2-40B4-BE49-F238E27FC236}">
+                <a16:creationId xmlns:a16="http://schemas.microsoft.com/office/drawing/2014/main" id="{F92850E6-2CFC-D356-05C6-3C6C7605B560}"/>
+              </a:ext>
+            </a:extLst>
+          </p:cNvPr>
+          <p:cNvCxnSpPr>
+            <a:cxnSpLocks/>
+          </p:cNvCxnSpPr>
+          <p:nvPr/>
+        </p:nvCxnSpPr>
+        <p:spPr>
+          <a:xfrm>
+            <a:off x="1787370" y="3355703"/>
+            <a:ext cx="458598" cy="249572"/>
+          </a:xfrm>
+          <a:prstGeom prst="straightConnector1">
+            <a:avLst/>
+          </a:prstGeom>
+          <a:ln>
+            <a:tailEnd type="triangle"/>
+          </a:ln>
+        </p:spPr>
+        <p:style>
+          <a:lnRef idx="2">
+            <a:schemeClr val="accent1"/>
+          </a:lnRef>
+          <a:fillRef idx="0">
+            <a:schemeClr val="accent1"/>
+          </a:fillRef>
+          <a:effectRef idx="1">
+            <a:schemeClr val="accent1"/>
+          </a:effectRef>
+          <a:fontRef idx="minor">
+            <a:schemeClr val="tx1"/>
+          </a:fontRef>
+        </p:style>
+      </p:cxnSp>
+      <p:cxnSp>
+        <p:nvCxnSpPr>
+          <p:cNvPr id="23" name="Conector de Seta Reta 22">
+            <a:extLst>
+              <a:ext uri="{FF2B5EF4-FFF2-40B4-BE49-F238E27FC236}">
+                <a16:creationId xmlns:a16="http://schemas.microsoft.com/office/drawing/2014/main" id="{EA6A40DC-D3AD-6423-0873-EF8A560AE7A6}"/>
+              </a:ext>
+            </a:extLst>
+          </p:cNvPr>
+          <p:cNvCxnSpPr>
+            <a:cxnSpLocks/>
+          </p:cNvCxnSpPr>
+          <p:nvPr/>
+        </p:nvCxnSpPr>
+        <p:spPr>
+          <a:xfrm flipV="1">
+            <a:off x="1856579" y="4208583"/>
+            <a:ext cx="398477" cy="139818"/>
+          </a:xfrm>
+          <a:prstGeom prst="straightConnector1">
+            <a:avLst/>
+          </a:prstGeom>
+          <a:ln>
+            <a:tailEnd type="triangle"/>
+          </a:ln>
+        </p:spPr>
+        <p:style>
+          <a:lnRef idx="2">
+            <a:schemeClr val="accent1"/>
+          </a:lnRef>
+          <a:fillRef idx="0">
+            <a:schemeClr val="accent1"/>
+          </a:fillRef>
+          <a:effectRef idx="1">
+            <a:schemeClr val="accent1"/>
+          </a:effectRef>
+          <a:fontRef idx="minor">
+            <a:schemeClr val="tx1"/>
+          </a:fontRef>
+        </p:style>
+      </p:cxnSp>
+      <p:cxnSp>
+        <p:nvCxnSpPr>
+          <p:cNvPr id="25" name="Conector de Seta Reta 24">
+            <a:extLst>
+              <a:ext uri="{FF2B5EF4-FFF2-40B4-BE49-F238E27FC236}">
+                <a16:creationId xmlns:a16="http://schemas.microsoft.com/office/drawing/2014/main" id="{BAEFD6D7-78AD-94F5-52B5-2A8D20C2A573}"/>
+              </a:ext>
+            </a:extLst>
+          </p:cNvPr>
+          <p:cNvCxnSpPr>
+            <a:cxnSpLocks/>
+          </p:cNvCxnSpPr>
+          <p:nvPr/>
+        </p:nvCxnSpPr>
+        <p:spPr>
+          <a:xfrm flipV="1">
+            <a:off x="1819178" y="3896964"/>
+            <a:ext cx="394981" cy="6643"/>
+          </a:xfrm>
+          <a:prstGeom prst="straightConnector1">
+            <a:avLst/>
+          </a:prstGeom>
+          <a:ln>
+            <a:tailEnd type="triangle"/>
+          </a:ln>
+        </p:spPr>
+        <p:style>
+          <a:lnRef idx="2">
+            <a:schemeClr val="accent1"/>
+          </a:lnRef>
+          <a:fillRef idx="0">
+            <a:schemeClr val="accent1"/>
+          </a:fillRef>
+          <a:effectRef idx="1">
+            <a:schemeClr val="accent1"/>
+          </a:effectRef>
+          <a:fontRef idx="minor">
+            <a:schemeClr val="tx1"/>
+          </a:fontRef>
+        </p:style>
+      </p:cxnSp>
+      <p:cxnSp>
+        <p:nvCxnSpPr>
+          <p:cNvPr id="27" name="Conector de Seta Reta 26">
+            <a:extLst>
+              <a:ext uri="{FF2B5EF4-FFF2-40B4-BE49-F238E27FC236}">
+                <a16:creationId xmlns:a16="http://schemas.microsoft.com/office/drawing/2014/main" id="{3FE9D85D-2F6C-1431-3DCB-78F34B074A83}"/>
+              </a:ext>
+            </a:extLst>
+          </p:cNvPr>
+          <p:cNvCxnSpPr>
+            <a:cxnSpLocks/>
+          </p:cNvCxnSpPr>
+          <p:nvPr/>
+        </p:nvCxnSpPr>
+        <p:spPr>
+          <a:xfrm>
+            <a:off x="3709942" y="1400960"/>
+            <a:ext cx="328745" cy="0"/>
+          </a:xfrm>
+          <a:prstGeom prst="straightConnector1">
+            <a:avLst/>
+          </a:prstGeom>
+          <a:ln>
+            <a:tailEnd type="triangle"/>
+          </a:ln>
+        </p:spPr>
+        <p:style>
+          <a:lnRef idx="2">
+            <a:schemeClr val="accent1"/>
+          </a:lnRef>
+          <a:fillRef idx="0">
+            <a:schemeClr val="accent1"/>
+          </a:fillRef>
+          <a:effectRef idx="1">
+            <a:schemeClr val="accent1"/>
+          </a:effectRef>
+          <a:fontRef idx="minor">
+            <a:schemeClr val="tx1"/>
+          </a:fontRef>
+        </p:style>
+      </p:cxnSp>
+      <p:cxnSp>
+        <p:nvCxnSpPr>
+          <p:cNvPr id="36" name="Conector de Seta Reta 35">
+            <a:extLst>
+              <a:ext uri="{FF2B5EF4-FFF2-40B4-BE49-F238E27FC236}">
+                <a16:creationId xmlns:a16="http://schemas.microsoft.com/office/drawing/2014/main" id="{33F6202B-8A55-91B1-5FE9-EE4D48D57A3D}"/>
+              </a:ext>
+            </a:extLst>
+          </p:cNvPr>
+          <p:cNvCxnSpPr>
+            <a:cxnSpLocks/>
+          </p:cNvCxnSpPr>
+          <p:nvPr/>
+        </p:nvCxnSpPr>
+        <p:spPr>
+          <a:xfrm>
+            <a:off x="4395831" y="4174683"/>
+            <a:ext cx="581813" cy="402909"/>
+          </a:xfrm>
+          <a:prstGeom prst="straightConnector1">
+            <a:avLst/>
+          </a:prstGeom>
+          <a:ln>
+            <a:tailEnd type="triangle"/>
+          </a:ln>
+        </p:spPr>
+        <p:style>
+          <a:lnRef idx="2">
+            <a:schemeClr val="accent1"/>
+          </a:lnRef>
+          <a:fillRef idx="0">
+            <a:schemeClr val="accent1"/>
+          </a:fillRef>
+          <a:effectRef idx="1">
+            <a:schemeClr val="accent1"/>
+          </a:effectRef>
+          <a:fontRef idx="minor">
+            <a:schemeClr val="tx1"/>
+          </a:fontRef>
+        </p:style>
+      </p:cxnSp>
+      <p:sp>
+        <p:nvSpPr>
+          <p:cNvPr id="38" name="Retângulo 37">
+            <a:extLst>
+              <a:ext uri="{FF2B5EF4-FFF2-40B4-BE49-F238E27FC236}">
+                <a16:creationId xmlns:a16="http://schemas.microsoft.com/office/drawing/2014/main" id="{AD3AC918-44E0-43B2-4201-04F0E2BA8DAC}"/>
+              </a:ext>
+            </a:extLst>
+          </p:cNvPr>
+          <p:cNvSpPr/>
+          <p:nvPr/>
+        </p:nvSpPr>
+        <p:spPr>
+          <a:xfrm>
+            <a:off x="9658525" y="4880995"/>
+            <a:ext cx="1533788" cy="1034642"/>
+          </a:xfrm>
+          <a:prstGeom prst="rect">
+            <a:avLst/>
+          </a:prstGeom>
+          <a:solidFill>
+            <a:schemeClr val="accent6">
+              <a:lumMod val="20000"/>
+              <a:lumOff val="80000"/>
+            </a:schemeClr>
+          </a:solidFill>
+        </p:spPr>
+        <p:style>
+          <a:lnRef idx="2">
+            <a:schemeClr val="accent1">
+              <a:shade val="15000"/>
+            </a:schemeClr>
+          </a:lnRef>
+          <a:fillRef idx="1">
+            <a:schemeClr val="accent1"/>
+          </a:fillRef>
+          <a:effectRef idx="0">
+            <a:schemeClr val="accent1"/>
+          </a:effectRef>
+          <a:fontRef idx="minor">
+            <a:schemeClr val="lt1"/>
+          </a:fontRef>
+        </p:style>
+        <p:txBody>
+          <a:bodyPr rtlCol="0" anchor="ctr"/>
+          <a:lstStyle/>
+          <a:p>
+            <a:pPr algn="ctr"/>
+            <a:r>
+              <a:rPr lang="pt-BR" dirty="0" err="1">
+                <a:solidFill>
+                  <a:schemeClr val="tx1"/>
+                </a:solidFill>
+              </a:rPr>
+              <a:t>Whatsapp</a:t>
+            </a:r>
+            <a:endParaRPr lang="pt-BR" dirty="0">
+              <a:solidFill>
+                <a:schemeClr val="tx1"/>
+              </a:solidFill>
+            </a:endParaRPr>
+          </a:p>
+        </p:txBody>
+      </p:sp>
+      <p:sp>
+        <p:nvSpPr>
+          <p:cNvPr id="48" name="CaixaDeTexto 47">
+            <a:extLst>
+              <a:ext uri="{FF2B5EF4-FFF2-40B4-BE49-F238E27FC236}">
+                <a16:creationId xmlns:a16="http://schemas.microsoft.com/office/drawing/2014/main" id="{5B2977D6-BD3D-F279-B6B6-C083C5FCAA84}"/>
+              </a:ext>
+            </a:extLst>
+          </p:cNvPr>
+          <p:cNvSpPr txBox="1"/>
+          <p:nvPr/>
+        </p:nvSpPr>
+        <p:spPr>
+          <a:xfrm>
+            <a:off x="6674099" y="112539"/>
+            <a:ext cx="4653005" cy="369332"/>
+          </a:xfrm>
+          <a:prstGeom prst="rect">
+            <a:avLst/>
+          </a:prstGeom>
+          <a:noFill/>
+        </p:spPr>
+        <p:txBody>
+          <a:bodyPr wrap="none" rtlCol="0">
+            <a:spAutoFit/>
+          </a:bodyPr>
+          <a:lstStyle/>
+          <a:p>
+            <a:r>
+              <a:rPr lang="pt-BR" b="1" dirty="0"/>
+              <a:t>Como era minha criação da documentação</a:t>
+            </a:r>
+          </a:p>
+        </p:txBody>
+      </p:sp>
+      <p:cxnSp>
+        <p:nvCxnSpPr>
+          <p:cNvPr id="49" name="Conector de Seta Reta 48">
+            <a:extLst>
+              <a:ext uri="{FF2B5EF4-FFF2-40B4-BE49-F238E27FC236}">
+                <a16:creationId xmlns:a16="http://schemas.microsoft.com/office/drawing/2014/main" id="{DF9BA79F-F6B2-A766-A6D6-8063D4DFE440}"/>
+              </a:ext>
+            </a:extLst>
+          </p:cNvPr>
+          <p:cNvCxnSpPr>
+            <a:cxnSpLocks/>
+          </p:cNvCxnSpPr>
+          <p:nvPr/>
+        </p:nvCxnSpPr>
+        <p:spPr>
+          <a:xfrm flipV="1">
+            <a:off x="7545566" y="5483604"/>
+            <a:ext cx="1415275" cy="302004"/>
+          </a:xfrm>
+          <a:prstGeom prst="straightConnector1">
+            <a:avLst/>
+          </a:prstGeom>
+          <a:ln>
+            <a:tailEnd type="triangle"/>
+          </a:ln>
+        </p:spPr>
+        <p:style>
+          <a:lnRef idx="2">
+            <a:schemeClr val="accent1"/>
+          </a:lnRef>
+          <a:fillRef idx="0">
+            <a:schemeClr val="accent1"/>
+          </a:fillRef>
+          <a:effectRef idx="1">
+            <a:schemeClr val="accent1"/>
+          </a:effectRef>
+          <a:fontRef idx="minor">
+            <a:schemeClr val="tx1"/>
+          </a:fontRef>
+        </p:style>
+      </p:cxnSp>
+      <p:cxnSp>
+        <p:nvCxnSpPr>
+          <p:cNvPr id="22" name="Conector: Angulado 21">
+            <a:extLst>
+              <a:ext uri="{FF2B5EF4-FFF2-40B4-BE49-F238E27FC236}">
+                <a16:creationId xmlns:a16="http://schemas.microsoft.com/office/drawing/2014/main" id="{964D60CB-1576-2892-6194-EDC7F5785881}"/>
+              </a:ext>
+            </a:extLst>
+          </p:cNvPr>
+          <p:cNvCxnSpPr/>
+          <p:nvPr/>
+        </p:nvCxnSpPr>
+        <p:spPr>
+          <a:xfrm rot="16200000" flipH="1">
+            <a:off x="5121464" y="1594592"/>
+            <a:ext cx="1682109" cy="1255464"/>
+          </a:xfrm>
+          <a:prstGeom prst="bentConnector3">
+            <a:avLst>
+              <a:gd name="adj1" fmla="val -2829"/>
+            </a:avLst>
+          </a:prstGeom>
+          <a:ln>
+            <a:tailEnd type="triangle"/>
+          </a:ln>
+        </p:spPr>
+        <p:style>
+          <a:lnRef idx="2">
+            <a:schemeClr val="accent1"/>
+          </a:lnRef>
+          <a:fillRef idx="0">
+            <a:schemeClr val="accent1"/>
+          </a:fillRef>
+          <a:effectRef idx="1">
+            <a:schemeClr val="accent1"/>
+          </a:effectRef>
+          <a:fontRef idx="minor">
+            <a:schemeClr val="tx1"/>
+          </a:fontRef>
+        </p:style>
+      </p:cxnSp>
+      <p:sp>
+        <p:nvSpPr>
+          <p:cNvPr id="26" name="Retângulo 25">
+            <a:extLst>
+              <a:ext uri="{FF2B5EF4-FFF2-40B4-BE49-F238E27FC236}">
+                <a16:creationId xmlns:a16="http://schemas.microsoft.com/office/drawing/2014/main" id="{D6F18F04-B473-403D-3279-CC729248AC6A}"/>
+              </a:ext>
+            </a:extLst>
+          </p:cNvPr>
+          <p:cNvSpPr/>
+          <p:nvPr/>
+        </p:nvSpPr>
+        <p:spPr>
+          <a:xfrm>
+            <a:off x="5912140" y="5574586"/>
+            <a:ext cx="1296099" cy="531302"/>
+          </a:xfrm>
+          <a:prstGeom prst="rect">
+            <a:avLst/>
+          </a:prstGeom>
+          <a:solidFill>
+            <a:schemeClr val="bg1"/>
+          </a:solidFill>
+        </p:spPr>
+        <p:style>
+          <a:lnRef idx="2">
+            <a:schemeClr val="accent1">
+              <a:shade val="15000"/>
+            </a:schemeClr>
+          </a:lnRef>
+          <a:fillRef idx="1">
+            <a:schemeClr val="accent1"/>
+          </a:fillRef>
+          <a:effectRef idx="0">
+            <a:schemeClr val="accent1"/>
+          </a:effectRef>
+          <a:fontRef idx="minor">
+            <a:schemeClr val="lt1"/>
+          </a:fontRef>
+        </p:style>
+        <p:txBody>
+          <a:bodyPr rtlCol="0" anchor="ctr"/>
+          <a:lstStyle/>
+          <a:p>
+            <a:pPr algn="ctr"/>
+            <a:r>
+              <a:rPr lang="pt-BR" b="1" dirty="0">
+                <a:solidFill>
+                  <a:schemeClr val="tx1"/>
+                </a:solidFill>
+              </a:rPr>
+              <a:t>Conteúdo</a:t>
+            </a:r>
+          </a:p>
+        </p:txBody>
+      </p:sp>
+      <p:pic>
+        <p:nvPicPr>
+          <p:cNvPr id="24" name="Imagem 23">
+            <a:extLst>
+              <a:ext uri="{FF2B5EF4-FFF2-40B4-BE49-F238E27FC236}">
+                <a16:creationId xmlns:a16="http://schemas.microsoft.com/office/drawing/2014/main" id="{4BFC8FEA-A34B-6803-4299-65DB08B1821A}"/>
+              </a:ext>
+            </a:extLst>
+          </p:cNvPr>
+          <p:cNvPicPr>
+            <a:picLocks noChangeAspect="1"/>
+          </p:cNvPicPr>
+          <p:nvPr/>
+        </p:nvPicPr>
+        <p:blipFill>
+          <a:blip r:embed="rId2"/>
+          <a:stretch>
+            <a:fillRect/>
+          </a:stretch>
+        </p:blipFill>
+        <p:spPr>
+          <a:xfrm>
+            <a:off x="5235549" y="2965562"/>
+            <a:ext cx="1991906" cy="1224451"/>
+          </a:xfrm>
+          <a:prstGeom prst="rect">
+            <a:avLst/>
+          </a:prstGeom>
+        </p:spPr>
+      </p:pic>
+    </p:spTree>
+    <p:extLst>
+      <p:ext uri="{BB962C8B-B14F-4D97-AF65-F5344CB8AC3E}">
+        <p14:creationId xmlns:p14="http://schemas.microsoft.com/office/powerpoint/2010/main" val="1781288058"/>
+      </p:ext>
+    </p:extLst>
+  </p:cSld>
+  <p:clrMapOvr>
+    <a:masterClrMapping/>
+  </p:clrMapOvr>
+</p:sld>
+</file>
+
+<file path=ppt/slides/slide6.xml><?xml version="1.0" encoding="utf-8"?>
+<p:sld xmlns:a="http://schemas.openxmlformats.org/drawingml/2006/main" xmlns:r="http://schemas.openxmlformats.org/officeDocument/2006/relationships" xmlns:p="http://schemas.openxmlformats.org/presentationml/2006/main">
+  <p:cSld>
+    <p:spTree>
+      <p:nvGrpSpPr>
+        <p:cNvPr id="1" name=""/>
+        <p:cNvGrpSpPr/>
+        <p:nvPr/>
+      </p:nvGrpSpPr>
+      <p:grpSpPr>
+        <a:xfrm>
+          <a:off x="0" y="0"/>
+          <a:ext cx="0" cy="0"/>
+          <a:chOff x="0" y="0"/>
+          <a:chExt cx="0" cy="0"/>
+        </a:xfrm>
+      </p:grpSpPr>
+      <p:sp>
+        <p:nvSpPr>
+          <p:cNvPr id="2" name="CaixaDeTexto 1">
+            <a:extLst>
+              <a:ext uri="{FF2B5EF4-FFF2-40B4-BE49-F238E27FC236}">
+                <a16:creationId xmlns:a16="http://schemas.microsoft.com/office/drawing/2014/main" id="{22FA559D-C34A-91D1-9399-6292EB6B6664}"/>
+              </a:ext>
+            </a:extLst>
+          </p:cNvPr>
+          <p:cNvSpPr txBox="1"/>
+          <p:nvPr/>
+        </p:nvSpPr>
+        <p:spPr>
+          <a:xfrm>
+            <a:off x="2835499" y="2628714"/>
+            <a:ext cx="1176925" cy="461665"/>
+          </a:xfrm>
+          <a:prstGeom prst="rect">
+            <a:avLst/>
+          </a:prstGeom>
+          <a:noFill/>
+        </p:spPr>
+        <p:txBody>
+          <a:bodyPr wrap="none" rtlCol="0">
+            <a:spAutoFit/>
+          </a:bodyPr>
+          <a:lstStyle/>
+          <a:p>
+            <a:r>
+              <a:rPr lang="pt-BR" sz="2400" dirty="0"/>
+              <a:t>OpenAI</a:t>
+            </a:r>
+          </a:p>
+        </p:txBody>
+      </p:sp>
+      <p:sp>
+        <p:nvSpPr>
+          <p:cNvPr id="3" name="CaixaDeTexto 2">
+            <a:extLst>
+              <a:ext uri="{FF2B5EF4-FFF2-40B4-BE49-F238E27FC236}">
+                <a16:creationId xmlns:a16="http://schemas.microsoft.com/office/drawing/2014/main" id="{5313AB76-A293-15FB-0049-01EF5324BABF}"/>
+              </a:ext>
+            </a:extLst>
+          </p:cNvPr>
+          <p:cNvSpPr txBox="1"/>
+          <p:nvPr/>
+        </p:nvSpPr>
+        <p:spPr>
+          <a:xfrm>
+            <a:off x="5061398" y="2669497"/>
+            <a:ext cx="837473" cy="461665"/>
+          </a:xfrm>
+          <a:prstGeom prst="rect">
+            <a:avLst/>
+          </a:prstGeom>
+          <a:noFill/>
+        </p:spPr>
+        <p:txBody>
+          <a:bodyPr wrap="none" rtlCol="0">
+            <a:spAutoFit/>
+          </a:bodyPr>
+          <a:lstStyle/>
+          <a:p>
+            <a:r>
+              <a:rPr lang="pt-BR" sz="2400" dirty="0"/>
+              <a:t>Titan</a:t>
+            </a:r>
+          </a:p>
+        </p:txBody>
+      </p:sp>
+      <p:sp>
+        <p:nvSpPr>
+          <p:cNvPr id="4" name="CaixaDeTexto 3">
+            <a:extLst>
+              <a:ext uri="{FF2B5EF4-FFF2-40B4-BE49-F238E27FC236}">
+                <a16:creationId xmlns:a16="http://schemas.microsoft.com/office/drawing/2014/main" id="{176FC66A-1D7B-0148-E23F-BC44824335DF}"/>
+              </a:ext>
+            </a:extLst>
+          </p:cNvPr>
+          <p:cNvSpPr txBox="1"/>
+          <p:nvPr/>
+        </p:nvSpPr>
+        <p:spPr>
+          <a:xfrm>
+            <a:off x="8055736" y="2669497"/>
+            <a:ext cx="1098378" cy="461665"/>
+          </a:xfrm>
+          <a:prstGeom prst="rect">
+            <a:avLst/>
+          </a:prstGeom>
+          <a:noFill/>
+        </p:spPr>
+        <p:txBody>
+          <a:bodyPr wrap="none" rtlCol="0">
+            <a:spAutoFit/>
+          </a:bodyPr>
+          <a:lstStyle/>
+          <a:p>
+            <a:r>
+              <a:rPr lang="pt-BR" sz="2400" dirty="0"/>
+              <a:t>Lhama</a:t>
+            </a:r>
+          </a:p>
+        </p:txBody>
+      </p:sp>
+    </p:spTree>
+    <p:extLst>
+      <p:ext uri="{BB962C8B-B14F-4D97-AF65-F5344CB8AC3E}">
+        <p14:creationId xmlns:p14="http://schemas.microsoft.com/office/powerpoint/2010/main" val="3990105149"/>
+      </p:ext>
+    </p:extLst>
+  </p:cSld>
+  <p:clrMapOvr>
+    <a:masterClrMapping/>
+  </p:clrMapOvr>
+</p:sld>
+</file>
+
+<file path=ppt/slides/slide7.xml><?xml version="1.0" encoding="utf-8"?>
+<p:sld xmlns:a="http://schemas.openxmlformats.org/drawingml/2006/main" xmlns:r="http://schemas.openxmlformats.org/officeDocument/2006/relationships" xmlns:p="http://schemas.openxmlformats.org/presentationml/2006/main">
+  <p:cSld>
+    <p:spTree>
+      <p:nvGrpSpPr>
+        <p:cNvPr id="1" name=""/>
+        <p:cNvGrpSpPr/>
+        <p:nvPr/>
+      </p:nvGrpSpPr>
+      <p:grpSpPr>
+        <a:xfrm>
+          <a:off x="0" y="0"/>
+          <a:ext cx="0" cy="0"/>
+          <a:chOff x="0" y="0"/>
+          <a:chExt cx="0" cy="0"/>
+        </a:xfrm>
+      </p:grpSpPr>
+      <p:sp>
+        <p:nvSpPr>
+          <p:cNvPr id="5" name="CaixaDeTexto 4">
+            <a:extLst>
+              <a:ext uri="{FF2B5EF4-FFF2-40B4-BE49-F238E27FC236}">
+                <a16:creationId xmlns:a16="http://schemas.microsoft.com/office/drawing/2014/main" id="{683E318E-BD44-0CC8-2834-ABC5183D04EF}"/>
+              </a:ext>
+            </a:extLst>
+          </p:cNvPr>
+          <p:cNvSpPr txBox="1"/>
+          <p:nvPr/>
+        </p:nvSpPr>
+        <p:spPr>
+          <a:xfrm>
+            <a:off x="8397673" y="5558658"/>
+            <a:ext cx="1969001" cy="369332"/>
+          </a:xfrm>
+          <a:prstGeom prst="rect">
+            <a:avLst/>
+          </a:prstGeom>
+          <a:noFill/>
+        </p:spPr>
+        <p:txBody>
+          <a:bodyPr wrap="none" rtlCol="0">
+            <a:spAutoFit/>
+          </a:bodyPr>
+          <a:lstStyle/>
+          <a:p>
+            <a:r>
+              <a:rPr lang="pt-BR" dirty="0"/>
+              <a:t>Fabric Framework</a:t>
+            </a:r>
+          </a:p>
+        </p:txBody>
+      </p:sp>
+      <p:sp>
+        <p:nvSpPr>
+          <p:cNvPr id="6" name="CaixaDeTexto 5">
+            <a:extLst>
+              <a:ext uri="{FF2B5EF4-FFF2-40B4-BE49-F238E27FC236}">
+                <a16:creationId xmlns:a16="http://schemas.microsoft.com/office/drawing/2014/main" id="{ADF2881C-9086-8FC9-0F88-CA5AE5C5527F}"/>
+              </a:ext>
+            </a:extLst>
+          </p:cNvPr>
+          <p:cNvSpPr txBox="1"/>
+          <p:nvPr/>
+        </p:nvSpPr>
+        <p:spPr>
+          <a:xfrm>
+            <a:off x="8326613" y="4921154"/>
+            <a:ext cx="2068387" cy="369332"/>
+          </a:xfrm>
+          <a:prstGeom prst="rect">
+            <a:avLst/>
+          </a:prstGeom>
+          <a:noFill/>
+        </p:spPr>
+        <p:txBody>
+          <a:bodyPr wrap="none" rtlCol="0">
+            <a:spAutoFit/>
+          </a:bodyPr>
+          <a:lstStyle/>
+          <a:p>
+            <a:r>
+              <a:rPr lang="pt-BR" dirty="0"/>
+              <a:t>YouTube </a:t>
+            </a:r>
+            <a:r>
+              <a:rPr lang="pt-BR" dirty="0" err="1"/>
+              <a:t>Transcript</a:t>
+            </a:r>
+            <a:endParaRPr lang="pt-BR" dirty="0"/>
+          </a:p>
+        </p:txBody>
+      </p:sp>
+      <p:sp>
+        <p:nvSpPr>
+          <p:cNvPr id="7" name="CaixaDeTexto 6">
+            <a:extLst>
+              <a:ext uri="{FF2B5EF4-FFF2-40B4-BE49-F238E27FC236}">
+                <a16:creationId xmlns:a16="http://schemas.microsoft.com/office/drawing/2014/main" id="{24EA1F50-32AB-3B76-3C72-4E30BE51F924}"/>
+              </a:ext>
+            </a:extLst>
+          </p:cNvPr>
+          <p:cNvSpPr txBox="1"/>
+          <p:nvPr/>
+        </p:nvSpPr>
+        <p:spPr>
+          <a:xfrm>
+            <a:off x="8298222" y="3920659"/>
+            <a:ext cx="1083951" cy="369332"/>
+          </a:xfrm>
+          <a:prstGeom prst="rect">
+            <a:avLst/>
+          </a:prstGeom>
+          <a:noFill/>
+        </p:spPr>
+        <p:txBody>
+          <a:bodyPr wrap="none" rtlCol="0">
+            <a:spAutoFit/>
+          </a:bodyPr>
+          <a:lstStyle/>
+          <a:p>
+            <a:r>
+              <a:rPr lang="pt-BR" dirty="0" err="1"/>
+              <a:t>Obsidian</a:t>
+            </a:r>
+            <a:endParaRPr lang="pt-BR" dirty="0"/>
+          </a:p>
+        </p:txBody>
+      </p:sp>
+      <p:sp>
+        <p:nvSpPr>
+          <p:cNvPr id="2" name="CaixaDeTexto 1">
+            <a:extLst>
+              <a:ext uri="{FF2B5EF4-FFF2-40B4-BE49-F238E27FC236}">
+                <a16:creationId xmlns:a16="http://schemas.microsoft.com/office/drawing/2014/main" id="{BE1B364B-FDA4-2A3E-0984-0E90021A1C8E}"/>
+              </a:ext>
+            </a:extLst>
+          </p:cNvPr>
+          <p:cNvSpPr txBox="1"/>
+          <p:nvPr/>
+        </p:nvSpPr>
+        <p:spPr>
+          <a:xfrm>
+            <a:off x="8326613" y="4373497"/>
+            <a:ext cx="984308" cy="369332"/>
+          </a:xfrm>
+          <a:prstGeom prst="rect">
+            <a:avLst/>
+          </a:prstGeom>
+          <a:noFill/>
+        </p:spPr>
+        <p:txBody>
+          <a:bodyPr wrap="none" rtlCol="0">
+            <a:spAutoFit/>
+          </a:bodyPr>
+          <a:lstStyle/>
+          <a:p>
+            <a:r>
+              <a:rPr lang="pt-BR" dirty="0" err="1"/>
+              <a:t>VSCode</a:t>
+            </a:r>
+            <a:endParaRPr lang="pt-BR" dirty="0"/>
+          </a:p>
+        </p:txBody>
+      </p:sp>
+    </p:spTree>
+    <p:extLst>
+      <p:ext uri="{BB962C8B-B14F-4D97-AF65-F5344CB8AC3E}">
+        <p14:creationId xmlns:p14="http://schemas.microsoft.com/office/powerpoint/2010/main" val="155830984"/>
+      </p:ext>
+    </p:extLst>
+  </p:cSld>
+  <p:clrMapOvr>
+    <a:masterClrMapping/>
+  </p:clrMapOvr>
+</p:sld>
+</file>
+
+<file path=ppt/slides/slide8.xml><?xml version="1.0" encoding="utf-8"?>
+<p:sld xmlns:a="http://schemas.openxmlformats.org/drawingml/2006/main" xmlns:r="http://schemas.openxmlformats.org/officeDocument/2006/relationships" xmlns:p="http://schemas.openxmlformats.org/presentationml/2006/main">
+  <p:cSld>
+    <p:spTree>
+      <p:nvGrpSpPr>
+        <p:cNvPr id="1" name=""/>
+        <p:cNvGrpSpPr/>
+        <p:nvPr/>
+      </p:nvGrpSpPr>
+      <p:grpSpPr>
+        <a:xfrm>
+          <a:off x="0" y="0"/>
+          <a:ext cx="0" cy="0"/>
+          <a:chOff x="0" y="0"/>
+          <a:chExt cx="0" cy="0"/>
+        </a:xfrm>
+      </p:grpSpPr>
+      <p:pic>
+        <p:nvPicPr>
+          <p:cNvPr id="3" name="Imagem 2">
+            <a:extLst>
+              <a:ext uri="{FF2B5EF4-FFF2-40B4-BE49-F238E27FC236}">
+                <a16:creationId xmlns:a16="http://schemas.microsoft.com/office/drawing/2014/main" id="{CE47B979-8645-F30C-126A-3EE7498B5CF0}"/>
+              </a:ext>
+            </a:extLst>
+          </p:cNvPr>
+          <p:cNvPicPr>
+            <a:picLocks noChangeAspect="1"/>
+          </p:cNvPicPr>
+          <p:nvPr/>
+        </p:nvPicPr>
+        <p:blipFill>
+          <a:blip r:embed="rId2"/>
+          <a:stretch>
+            <a:fillRect/>
+          </a:stretch>
+        </p:blipFill>
+        <p:spPr>
+          <a:xfrm>
+            <a:off x="1425335" y="501499"/>
+            <a:ext cx="9341330" cy="5855001"/>
+          </a:xfrm>
+          <a:prstGeom prst="rect">
+            <a:avLst/>
+          </a:prstGeom>
+        </p:spPr>
+      </p:pic>
+      <p:sp>
+        <p:nvSpPr>
+          <p:cNvPr id="4" name="Retângulo: Cantos Arredondados 3">
+            <a:extLst>
+              <a:ext uri="{FF2B5EF4-FFF2-40B4-BE49-F238E27FC236}">
+                <a16:creationId xmlns:a16="http://schemas.microsoft.com/office/drawing/2014/main" id="{EBB8556E-784E-AC1C-20FE-22FAE57606C7}"/>
+              </a:ext>
+            </a:extLst>
+          </p:cNvPr>
+          <p:cNvSpPr/>
+          <p:nvPr/>
+        </p:nvSpPr>
+        <p:spPr>
+          <a:xfrm>
+            <a:off x="340125" y="696062"/>
+            <a:ext cx="1748971" cy="1219200"/>
+          </a:xfrm>
+          <a:prstGeom prst="roundRect">
+            <a:avLst/>
+          </a:prstGeom>
+          <a:solidFill>
+            <a:srgbClr val="993333"/>
+          </a:solidFill>
+        </p:spPr>
+        <p:style>
+          <a:lnRef idx="2">
+            <a:schemeClr val="accent1">
+              <a:shade val="15000"/>
+            </a:schemeClr>
+          </a:lnRef>
+          <a:fillRef idx="1">
+            <a:schemeClr val="accent1"/>
+          </a:fillRef>
+          <a:effectRef idx="0">
+            <a:schemeClr val="accent1"/>
+          </a:effectRef>
+          <a:fontRef idx="minor">
+            <a:schemeClr val="lt1"/>
+          </a:fontRef>
+        </p:style>
+        <p:txBody>
+          <a:bodyPr rtlCol="0" anchor="ctr"/>
+          <a:lstStyle/>
+          <a:p>
+            <a:pPr algn="ctr"/>
+            <a:endParaRPr lang="pt-BR"/>
+          </a:p>
+        </p:txBody>
+      </p:sp>
+    </p:spTree>
+    <p:extLst>
+      <p:ext uri="{BB962C8B-B14F-4D97-AF65-F5344CB8AC3E}">
+        <p14:creationId xmlns:p14="http://schemas.microsoft.com/office/powerpoint/2010/main" val="3820459806"/>
       </p:ext>
     </p:extLst>
   </p:cSld>

--- a/docs/Conceitos.pptx
+++ b/docs/Conceitos.pptx
@@ -266,7 +266,7 @@
           <a:p>
             <a:fld id="{99AEEDCC-A067-4C97-83F4-BFBE4882BBAC}" type="datetimeFigureOut">
               <a:rPr lang="pt-BR" smtClean="0"/>
-              <a:t>15/08/2024</a:t>
+              <a:t>16/08/2024</a:t>
             </a:fld>
             <a:endParaRPr lang="pt-BR"/>
           </a:p>
@@ -464,7 +464,7 @@
           <a:p>
             <a:fld id="{99AEEDCC-A067-4C97-83F4-BFBE4882BBAC}" type="datetimeFigureOut">
               <a:rPr lang="pt-BR" smtClean="0"/>
-              <a:t>15/08/2024</a:t>
+              <a:t>16/08/2024</a:t>
             </a:fld>
             <a:endParaRPr lang="pt-BR"/>
           </a:p>
@@ -672,7 +672,7 @@
           <a:p>
             <a:fld id="{99AEEDCC-A067-4C97-83F4-BFBE4882BBAC}" type="datetimeFigureOut">
               <a:rPr lang="pt-BR" smtClean="0"/>
-              <a:t>15/08/2024</a:t>
+              <a:t>16/08/2024</a:t>
             </a:fld>
             <a:endParaRPr lang="pt-BR"/>
           </a:p>
@@ -870,7 +870,7 @@
           <a:p>
             <a:fld id="{99AEEDCC-A067-4C97-83F4-BFBE4882BBAC}" type="datetimeFigureOut">
               <a:rPr lang="pt-BR" smtClean="0"/>
-              <a:t>15/08/2024</a:t>
+              <a:t>16/08/2024</a:t>
             </a:fld>
             <a:endParaRPr lang="pt-BR"/>
           </a:p>
@@ -1145,7 +1145,7 @@
           <a:p>
             <a:fld id="{99AEEDCC-A067-4C97-83F4-BFBE4882BBAC}" type="datetimeFigureOut">
               <a:rPr lang="pt-BR" smtClean="0"/>
-              <a:t>15/08/2024</a:t>
+              <a:t>16/08/2024</a:t>
             </a:fld>
             <a:endParaRPr lang="pt-BR"/>
           </a:p>
@@ -1410,7 +1410,7 @@
           <a:p>
             <a:fld id="{99AEEDCC-A067-4C97-83F4-BFBE4882BBAC}" type="datetimeFigureOut">
               <a:rPr lang="pt-BR" smtClean="0"/>
-              <a:t>15/08/2024</a:t>
+              <a:t>16/08/2024</a:t>
             </a:fld>
             <a:endParaRPr lang="pt-BR"/>
           </a:p>
@@ -1822,7 +1822,7 @@
           <a:p>
             <a:fld id="{99AEEDCC-A067-4C97-83F4-BFBE4882BBAC}" type="datetimeFigureOut">
               <a:rPr lang="pt-BR" smtClean="0"/>
-              <a:t>15/08/2024</a:t>
+              <a:t>16/08/2024</a:t>
             </a:fld>
             <a:endParaRPr lang="pt-BR"/>
           </a:p>
@@ -1963,7 +1963,7 @@
           <a:p>
             <a:fld id="{99AEEDCC-A067-4C97-83F4-BFBE4882BBAC}" type="datetimeFigureOut">
               <a:rPr lang="pt-BR" smtClean="0"/>
-              <a:t>15/08/2024</a:t>
+              <a:t>16/08/2024</a:t>
             </a:fld>
             <a:endParaRPr lang="pt-BR"/>
           </a:p>
@@ -2076,7 +2076,7 @@
           <a:p>
             <a:fld id="{99AEEDCC-A067-4C97-83F4-BFBE4882BBAC}" type="datetimeFigureOut">
               <a:rPr lang="pt-BR" smtClean="0"/>
-              <a:t>15/08/2024</a:t>
+              <a:t>16/08/2024</a:t>
             </a:fld>
             <a:endParaRPr lang="pt-BR"/>
           </a:p>
@@ -2387,7 +2387,7 @@
           <a:p>
             <a:fld id="{99AEEDCC-A067-4C97-83F4-BFBE4882BBAC}" type="datetimeFigureOut">
               <a:rPr lang="pt-BR" smtClean="0"/>
-              <a:t>15/08/2024</a:t>
+              <a:t>16/08/2024</a:t>
             </a:fld>
             <a:endParaRPr lang="pt-BR"/>
           </a:p>
@@ -2675,7 +2675,7 @@
           <a:p>
             <a:fld id="{99AEEDCC-A067-4C97-83F4-BFBE4882BBAC}" type="datetimeFigureOut">
               <a:rPr lang="pt-BR" smtClean="0"/>
-              <a:t>15/08/2024</a:t>
+              <a:t>16/08/2024</a:t>
             </a:fld>
             <a:endParaRPr lang="pt-BR"/>
           </a:p>
@@ -2916,7 +2916,7 @@
           <a:p>
             <a:fld id="{99AEEDCC-A067-4C97-83F4-BFBE4882BBAC}" type="datetimeFigureOut">
               <a:rPr lang="pt-BR" smtClean="0"/>
-              <a:t>15/08/2024</a:t>
+              <a:t>16/08/2024</a:t>
             </a:fld>
             <a:endParaRPr lang="pt-BR"/>
           </a:p>
@@ -3960,6 +3960,38 @@
               <a:buChar char="•"/>
             </a:pPr>
             <a:r>
+              <a:rPr lang="pt-BR" sz="1600" strike="sngStrike" dirty="0">
+                <a:solidFill>
+                  <a:schemeClr val="tx1"/>
+                </a:solidFill>
+                <a:latin typeface="Arial" panose="020B0604020202020204" pitchFamily="34" charset="0"/>
+                <a:cs typeface="Arial" panose="020B0604020202020204" pitchFamily="34" charset="0"/>
+              </a:rPr>
+              <a:t>Dezenas de ajustes de formatação. (divisão uniforme de páginas)</a:t>
+            </a:r>
+          </a:p>
+          <a:p>
+            <a:pPr marL="342900" indent="-342900">
+              <a:buFont typeface="Arial" panose="020B0604020202020204" pitchFamily="34" charset="0"/>
+              <a:buChar char="•"/>
+            </a:pPr>
+            <a:r>
+              <a:rPr lang="pt-BR" sz="1600" strike="sngStrike" dirty="0">
+                <a:solidFill>
+                  <a:schemeClr val="tx1"/>
+                </a:solidFill>
+                <a:latin typeface="Arial" panose="020B0604020202020204" pitchFamily="34" charset="0"/>
+                <a:cs typeface="Arial" panose="020B0604020202020204" pitchFamily="34" charset="0"/>
+              </a:rPr>
+              <a:t>Formatar e manter atualizado o Sumário</a:t>
+            </a:r>
+          </a:p>
+          <a:p>
+            <a:pPr marL="342900" indent="-342900">
+              <a:buFont typeface="Arial" panose="020B0604020202020204" pitchFamily="34" charset="0"/>
+              <a:buChar char="•"/>
+            </a:pPr>
+            <a:r>
               <a:rPr lang="pt-BR" sz="1600" dirty="0">
                 <a:solidFill>
                   <a:schemeClr val="tx1"/>
@@ -3967,7 +3999,7 @@
                 <a:latin typeface="Arial" panose="020B0604020202020204" pitchFamily="34" charset="0"/>
                 <a:cs typeface="Arial" panose="020B0604020202020204" pitchFamily="34" charset="0"/>
               </a:rPr>
-              <a:t>Dezenas de ajustes de formatação. (divisão uniforme de páginas)</a:t>
+              <a:t>Revisão técnica</a:t>
             </a:r>
           </a:p>
           <a:p>
@@ -3983,7 +4015,7 @@
                 <a:latin typeface="Arial" panose="020B0604020202020204" pitchFamily="34" charset="0"/>
                 <a:cs typeface="Arial" panose="020B0604020202020204" pitchFamily="34" charset="0"/>
               </a:rPr>
-              <a:t>Formatar e manter atualizado o Sumário</a:t>
+              <a:t>Revisão de textos </a:t>
             </a:r>
           </a:p>
         </p:txBody>
@@ -6071,10 +6103,10 @@
       </p:grpSpPr>
       <p:sp>
         <p:nvSpPr>
-          <p:cNvPr id="12" name="Retângulo 11">
-            <a:extLst>
-              <a:ext uri="{FF2B5EF4-FFF2-40B4-BE49-F238E27FC236}">
-                <a16:creationId xmlns:a16="http://schemas.microsoft.com/office/drawing/2014/main" id="{6CE5AFBC-F2FB-6825-D32A-E2F88E337E81}"/>
+          <p:cNvPr id="3" name="Retângulo 2">
+            <a:extLst>
+              <a:ext uri="{FF2B5EF4-FFF2-40B4-BE49-F238E27FC236}">
+                <a16:creationId xmlns:a16="http://schemas.microsoft.com/office/drawing/2014/main" id="{8DE993F7-3728-D926-A3B8-FED9E60F033D}"/>
               </a:ext>
             </a:extLst>
           </p:cNvPr>
@@ -6083,8 +6115,8 @@
         </p:nvSpPr>
         <p:spPr>
           <a:xfrm>
-            <a:off x="7262085" y="3358326"/>
-            <a:ext cx="4740775" cy="3384585"/>
+            <a:off x="3540339" y="741309"/>
+            <a:ext cx="4853098" cy="5872316"/>
           </a:xfrm>
           <a:prstGeom prst="rect">
             <a:avLst/>
@@ -6127,10 +6159,10 @@
       </p:sp>
       <p:sp>
         <p:nvSpPr>
-          <p:cNvPr id="3" name="Retângulo 2">
-            <a:extLst>
-              <a:ext uri="{FF2B5EF4-FFF2-40B4-BE49-F238E27FC236}">
-                <a16:creationId xmlns:a16="http://schemas.microsoft.com/office/drawing/2014/main" id="{8DE993F7-3728-D926-A3B8-FED9E60F033D}"/>
+          <p:cNvPr id="2" name="Retângulo 1">
+            <a:extLst>
+              <a:ext uri="{FF2B5EF4-FFF2-40B4-BE49-F238E27FC236}">
+                <a16:creationId xmlns:a16="http://schemas.microsoft.com/office/drawing/2014/main" id="{8E0D9966-D19A-B5E3-1149-CB70C13CC382}"/>
               </a:ext>
             </a:extLst>
           </p:cNvPr>
@@ -6139,8 +6171,8 @@
         </p:nvSpPr>
         <p:spPr>
           <a:xfrm>
-            <a:off x="3540339" y="741309"/>
-            <a:ext cx="4853098" cy="5872316"/>
+            <a:off x="309516" y="111612"/>
+            <a:ext cx="5138313" cy="2271957"/>
           </a:xfrm>
           <a:prstGeom prst="rect">
             <a:avLst/>
@@ -6181,12 +6213,42 @@
           </a:p>
         </p:txBody>
       </p:sp>
-      <p:sp>
-        <p:nvSpPr>
-          <p:cNvPr id="2" name="Retângulo 1">
-            <a:extLst>
-              <a:ext uri="{FF2B5EF4-FFF2-40B4-BE49-F238E27FC236}">
-                <a16:creationId xmlns:a16="http://schemas.microsoft.com/office/drawing/2014/main" id="{8E0D9966-D19A-B5E3-1149-CB70C13CC382}"/>
+      <p:pic>
+        <p:nvPicPr>
+          <p:cNvPr id="24" name="Imagem 23">
+            <a:extLst>
+              <a:ext uri="{FF2B5EF4-FFF2-40B4-BE49-F238E27FC236}">
+                <a16:creationId xmlns:a16="http://schemas.microsoft.com/office/drawing/2014/main" id="{8928CD49-1600-932E-C54C-4003470C52D0}"/>
+              </a:ext>
+            </a:extLst>
+          </p:cNvPr>
+          <p:cNvPicPr>
+            <a:picLocks noChangeAspect="1"/>
+          </p:cNvPicPr>
+          <p:nvPr/>
+        </p:nvPicPr>
+        <p:blipFill>
+          <a:blip r:embed="rId2"/>
+          <a:stretch>
+            <a:fillRect/>
+          </a:stretch>
+        </p:blipFill>
+        <p:spPr>
+          <a:xfrm>
+            <a:off x="1642494" y="1379579"/>
+            <a:ext cx="1375887" cy="845775"/>
+          </a:xfrm>
+          <a:prstGeom prst="rect">
+            <a:avLst/>
+          </a:prstGeom>
+        </p:spPr>
+      </p:pic>
+      <p:sp>
+        <p:nvSpPr>
+          <p:cNvPr id="12" name="Retângulo 11">
+            <a:extLst>
+              <a:ext uri="{FF2B5EF4-FFF2-40B4-BE49-F238E27FC236}">
+                <a16:creationId xmlns:a16="http://schemas.microsoft.com/office/drawing/2014/main" id="{6CE5AFBC-F2FB-6825-D32A-E2F88E337E81}"/>
               </a:ext>
             </a:extLst>
           </p:cNvPr>
@@ -6195,8 +6257,8 @@
         </p:nvSpPr>
         <p:spPr>
           <a:xfrm>
-            <a:off x="309516" y="111612"/>
-            <a:ext cx="5138313" cy="2271957"/>
+            <a:off x="7262085" y="4000151"/>
+            <a:ext cx="4740775" cy="2742760"/>
           </a:xfrm>
           <a:prstGeom prst="rect">
             <a:avLst/>
@@ -6251,8 +6313,8 @@
         </p:nvSpPr>
         <p:spPr>
           <a:xfrm>
-            <a:off x="1276016" y="244375"/>
-            <a:ext cx="2390863" cy="1470869"/>
+            <a:off x="1276016" y="346398"/>
+            <a:ext cx="2390863" cy="1118162"/>
           </a:xfrm>
           <a:prstGeom prst="ellipse">
             <a:avLst/>
@@ -6453,20 +6515,27 @@
           <a:p>
             <a:pPr algn="ctr"/>
             <a:r>
-              <a:rPr lang="pt-BR" sz="1200" dirty="0" err="1">
-                <a:solidFill>
-                  <a:schemeClr val="tx1"/>
-                </a:solidFill>
-              </a:rPr>
-              <a:t>VSCode</a:t>
-            </a:r>
-            <a:r>
               <a:rPr lang="pt-BR" sz="1200" dirty="0">
                 <a:solidFill>
                   <a:schemeClr val="tx1"/>
                 </a:solidFill>
               </a:rPr>
-              <a:t> (MD)</a:t>
+              <a:t>Markdown</a:t>
+            </a:r>
+            <a:br>
+              <a:rPr lang="pt-BR" sz="1200" dirty="0">
+                <a:solidFill>
+                  <a:schemeClr val="tx1"/>
+                </a:solidFill>
+              </a:rPr>
+            </a:br>
+            <a:r>
+              <a:rPr lang="pt-BR" sz="1200" dirty="0">
+                <a:solidFill>
+                  <a:schemeClr val="tx1"/>
+                </a:solidFill>
+              </a:rPr>
+              <a:t>Text</a:t>
             </a:r>
           </a:p>
         </p:txBody>
@@ -6776,60 +6845,6 @@
           <a:solidFill>
             <a:schemeClr val="bg1"/>
           </a:solidFill>
-        </p:spPr>
-        <p:style>
-          <a:lnRef idx="2">
-            <a:schemeClr val="accent1">
-              <a:shade val="15000"/>
-            </a:schemeClr>
-          </a:lnRef>
-          <a:fillRef idx="1">
-            <a:schemeClr val="accent1"/>
-          </a:fillRef>
-          <a:effectRef idx="0">
-            <a:schemeClr val="accent1"/>
-          </a:effectRef>
-          <a:fontRef idx="minor">
-            <a:schemeClr val="lt1"/>
-          </a:fontRef>
-        </p:style>
-        <p:txBody>
-          <a:bodyPr rtlCol="0" anchor="ctr"/>
-          <a:lstStyle/>
-          <a:p>
-            <a:pPr algn="ctr"/>
-            <a:r>
-              <a:rPr lang="pt-BR" dirty="0">
-                <a:solidFill>
-                  <a:schemeClr val="tx1"/>
-                </a:solidFill>
-              </a:rPr>
-              <a:t>+Texto</a:t>
-            </a:r>
-          </a:p>
-        </p:txBody>
-      </p:sp>
-      <p:sp>
-        <p:nvSpPr>
-          <p:cNvPr id="13" name="Retângulo 12">
-            <a:extLst>
-              <a:ext uri="{FF2B5EF4-FFF2-40B4-BE49-F238E27FC236}">
-                <a16:creationId xmlns:a16="http://schemas.microsoft.com/office/drawing/2014/main" id="{F0301BC5-9E71-C033-34A9-4E833ACCB623}"/>
-              </a:ext>
-            </a:extLst>
-          </p:cNvPr>
-          <p:cNvSpPr/>
-          <p:nvPr/>
-        </p:nvSpPr>
-        <p:spPr>
-          <a:xfrm>
-            <a:off x="5719894" y="4184709"/>
-            <a:ext cx="1296099" cy="531302"/>
-          </a:xfrm>
-          <a:prstGeom prst="rect">
-            <a:avLst/>
-          </a:prstGeom>
-          <a:noFill/>
         </p:spPr>
         <p:style>
           <a:lnRef idx="2">
@@ -7165,47 +7180,6 @@
           </a:fontRef>
         </p:style>
       </p:cxnSp>
-      <p:cxnSp>
-        <p:nvCxnSpPr>
-          <p:cNvPr id="36" name="Conector de Seta Reta 35">
-            <a:extLst>
-              <a:ext uri="{FF2B5EF4-FFF2-40B4-BE49-F238E27FC236}">
-                <a16:creationId xmlns:a16="http://schemas.microsoft.com/office/drawing/2014/main" id="{33F6202B-8A55-91B1-5FE9-EE4D48D57A3D}"/>
-              </a:ext>
-            </a:extLst>
-          </p:cNvPr>
-          <p:cNvCxnSpPr>
-            <a:cxnSpLocks/>
-          </p:cNvCxnSpPr>
-          <p:nvPr/>
-        </p:nvCxnSpPr>
-        <p:spPr>
-          <a:xfrm>
-            <a:off x="4156474" y="4822491"/>
-            <a:ext cx="581813" cy="402909"/>
-          </a:xfrm>
-          <a:prstGeom prst="straightConnector1">
-            <a:avLst/>
-          </a:prstGeom>
-          <a:ln>
-            <a:tailEnd type="triangle"/>
-          </a:ln>
-        </p:spPr>
-        <p:style>
-          <a:lnRef idx="2">
-            <a:schemeClr val="accent1"/>
-          </a:lnRef>
-          <a:fillRef idx="0">
-            <a:schemeClr val="accent1"/>
-          </a:fillRef>
-          <a:effectRef idx="1">
-            <a:schemeClr val="accent1"/>
-          </a:effectRef>
-          <a:fontRef idx="minor">
-            <a:schemeClr val="tx1"/>
-          </a:fontRef>
-        </p:style>
-      </p:cxnSp>
       <p:sp>
         <p:nvSpPr>
           <p:cNvPr id="38" name="Retângulo 37">
@@ -7220,7 +7194,7 @@
         </p:nvSpPr>
         <p:spPr>
           <a:xfrm>
-            <a:off x="10019250" y="5297650"/>
+            <a:off x="9745190" y="5077784"/>
             <a:ext cx="1533788" cy="448809"/>
           </a:xfrm>
           <a:prstGeom prst="rect">
@@ -7276,13 +7250,15 @@
         </p:nvSpPr>
         <p:spPr>
           <a:xfrm>
-            <a:off x="8984424" y="1020702"/>
-            <a:ext cx="1296099" cy="472580"/>
+            <a:off x="8630209" y="720551"/>
+            <a:ext cx="1601871" cy="855794"/>
           </a:xfrm>
           <a:prstGeom prst="rect">
             <a:avLst/>
           </a:prstGeom>
-          <a:noFill/>
+          <a:solidFill>
+            <a:srgbClr val="993333"/>
+          </a:solidFill>
         </p:spPr>
         <p:style>
           <a:lnRef idx="2">
@@ -7306,9 +7282,9 @@
           <a:p>
             <a:pPr algn="ctr"/>
             <a:r>
-              <a:rPr lang="pt-BR" dirty="0">
+              <a:rPr lang="pt-BR" b="1" dirty="0">
                 <a:solidFill>
-                  <a:schemeClr val="tx1"/>
+                  <a:schemeClr val="bg1"/>
                 </a:solidFill>
               </a:rPr>
               <a:t>Modelos</a:t>
@@ -7316,129 +7292,6 @@
           </a:p>
         </p:txBody>
       </p:sp>
-      <p:cxnSp>
-        <p:nvCxnSpPr>
-          <p:cNvPr id="41" name="Conector de Seta Reta 40">
-            <a:extLst>
-              <a:ext uri="{FF2B5EF4-FFF2-40B4-BE49-F238E27FC236}">
-                <a16:creationId xmlns:a16="http://schemas.microsoft.com/office/drawing/2014/main" id="{C2A688B3-C098-ADFE-9913-951A490CCFF4}"/>
-              </a:ext>
-            </a:extLst>
-          </p:cNvPr>
-          <p:cNvCxnSpPr>
-            <a:cxnSpLocks/>
-          </p:cNvCxnSpPr>
-          <p:nvPr/>
-        </p:nvCxnSpPr>
-        <p:spPr>
-          <a:xfrm flipH="1">
-            <a:off x="7897937" y="1351600"/>
-            <a:ext cx="840651" cy="390087"/>
-          </a:xfrm>
-          <a:prstGeom prst="straightConnector1">
-            <a:avLst/>
-          </a:prstGeom>
-          <a:ln>
-            <a:tailEnd type="triangle"/>
-          </a:ln>
-        </p:spPr>
-        <p:style>
-          <a:lnRef idx="2">
-            <a:schemeClr val="accent1"/>
-          </a:lnRef>
-          <a:fillRef idx="0">
-            <a:schemeClr val="accent1"/>
-          </a:fillRef>
-          <a:effectRef idx="1">
-            <a:schemeClr val="accent1"/>
-          </a:effectRef>
-          <a:fontRef idx="minor">
-            <a:schemeClr val="tx1"/>
-          </a:fontRef>
-        </p:style>
-      </p:cxnSp>
-      <p:cxnSp>
-        <p:nvCxnSpPr>
-          <p:cNvPr id="44" name="Conector de Seta Reta 43">
-            <a:extLst>
-              <a:ext uri="{FF2B5EF4-FFF2-40B4-BE49-F238E27FC236}">
-                <a16:creationId xmlns:a16="http://schemas.microsoft.com/office/drawing/2014/main" id="{6403ED72-DA09-98ED-E7C6-DB9D969F1685}"/>
-              </a:ext>
-            </a:extLst>
-          </p:cNvPr>
-          <p:cNvCxnSpPr>
-            <a:cxnSpLocks/>
-          </p:cNvCxnSpPr>
-          <p:nvPr/>
-        </p:nvCxnSpPr>
-        <p:spPr>
-          <a:xfrm flipH="1">
-            <a:off x="7929557" y="1666023"/>
-            <a:ext cx="840651" cy="399871"/>
-          </a:xfrm>
-          <a:prstGeom prst="straightConnector1">
-            <a:avLst/>
-          </a:prstGeom>
-          <a:ln>
-            <a:tailEnd type="triangle"/>
-          </a:ln>
-        </p:spPr>
-        <p:style>
-          <a:lnRef idx="2">
-            <a:schemeClr val="accent1"/>
-          </a:lnRef>
-          <a:fillRef idx="0">
-            <a:schemeClr val="accent1"/>
-          </a:fillRef>
-          <a:effectRef idx="1">
-            <a:schemeClr val="accent1"/>
-          </a:effectRef>
-          <a:fontRef idx="minor">
-            <a:schemeClr val="tx1"/>
-          </a:fontRef>
-        </p:style>
-      </p:cxnSp>
-      <p:cxnSp>
-        <p:nvCxnSpPr>
-          <p:cNvPr id="49" name="Conector de Seta Reta 48">
-            <a:extLst>
-              <a:ext uri="{FF2B5EF4-FFF2-40B4-BE49-F238E27FC236}">
-                <a16:creationId xmlns:a16="http://schemas.microsoft.com/office/drawing/2014/main" id="{DF9BA79F-F6B2-A766-A6D6-8063D4DFE440}"/>
-              </a:ext>
-            </a:extLst>
-          </p:cNvPr>
-          <p:cNvCxnSpPr>
-            <a:cxnSpLocks/>
-          </p:cNvCxnSpPr>
-          <p:nvPr/>
-        </p:nvCxnSpPr>
-        <p:spPr>
-          <a:xfrm>
-            <a:off x="7221522" y="5573087"/>
-            <a:ext cx="890632" cy="227901"/>
-          </a:xfrm>
-          <a:prstGeom prst="straightConnector1">
-            <a:avLst/>
-          </a:prstGeom>
-          <a:ln>
-            <a:tailEnd type="triangle"/>
-          </a:ln>
-        </p:spPr>
-        <p:style>
-          <a:lnRef idx="2">
-            <a:schemeClr val="accent1"/>
-          </a:lnRef>
-          <a:fillRef idx="0">
-            <a:schemeClr val="accent1"/>
-          </a:fillRef>
-          <a:effectRef idx="1">
-            <a:schemeClr val="accent1"/>
-          </a:effectRef>
-          <a:fontRef idx="minor">
-            <a:schemeClr val="tx1"/>
-          </a:fontRef>
-        </p:style>
-      </p:cxnSp>
       <p:sp>
         <p:nvSpPr>
           <p:cNvPr id="50" name="Retângulo 49">
@@ -7648,7 +7501,7 @@
         </p:nvSpPr>
         <p:spPr>
           <a:xfrm>
-            <a:off x="8237988" y="5332604"/>
+            <a:off x="7963928" y="5112738"/>
             <a:ext cx="1533788" cy="1034642"/>
           </a:xfrm>
           <a:prstGeom prst="rect">
@@ -7688,21 +7541,8 @@
                   <a:schemeClr val="tx1"/>
                 </a:solidFill>
               </a:rPr>
-              <a:t>Python-</a:t>
-            </a:r>
-            <a:r>
-              <a:rPr lang="pt-BR" dirty="0" err="1">
-                <a:solidFill>
-                  <a:schemeClr val="tx1"/>
-                </a:solidFill>
-              </a:rPr>
-              <a:t>docx</a:t>
-            </a:r>
-            <a:endParaRPr lang="pt-BR" dirty="0">
-              <a:solidFill>
-                <a:schemeClr val="tx1"/>
-              </a:solidFill>
-            </a:endParaRPr>
+              <a:t>python-docx</a:t>
+            </a:r>
           </a:p>
         </p:txBody>
       </p:sp>
@@ -7824,7 +7664,7 @@
           <p:nvPr/>
         </p:nvPicPr>
         <p:blipFill>
-          <a:blip r:embed="rId2"/>
+          <a:blip r:embed="rId3"/>
           <a:stretch>
             <a:fillRect/>
           </a:stretch>
@@ -7923,10 +7763,10 @@
       </p:cxnSp>
       <p:pic>
         <p:nvPicPr>
-          <p:cNvPr id="87" name="Imagem 86">
-            <a:extLst>
-              <a:ext uri="{FF2B5EF4-FFF2-40B4-BE49-F238E27FC236}">
-                <a16:creationId xmlns:a16="http://schemas.microsoft.com/office/drawing/2014/main" id="{879BE965-C161-E648-940B-74D51FEFBAF4}"/>
+          <p:cNvPr id="88" name="Imagem 87">
+            <a:extLst>
+              <a:ext uri="{FF2B5EF4-FFF2-40B4-BE49-F238E27FC236}">
+                <a16:creationId xmlns:a16="http://schemas.microsoft.com/office/drawing/2014/main" id="{1DD18263-AB24-3586-B4C4-86945EBE1D06}"/>
               </a:ext>
             </a:extLst>
           </p:cNvPr>
@@ -7936,51 +7776,21 @@
           <p:nvPr/>
         </p:nvPicPr>
         <p:blipFill>
-          <a:blip r:embed="rId3"/>
+          <a:blip r:embed="rId4"/>
           <a:stretch>
             <a:fillRect/>
           </a:stretch>
         </p:blipFill>
         <p:spPr>
           <a:xfrm>
-            <a:off x="4718934" y="3139402"/>
-            <a:ext cx="738012" cy="555034"/>
+            <a:off x="-920822" y="1444029"/>
+            <a:ext cx="786075" cy="591180"/>
           </a:xfrm>
           <a:prstGeom prst="rect">
             <a:avLst/>
           </a:prstGeom>
         </p:spPr>
       </p:pic>
-      <p:pic>
-        <p:nvPicPr>
-          <p:cNvPr id="88" name="Imagem 87">
-            <a:extLst>
-              <a:ext uri="{FF2B5EF4-FFF2-40B4-BE49-F238E27FC236}">
-                <a16:creationId xmlns:a16="http://schemas.microsoft.com/office/drawing/2014/main" id="{1DD18263-AB24-3586-B4C4-86945EBE1D06}"/>
-              </a:ext>
-            </a:extLst>
-          </p:cNvPr>
-          <p:cNvPicPr>
-            <a:picLocks noChangeAspect="1"/>
-          </p:cNvPicPr>
-          <p:nvPr/>
-        </p:nvPicPr>
-        <p:blipFill>
-          <a:blip r:embed="rId3"/>
-          <a:stretch>
-            <a:fillRect/>
-          </a:stretch>
-        </p:blipFill>
-        <p:spPr>
-          <a:xfrm>
-            <a:off x="1377800" y="1568810"/>
-            <a:ext cx="786075" cy="591180"/>
-          </a:xfrm>
-          <a:prstGeom prst="rect">
-            <a:avLst/>
-          </a:prstGeom>
-        </p:spPr>
-      </p:pic>
       <p:sp>
         <p:nvSpPr>
           <p:cNvPr id="19" name="CaixaDeTexto 18">
@@ -7996,7 +7806,7 @@
         <p:spPr>
           <a:xfrm>
             <a:off x="6674099" y="112539"/>
-            <a:ext cx="4798301" cy="369332"/>
+            <a:ext cx="4922053" cy="369332"/>
           </a:xfrm>
           <a:prstGeom prst="rect">
             <a:avLst/>
@@ -8011,7 +7821,7 @@
           <a:p>
             <a:r>
               <a:rPr lang="pt-BR" b="1" dirty="0"/>
-              <a:t>Como será minha criação da documentação</a:t>
+              <a:t>Como será minha criação de documentações</a:t>
             </a:r>
           </a:p>
         </p:txBody>
@@ -8030,7 +7840,7 @@
         </p:nvSpPr>
         <p:spPr>
           <a:xfrm>
-            <a:off x="10035766" y="5887652"/>
+            <a:off x="9761706" y="5667786"/>
             <a:ext cx="1533788" cy="448809"/>
           </a:xfrm>
           <a:prstGeom prst="rect">
@@ -8070,36 +7880,6 @@
           </a:p>
         </p:txBody>
       </p:sp>
-      <p:pic>
-        <p:nvPicPr>
-          <p:cNvPr id="27" name="Imagem 26">
-            <a:extLst>
-              <a:ext uri="{FF2B5EF4-FFF2-40B4-BE49-F238E27FC236}">
-                <a16:creationId xmlns:a16="http://schemas.microsoft.com/office/drawing/2014/main" id="{2F953BA8-1ADC-396C-E3C7-7303A2519DDD}"/>
-              </a:ext>
-            </a:extLst>
-          </p:cNvPr>
-          <p:cNvPicPr>
-            <a:picLocks noChangeAspect="1"/>
-          </p:cNvPicPr>
-          <p:nvPr/>
-        </p:nvPicPr>
-        <p:blipFill>
-          <a:blip r:embed="rId3"/>
-          <a:stretch>
-            <a:fillRect/>
-          </a:stretch>
-        </p:blipFill>
-        <p:spPr>
-          <a:xfrm>
-            <a:off x="9809984" y="2374815"/>
-            <a:ext cx="910205" cy="684534"/>
-          </a:xfrm>
-          <a:prstGeom prst="rect">
-            <a:avLst/>
-          </a:prstGeom>
-        </p:spPr>
-      </p:pic>
       <p:sp>
         <p:nvSpPr>
           <p:cNvPr id="15" name="Retângulo 14">
@@ -8171,7 +7951,7 @@
           <p:nvPr/>
         </p:nvPicPr>
         <p:blipFill>
-          <a:blip r:embed="rId4">
+          <a:blip r:embed="rId5">
             <a:extLst>
               <a:ext uri="{28A0092B-C50C-407E-A947-70E740481C1C}">
                 <a14:useLocalDpi xmlns:a14="http://schemas.microsoft.com/office/drawing/2010/main" val="0"/>
@@ -8184,79 +7964,7 @@
         </p:blipFill>
         <p:spPr>
           <a:xfrm>
-            <a:off x="1183870" y="1435306"/>
-            <a:ext cx="584752" cy="547820"/>
-          </a:xfrm>
-          <a:prstGeom prst="rect">
-            <a:avLst/>
-          </a:prstGeom>
-        </p:spPr>
-      </p:pic>
-      <p:pic>
-        <p:nvPicPr>
-          <p:cNvPr id="75" name="Imagem 74" descr="Ícone&#10;&#10;Descrição gerada automaticamente">
-            <a:extLst>
-              <a:ext uri="{FF2B5EF4-FFF2-40B4-BE49-F238E27FC236}">
-                <a16:creationId xmlns:a16="http://schemas.microsoft.com/office/drawing/2014/main" id="{7EFB2560-C291-0C2A-8E4F-7EDB6A656EDA}"/>
-              </a:ext>
-            </a:extLst>
-          </p:cNvPr>
-          <p:cNvPicPr>
-            <a:picLocks noChangeAspect="1"/>
-          </p:cNvPicPr>
-          <p:nvPr/>
-        </p:nvPicPr>
-        <p:blipFill>
-          <a:blip r:embed="rId4">
-            <a:extLst>
-              <a:ext uri="{28A0092B-C50C-407E-A947-70E740481C1C}">
-                <a14:useLocalDpi xmlns:a14="http://schemas.microsoft.com/office/drawing/2010/main" val="0"/>
-              </a:ext>
-            </a:extLst>
-          </a:blip>
-          <a:stretch>
-            <a:fillRect/>
-          </a:stretch>
-        </p:blipFill>
-        <p:spPr>
-          <a:xfrm>
-            <a:off x="4530492" y="2975823"/>
-            <a:ext cx="584752" cy="547820"/>
-          </a:xfrm>
-          <a:prstGeom prst="rect">
-            <a:avLst/>
-          </a:prstGeom>
-        </p:spPr>
-      </p:pic>
-      <p:pic>
-        <p:nvPicPr>
-          <p:cNvPr id="20" name="Imagem 19" descr="Ícone&#10;&#10;Descrição gerada automaticamente">
-            <a:extLst>
-              <a:ext uri="{FF2B5EF4-FFF2-40B4-BE49-F238E27FC236}">
-                <a16:creationId xmlns:a16="http://schemas.microsoft.com/office/drawing/2014/main" id="{8D83E5E8-5BF1-BE13-5307-B8A37D830533}"/>
-              </a:ext>
-            </a:extLst>
-          </p:cNvPr>
-          <p:cNvPicPr>
-            <a:picLocks noChangeAspect="1"/>
-          </p:cNvPicPr>
-          <p:nvPr/>
-        </p:nvPicPr>
-        <p:blipFill>
-          <a:blip r:embed="rId4">
-            <a:extLst>
-              <a:ext uri="{28A0092B-C50C-407E-A947-70E740481C1C}">
-                <a14:useLocalDpi xmlns:a14="http://schemas.microsoft.com/office/drawing/2010/main" val="0"/>
-              </a:ext>
-            </a:extLst>
-          </a:blip>
-          <a:stretch>
-            <a:fillRect/>
-          </a:stretch>
-        </p:blipFill>
-        <p:spPr>
-          <a:xfrm>
-            <a:off x="9647328" y="2252161"/>
+            <a:off x="-1114752" y="1310525"/>
             <a:ext cx="584752" cy="547820"/>
           </a:xfrm>
           <a:prstGeom prst="rect">
@@ -8320,7 +8028,7 @@
           <p:nvPr/>
         </p:nvPicPr>
         <p:blipFill>
-          <a:blip r:embed="rId5">
+          <a:blip r:embed="rId6">
             <a:extLst>
               <a:ext uri="{28A0092B-C50C-407E-A947-70E740481C1C}">
                 <a14:useLocalDpi xmlns:a14="http://schemas.microsoft.com/office/drawing/2010/main" val="0"/>
@@ -8367,7 +8075,7 @@
           <p:nvPr/>
         </p:nvPicPr>
         <p:blipFill>
-          <a:blip r:embed="rId5">
+          <a:blip r:embed="rId6">
             <a:extLst>
               <a:ext uri="{28A0092B-C50C-407E-A947-70E740481C1C}">
                 <a14:useLocalDpi xmlns:a14="http://schemas.microsoft.com/office/drawing/2010/main" val="0"/>
@@ -8381,7 +8089,7 @@
         </p:blipFill>
         <p:spPr bwMode="auto">
           <a:xfrm>
-            <a:off x="8866880" y="5048751"/>
+            <a:off x="8592820" y="4828885"/>
             <a:ext cx="524316" cy="521539"/>
           </a:xfrm>
           <a:prstGeom prst="rect">
@@ -8449,7 +8157,7 @@
           <p:nvPr/>
         </p:nvPicPr>
         <p:blipFill>
-          <a:blip r:embed="rId6">
+          <a:blip r:embed="rId7">
             <a:extLst>
               <a:ext uri="{28A0092B-C50C-407E-A947-70E740481C1C}">
                 <a14:useLocalDpi xmlns:a14="http://schemas.microsoft.com/office/drawing/2010/main" val="0"/>
@@ -8496,7 +8204,7 @@
           <p:nvPr/>
         </p:nvPicPr>
         <p:blipFill>
-          <a:blip r:embed="rId7">
+          <a:blip r:embed="rId8">
             <a:extLst>
               <a:ext uri="{28A0092B-C50C-407E-A947-70E740481C1C}">
                 <a14:useLocalDpi xmlns:a14="http://schemas.microsoft.com/office/drawing/2010/main" val="0"/>
@@ -8543,7 +8251,7 @@
           <p:nvPr/>
         </p:nvPicPr>
         <p:blipFill>
-          <a:blip r:embed="rId8">
+          <a:blip r:embed="rId9">
             <a:extLst>
               <a:ext uri="{28A0092B-C50C-407E-A947-70E740481C1C}">
                 <a14:useLocalDpi xmlns:a14="http://schemas.microsoft.com/office/drawing/2010/main" val="0"/>
@@ -8590,7 +8298,7 @@
           <p:nvPr/>
         </p:nvPicPr>
         <p:blipFill>
-          <a:blip r:embed="rId9"/>
+          <a:blip r:embed="rId10"/>
           <a:stretch>
             <a:fillRect/>
           </a:stretch>
@@ -8654,7 +8362,7 @@
         </p:nvSpPr>
         <p:spPr>
           <a:xfrm>
-            <a:off x="10007603" y="4675988"/>
+            <a:off x="9733543" y="4456122"/>
             <a:ext cx="1533788" cy="448809"/>
           </a:xfrm>
           <a:prstGeom prst="rect">
@@ -8694,6 +8402,48 @@
           </a:p>
         </p:txBody>
       </p:sp>
+      <p:cxnSp>
+        <p:nvCxnSpPr>
+          <p:cNvPr id="35" name="Conector: Angulado 34">
+            <a:extLst>
+              <a:ext uri="{FF2B5EF4-FFF2-40B4-BE49-F238E27FC236}">
+                <a16:creationId xmlns:a16="http://schemas.microsoft.com/office/drawing/2014/main" id="{F30F2981-D3AB-A2D7-095A-AFBB369E1B49}"/>
+              </a:ext>
+            </a:extLst>
+          </p:cNvPr>
+          <p:cNvCxnSpPr>
+            <a:cxnSpLocks/>
+            <a:stCxn id="40" idx="1"/>
+          </p:cNvCxnSpPr>
+          <p:nvPr/>
+        </p:nvCxnSpPr>
+        <p:spPr>
+          <a:xfrm rot="10800000" flipV="1">
+            <a:off x="6680191" y="1148447"/>
+            <a:ext cx="1950019" cy="2267255"/>
+          </a:xfrm>
+          <a:prstGeom prst="bentConnector2">
+            <a:avLst/>
+          </a:prstGeom>
+          <a:ln>
+            <a:tailEnd type="triangle"/>
+          </a:ln>
+        </p:spPr>
+        <p:style>
+          <a:lnRef idx="2">
+            <a:schemeClr val="accent1"/>
+          </a:lnRef>
+          <a:fillRef idx="0">
+            <a:schemeClr val="accent1"/>
+          </a:fillRef>
+          <a:effectRef idx="1">
+            <a:schemeClr val="accent1"/>
+          </a:effectRef>
+          <a:fontRef idx="minor">
+            <a:schemeClr val="tx1"/>
+          </a:fontRef>
+        </p:style>
+      </p:cxnSp>
       <p:pic>
         <p:nvPicPr>
           <p:cNvPr id="1026" name="Picture 2" descr="Alfred Gallery • Workflows • Markdown Notes">
@@ -8709,7 +8459,7 @@
           <p:nvPr/>
         </p:nvPicPr>
         <p:blipFill>
-          <a:blip r:embed="rId10">
+          <a:blip r:embed="rId11">
             <a:extLst>
               <a:ext uri="{28A0092B-C50C-407E-A947-70E740481C1C}">
                 <a14:useLocalDpi xmlns:a14="http://schemas.microsoft.com/office/drawing/2010/main" val="0"/>
@@ -8723,8 +8473,8 @@
         </p:blipFill>
         <p:spPr bwMode="auto">
           <a:xfrm>
-            <a:off x="5851540" y="1812581"/>
-            <a:ext cx="885479" cy="885479"/>
+            <a:off x="2185398" y="656539"/>
+            <a:ext cx="580754" cy="580754"/>
           </a:xfrm>
           <a:prstGeom prst="rect">
             <a:avLst/>
@@ -8741,30 +8491,188 @@
           </a:extLst>
         </p:spPr>
       </p:pic>
+      <p:sp>
+        <p:nvSpPr>
+          <p:cNvPr id="42" name="CaixaDeTexto 41">
+            <a:extLst>
+              <a:ext uri="{FF2B5EF4-FFF2-40B4-BE49-F238E27FC236}">
+                <a16:creationId xmlns:a16="http://schemas.microsoft.com/office/drawing/2014/main" id="{19659AC8-4931-36D0-B5DD-78BBAAC55623}"/>
+              </a:ext>
+            </a:extLst>
+          </p:cNvPr>
+          <p:cNvSpPr txBox="1"/>
+          <p:nvPr/>
+        </p:nvSpPr>
+        <p:spPr>
+          <a:xfrm>
+            <a:off x="336521" y="1975847"/>
+            <a:ext cx="731290" cy="369332"/>
+          </a:xfrm>
+          <a:prstGeom prst="rect">
+            <a:avLst/>
+          </a:prstGeom>
+          <a:noFill/>
+        </p:spPr>
+        <p:txBody>
+          <a:bodyPr wrap="none" rtlCol="0">
+            <a:spAutoFit/>
+          </a:bodyPr>
+          <a:lstStyle/>
+          <a:p>
+            <a:r>
+              <a:rPr lang="pt-BR" b="1" dirty="0"/>
+              <a:t>input</a:t>
+            </a:r>
+          </a:p>
+        </p:txBody>
+      </p:sp>
+      <p:sp>
+        <p:nvSpPr>
+          <p:cNvPr id="43" name="CaixaDeTexto 42">
+            <a:extLst>
+              <a:ext uri="{FF2B5EF4-FFF2-40B4-BE49-F238E27FC236}">
+                <a16:creationId xmlns:a16="http://schemas.microsoft.com/office/drawing/2014/main" id="{6A81E2EF-32D1-49C4-8539-05305358525F}"/>
+              </a:ext>
+            </a:extLst>
+          </p:cNvPr>
+          <p:cNvSpPr txBox="1"/>
+          <p:nvPr/>
+        </p:nvSpPr>
+        <p:spPr>
+          <a:xfrm>
+            <a:off x="11092133" y="6326936"/>
+            <a:ext cx="885179" cy="369332"/>
+          </a:xfrm>
+          <a:prstGeom prst="rect">
+            <a:avLst/>
+          </a:prstGeom>
+          <a:noFill/>
+        </p:spPr>
+        <p:txBody>
+          <a:bodyPr wrap="none" rtlCol="0">
+            <a:spAutoFit/>
+          </a:bodyPr>
+          <a:lstStyle/>
+          <a:p>
+            <a:r>
+              <a:rPr lang="pt-BR" b="1" dirty="0"/>
+              <a:t>output</a:t>
+            </a:r>
+          </a:p>
+        </p:txBody>
+      </p:sp>
+      <p:cxnSp>
+        <p:nvCxnSpPr>
+          <p:cNvPr id="49" name="Conector de Seta Reta 48">
+            <a:extLst>
+              <a:ext uri="{FF2B5EF4-FFF2-40B4-BE49-F238E27FC236}">
+                <a16:creationId xmlns:a16="http://schemas.microsoft.com/office/drawing/2014/main" id="{DF9BA79F-F6B2-A766-A6D6-8063D4DFE440}"/>
+              </a:ext>
+            </a:extLst>
+          </p:cNvPr>
+          <p:cNvCxnSpPr>
+            <a:cxnSpLocks/>
+          </p:cNvCxnSpPr>
+          <p:nvPr/>
+        </p:nvCxnSpPr>
+        <p:spPr>
+          <a:xfrm>
+            <a:off x="7118214" y="4657637"/>
+            <a:ext cx="560590" cy="644551"/>
+          </a:xfrm>
+          <a:prstGeom prst="straightConnector1">
+            <a:avLst/>
+          </a:prstGeom>
+          <a:ln>
+            <a:tailEnd type="triangle"/>
+          </a:ln>
+        </p:spPr>
+        <p:style>
+          <a:lnRef idx="2">
+            <a:schemeClr val="accent1"/>
+          </a:lnRef>
+          <a:fillRef idx="0">
+            <a:schemeClr val="accent1"/>
+          </a:fillRef>
+          <a:effectRef idx="1">
+            <a:schemeClr val="accent1"/>
+          </a:effectRef>
+          <a:fontRef idx="minor">
+            <a:schemeClr val="tx1"/>
+          </a:fontRef>
+        </p:style>
+      </p:cxnSp>
       <p:pic>
         <p:nvPicPr>
-          <p:cNvPr id="24" name="Imagem 23">
-            <a:extLst>
-              <a:ext uri="{FF2B5EF4-FFF2-40B4-BE49-F238E27FC236}">
-                <a16:creationId xmlns:a16="http://schemas.microsoft.com/office/drawing/2014/main" id="{8928CD49-1600-932E-C54C-4003470C52D0}"/>
+          <p:cNvPr id="48" name="Picture 2" descr="Alfred Gallery • Workflows • Markdown Notes">
+            <a:extLst>
+              <a:ext uri="{FF2B5EF4-FFF2-40B4-BE49-F238E27FC236}">
+                <a16:creationId xmlns:a16="http://schemas.microsoft.com/office/drawing/2014/main" id="{ED737F4C-5CD5-EE8D-015B-B4A30A7933AB}"/>
               </a:ext>
             </a:extLst>
           </p:cNvPr>
           <p:cNvPicPr>
-            <a:picLocks noChangeAspect="1"/>
+            <a:picLocks noChangeAspect="1" noChangeArrowheads="1"/>
           </p:cNvPicPr>
           <p:nvPr/>
         </p:nvPicPr>
         <p:blipFill>
-          <a:blip r:embed="rId11"/>
+          <a:blip r:embed="rId11">
+            <a:extLst>
+              <a:ext uri="{28A0092B-C50C-407E-A947-70E740481C1C}">
+                <a14:useLocalDpi xmlns:a14="http://schemas.microsoft.com/office/drawing/2010/main" val="0"/>
+              </a:ext>
+            </a:extLst>
+          </a:blip>
+          <a:srcRect/>
           <a:stretch>
             <a:fillRect/>
           </a:stretch>
         </p:blipFill>
-        <p:spPr>
-          <a:xfrm>
-            <a:off x="2187463" y="1759727"/>
-            <a:ext cx="818735" cy="503287"/>
+        <p:spPr bwMode="auto">
+          <a:xfrm>
+            <a:off x="5959398" y="4115834"/>
+            <a:ext cx="580754" cy="580754"/>
+          </a:xfrm>
+          <a:prstGeom prst="rect">
+            <a:avLst/>
+          </a:prstGeom>
+          <a:noFill/>
+          <a:extLst>
+            <a:ext uri="{909E8E84-426E-40DD-AFC4-6F175D3DCCD1}">
+              <a14:hiddenFill xmlns:a14="http://schemas.microsoft.com/office/drawing/2010/main">
+                <a:solidFill>
+                  <a:srgbClr val="FFFFFF"/>
+                </a:solidFill>
+              </a14:hiddenFill>
+            </a:ext>
+          </a:extLst>
+        </p:spPr>
+      </p:pic>
+      <p:pic>
+        <p:nvPicPr>
+          <p:cNvPr id="52" name="Imagem 51">
+            <a:extLst>
+              <a:ext uri="{FF2B5EF4-FFF2-40B4-BE49-F238E27FC236}">
+                <a16:creationId xmlns:a16="http://schemas.microsoft.com/office/drawing/2014/main" id="{8B7EDB85-E2CD-C3B5-1F99-1726F790FECC}"/>
+              </a:ext>
+            </a:extLst>
+          </p:cNvPr>
+          <p:cNvPicPr>
+            <a:picLocks noChangeAspect="1"/>
+          </p:cNvPicPr>
+          <p:nvPr/>
+        </p:nvPicPr>
+        <p:blipFill>
+          <a:blip r:embed="rId2"/>
+          <a:stretch>
+            <a:fillRect/>
+          </a:stretch>
+        </p:blipFill>
+        <p:spPr>
+          <a:xfrm>
+            <a:off x="4344006" y="2604088"/>
+            <a:ext cx="1375887" cy="845775"/>
           </a:xfrm>
           <a:prstGeom prst="rect">
             <a:avLst/>

--- a/docs/Conceitos.pptx
+++ b/docs/Conceitos.pptx
@@ -266,7 +266,7 @@
           <a:p>
             <a:fld id="{99AEEDCC-A067-4C97-83F4-BFBE4882BBAC}" type="datetimeFigureOut">
               <a:rPr lang="pt-BR" smtClean="0"/>
-              <a:t>16/08/2024</a:t>
+              <a:t>19/08/2024</a:t>
             </a:fld>
             <a:endParaRPr lang="pt-BR"/>
           </a:p>
@@ -464,7 +464,7 @@
           <a:p>
             <a:fld id="{99AEEDCC-A067-4C97-83F4-BFBE4882BBAC}" type="datetimeFigureOut">
               <a:rPr lang="pt-BR" smtClean="0"/>
-              <a:t>16/08/2024</a:t>
+              <a:t>19/08/2024</a:t>
             </a:fld>
             <a:endParaRPr lang="pt-BR"/>
           </a:p>
@@ -672,7 +672,7 @@
           <a:p>
             <a:fld id="{99AEEDCC-A067-4C97-83F4-BFBE4882BBAC}" type="datetimeFigureOut">
               <a:rPr lang="pt-BR" smtClean="0"/>
-              <a:t>16/08/2024</a:t>
+              <a:t>19/08/2024</a:t>
             </a:fld>
             <a:endParaRPr lang="pt-BR"/>
           </a:p>
@@ -870,7 +870,7 @@
           <a:p>
             <a:fld id="{99AEEDCC-A067-4C97-83F4-BFBE4882BBAC}" type="datetimeFigureOut">
               <a:rPr lang="pt-BR" smtClean="0"/>
-              <a:t>16/08/2024</a:t>
+              <a:t>19/08/2024</a:t>
             </a:fld>
             <a:endParaRPr lang="pt-BR"/>
           </a:p>
@@ -1145,7 +1145,7 @@
           <a:p>
             <a:fld id="{99AEEDCC-A067-4C97-83F4-BFBE4882BBAC}" type="datetimeFigureOut">
               <a:rPr lang="pt-BR" smtClean="0"/>
-              <a:t>16/08/2024</a:t>
+              <a:t>19/08/2024</a:t>
             </a:fld>
             <a:endParaRPr lang="pt-BR"/>
           </a:p>
@@ -1410,7 +1410,7 @@
           <a:p>
             <a:fld id="{99AEEDCC-A067-4C97-83F4-BFBE4882BBAC}" type="datetimeFigureOut">
               <a:rPr lang="pt-BR" smtClean="0"/>
-              <a:t>16/08/2024</a:t>
+              <a:t>19/08/2024</a:t>
             </a:fld>
             <a:endParaRPr lang="pt-BR"/>
           </a:p>
@@ -1822,7 +1822,7 @@
           <a:p>
             <a:fld id="{99AEEDCC-A067-4C97-83F4-BFBE4882BBAC}" type="datetimeFigureOut">
               <a:rPr lang="pt-BR" smtClean="0"/>
-              <a:t>16/08/2024</a:t>
+              <a:t>19/08/2024</a:t>
             </a:fld>
             <a:endParaRPr lang="pt-BR"/>
           </a:p>
@@ -1963,7 +1963,7 @@
           <a:p>
             <a:fld id="{99AEEDCC-A067-4C97-83F4-BFBE4882BBAC}" type="datetimeFigureOut">
               <a:rPr lang="pt-BR" smtClean="0"/>
-              <a:t>16/08/2024</a:t>
+              <a:t>19/08/2024</a:t>
             </a:fld>
             <a:endParaRPr lang="pt-BR"/>
           </a:p>
@@ -2076,7 +2076,7 @@
           <a:p>
             <a:fld id="{99AEEDCC-A067-4C97-83F4-BFBE4882BBAC}" type="datetimeFigureOut">
               <a:rPr lang="pt-BR" smtClean="0"/>
-              <a:t>16/08/2024</a:t>
+              <a:t>19/08/2024</a:t>
             </a:fld>
             <a:endParaRPr lang="pt-BR"/>
           </a:p>
@@ -2387,7 +2387,7 @@
           <a:p>
             <a:fld id="{99AEEDCC-A067-4C97-83F4-BFBE4882BBAC}" type="datetimeFigureOut">
               <a:rPr lang="pt-BR" smtClean="0"/>
-              <a:t>16/08/2024</a:t>
+              <a:t>19/08/2024</a:t>
             </a:fld>
             <a:endParaRPr lang="pt-BR"/>
           </a:p>
@@ -2675,7 +2675,7 @@
           <a:p>
             <a:fld id="{99AEEDCC-A067-4C97-83F4-BFBE4882BBAC}" type="datetimeFigureOut">
               <a:rPr lang="pt-BR" smtClean="0"/>
-              <a:t>16/08/2024</a:t>
+              <a:t>19/08/2024</a:t>
             </a:fld>
             <a:endParaRPr lang="pt-BR"/>
           </a:p>
@@ -2916,7 +2916,7 @@
           <a:p>
             <a:fld id="{99AEEDCC-A067-4C97-83F4-BFBE4882BBAC}" type="datetimeFigureOut">
               <a:rPr lang="pt-BR" smtClean="0"/>
-              <a:t>16/08/2024</a:t>
+              <a:t>19/08/2024</a:t>
             </a:fld>
             <a:endParaRPr lang="pt-BR"/>
           </a:p>
@@ -7671,8 +7671,8 @@
         </p:blipFill>
         <p:spPr>
           <a:xfrm>
-            <a:off x="1099867" y="5867427"/>
-            <a:ext cx="697308" cy="499819"/>
+            <a:off x="-1442954" y="4702371"/>
+            <a:ext cx="1080612" cy="774565"/>
           </a:xfrm>
           <a:prstGeom prst="rect">
             <a:avLst/>
@@ -8171,7 +8171,7 @@
         </p:blipFill>
         <p:spPr bwMode="auto">
           <a:xfrm>
-            <a:off x="45922" y="5608104"/>
+            <a:off x="1987782" y="5685519"/>
             <a:ext cx="1005521" cy="1005521"/>
           </a:xfrm>
           <a:prstGeom prst="rect">
@@ -8218,7 +8218,7 @@
         </p:blipFill>
         <p:spPr bwMode="auto">
           <a:xfrm>
-            <a:off x="1943565" y="5710126"/>
+            <a:off x="-1215252" y="5586209"/>
             <a:ext cx="805372" cy="801476"/>
           </a:xfrm>
           <a:prstGeom prst="rect">
@@ -8265,7 +8265,7 @@
         </p:blipFill>
         <p:spPr bwMode="auto">
           <a:xfrm>
-            <a:off x="-1513786" y="4727269"/>
+            <a:off x="-1649221" y="4030927"/>
             <a:ext cx="1356046" cy="317823"/>
           </a:xfrm>
           <a:prstGeom prst="rect">
@@ -8679,6 +8679,94 @@
           </a:prstGeom>
         </p:spPr>
       </p:pic>
+      <p:pic>
+        <p:nvPicPr>
+          <p:cNvPr id="13" name="Picture 2" descr="OneDrive Logo | Information Technology Solutions">
+            <a:extLst>
+              <a:ext uri="{FF2B5EF4-FFF2-40B4-BE49-F238E27FC236}">
+                <a16:creationId xmlns:a16="http://schemas.microsoft.com/office/drawing/2014/main" id="{E64BA643-005F-256B-CF4A-F35DCCF89608}"/>
+              </a:ext>
+            </a:extLst>
+          </p:cNvPr>
+          <p:cNvPicPr>
+            <a:picLocks noChangeAspect="1" noChangeArrowheads="1"/>
+          </p:cNvPicPr>
+          <p:nvPr/>
+        </p:nvPicPr>
+        <p:blipFill>
+          <a:blip r:embed="rId12">
+            <a:extLst>
+              <a:ext uri="{28A0092B-C50C-407E-A947-70E740481C1C}">
+                <a14:useLocalDpi xmlns:a14="http://schemas.microsoft.com/office/drawing/2010/main" val="0"/>
+              </a:ext>
+            </a:extLst>
+          </a:blip>
+          <a:srcRect/>
+          <a:stretch>
+            <a:fillRect/>
+          </a:stretch>
+        </p:blipFill>
+        <p:spPr bwMode="auto">
+          <a:xfrm>
+            <a:off x="820669" y="5943914"/>
+            <a:ext cx="930706" cy="691666"/>
+          </a:xfrm>
+          <a:prstGeom prst="rect">
+            <a:avLst/>
+          </a:prstGeom>
+          <a:noFill/>
+          <a:extLst>
+            <a:ext uri="{909E8E84-426E-40DD-AFC4-6F175D3DCCD1}">
+              <a14:hiddenFill xmlns:a14="http://schemas.microsoft.com/office/drawing/2010/main">
+                <a:solidFill>
+                  <a:srgbClr val="FFFFFF"/>
+                </a:solidFill>
+              </a14:hiddenFill>
+            </a:ext>
+          </a:extLst>
+        </p:spPr>
+      </p:pic>
+      <p:cxnSp>
+        <p:nvCxnSpPr>
+          <p:cNvPr id="20" name="Conector de Seta Reta 19">
+            <a:extLst>
+              <a:ext uri="{FF2B5EF4-FFF2-40B4-BE49-F238E27FC236}">
+                <a16:creationId xmlns:a16="http://schemas.microsoft.com/office/drawing/2014/main" id="{289CCCDE-9728-65C8-9D0A-640219B623CB}"/>
+              </a:ext>
+            </a:extLst>
+          </p:cNvPr>
+          <p:cNvCxnSpPr>
+            <a:cxnSpLocks/>
+          </p:cNvCxnSpPr>
+          <p:nvPr/>
+        </p:nvCxnSpPr>
+        <p:spPr>
+          <a:xfrm flipV="1">
+            <a:off x="1431832" y="4781190"/>
+            <a:ext cx="394981" cy="6643"/>
+          </a:xfrm>
+          <a:prstGeom prst="straightConnector1">
+            <a:avLst/>
+          </a:prstGeom>
+          <a:ln>
+            <a:tailEnd type="triangle"/>
+          </a:ln>
+        </p:spPr>
+        <p:style>
+          <a:lnRef idx="2">
+            <a:schemeClr val="accent1"/>
+          </a:lnRef>
+          <a:fillRef idx="0">
+            <a:schemeClr val="accent1"/>
+          </a:fillRef>
+          <a:effectRef idx="1">
+            <a:schemeClr val="accent1"/>
+          </a:effectRef>
+          <a:fontRef idx="minor">
+            <a:schemeClr val="tx1"/>
+          </a:fontRef>
+        </p:style>
+      </p:cxnSp>
     </p:spTree>
     <p:extLst>
       <p:ext uri="{BB962C8B-B14F-4D97-AF65-F5344CB8AC3E}">
